--- a/藍芽溝通方式_20210514.pptx
+++ b/藍芽溝通方式_20210514.pptx
@@ -17,10 +17,14 @@
     <p:sldId id="263" r:id="rId11"/>
     <p:sldId id="265" r:id="rId12"/>
     <p:sldId id="266" r:id="rId13"/>
-    <p:sldId id="267" r:id="rId14"/>
-    <p:sldId id="268" r:id="rId15"/>
-    <p:sldId id="269" r:id="rId16"/>
-    <p:sldId id="271" r:id="rId17"/>
+    <p:sldId id="273" r:id="rId14"/>
+    <p:sldId id="274" r:id="rId15"/>
+    <p:sldId id="275" r:id="rId16"/>
+    <p:sldId id="272" r:id="rId17"/>
+    <p:sldId id="267" r:id="rId18"/>
+    <p:sldId id="268" r:id="rId19"/>
+    <p:sldId id="269" r:id="rId20"/>
+    <p:sldId id="271" r:id="rId21"/>
   </p:sldIdLst>
   <p:sldSz cx="12192000" cy="6858000"/>
   <p:notesSz cx="6858000" cy="9144000"/>
@@ -258,7 +262,7 @@
           <a:p>
             <a:fld id="{86A64ED7-B347-4843-8DF6-DCD5F899D218}" type="datetimeFigureOut">
               <a:rPr lang="zh-TW" altLang="en-US" smtClean="0"/>
-              <a:t>2021/5/15</a:t>
+              <a:t>2021/6/13</a:t>
             </a:fld>
             <a:endParaRPr lang="zh-TW" altLang="en-US"/>
           </a:p>
@@ -428,7 +432,7 @@
           <a:p>
             <a:fld id="{86A64ED7-B347-4843-8DF6-DCD5F899D218}" type="datetimeFigureOut">
               <a:rPr lang="zh-TW" altLang="en-US" smtClean="0"/>
-              <a:t>2021/5/15</a:t>
+              <a:t>2021/6/13</a:t>
             </a:fld>
             <a:endParaRPr lang="zh-TW" altLang="en-US"/>
           </a:p>
@@ -608,7 +612,7 @@
           <a:p>
             <a:fld id="{86A64ED7-B347-4843-8DF6-DCD5F899D218}" type="datetimeFigureOut">
               <a:rPr lang="zh-TW" altLang="en-US" smtClean="0"/>
-              <a:t>2021/5/15</a:t>
+              <a:t>2021/6/13</a:t>
             </a:fld>
             <a:endParaRPr lang="zh-TW" altLang="en-US"/>
           </a:p>
@@ -778,7 +782,7 @@
           <a:p>
             <a:fld id="{86A64ED7-B347-4843-8DF6-DCD5F899D218}" type="datetimeFigureOut">
               <a:rPr lang="zh-TW" altLang="en-US" smtClean="0"/>
-              <a:t>2021/5/15</a:t>
+              <a:t>2021/6/13</a:t>
             </a:fld>
             <a:endParaRPr lang="zh-TW" altLang="en-US"/>
           </a:p>
@@ -1024,7 +1028,7 @@
           <a:p>
             <a:fld id="{86A64ED7-B347-4843-8DF6-DCD5F899D218}" type="datetimeFigureOut">
               <a:rPr lang="zh-TW" altLang="en-US" smtClean="0"/>
-              <a:t>2021/5/15</a:t>
+              <a:t>2021/6/13</a:t>
             </a:fld>
             <a:endParaRPr lang="zh-TW" altLang="en-US"/>
           </a:p>
@@ -1256,7 +1260,7 @@
           <a:p>
             <a:fld id="{86A64ED7-B347-4843-8DF6-DCD5F899D218}" type="datetimeFigureOut">
               <a:rPr lang="zh-TW" altLang="en-US" smtClean="0"/>
-              <a:t>2021/5/15</a:t>
+              <a:t>2021/6/13</a:t>
             </a:fld>
             <a:endParaRPr lang="zh-TW" altLang="en-US"/>
           </a:p>
@@ -1623,7 +1627,7 @@
           <a:p>
             <a:fld id="{86A64ED7-B347-4843-8DF6-DCD5F899D218}" type="datetimeFigureOut">
               <a:rPr lang="zh-TW" altLang="en-US" smtClean="0"/>
-              <a:t>2021/5/15</a:t>
+              <a:t>2021/6/13</a:t>
             </a:fld>
             <a:endParaRPr lang="zh-TW" altLang="en-US"/>
           </a:p>
@@ -1741,7 +1745,7 @@
           <a:p>
             <a:fld id="{86A64ED7-B347-4843-8DF6-DCD5F899D218}" type="datetimeFigureOut">
               <a:rPr lang="zh-TW" altLang="en-US" smtClean="0"/>
-              <a:t>2021/5/15</a:t>
+              <a:t>2021/6/13</a:t>
             </a:fld>
             <a:endParaRPr lang="zh-TW" altLang="en-US"/>
           </a:p>
@@ -1836,7 +1840,7 @@
           <a:p>
             <a:fld id="{86A64ED7-B347-4843-8DF6-DCD5F899D218}" type="datetimeFigureOut">
               <a:rPr lang="zh-TW" altLang="en-US" smtClean="0"/>
-              <a:t>2021/5/15</a:t>
+              <a:t>2021/6/13</a:t>
             </a:fld>
             <a:endParaRPr lang="zh-TW" altLang="en-US"/>
           </a:p>
@@ -2113,7 +2117,7 @@
           <a:p>
             <a:fld id="{86A64ED7-B347-4843-8DF6-DCD5F899D218}" type="datetimeFigureOut">
               <a:rPr lang="zh-TW" altLang="en-US" smtClean="0"/>
-              <a:t>2021/5/15</a:t>
+              <a:t>2021/6/13</a:t>
             </a:fld>
             <a:endParaRPr lang="zh-TW" altLang="en-US"/>
           </a:p>
@@ -2366,7 +2370,7 @@
           <a:p>
             <a:fld id="{86A64ED7-B347-4843-8DF6-DCD5F899D218}" type="datetimeFigureOut">
               <a:rPr lang="zh-TW" altLang="en-US" smtClean="0"/>
-              <a:t>2021/5/15</a:t>
+              <a:t>2021/6/13</a:t>
             </a:fld>
             <a:endParaRPr lang="zh-TW" altLang="en-US"/>
           </a:p>
@@ -2579,7 +2583,7 @@
           <a:p>
             <a:fld id="{86A64ED7-B347-4843-8DF6-DCD5F899D218}" type="datetimeFigureOut">
               <a:rPr lang="zh-TW" altLang="en-US" smtClean="0"/>
-              <a:t>2021/5/15</a:t>
+              <a:t>2021/6/13</a:t>
             </a:fld>
             <a:endParaRPr lang="zh-TW" altLang="en-US"/>
           </a:p>
@@ -8761,7 +8765,7 @@
       </p:grpSpPr>
       <p:sp>
         <p:nvSpPr>
-          <p:cNvPr id="2" name="標題 1"/>
+          <p:cNvPr id="4" name="標題 3"/>
           <p:cNvSpPr>
             <a:spLocks noGrp="1"/>
           </p:cNvSpPr>
@@ -8776,1388 +8780,38 @@
           <a:p>
             <a:r>
               <a:rPr lang="zh-TW" altLang="en-US" dirty="0" smtClean="0"/>
-              <a:t>進入遊戲</a:t>
-            </a:r>
-            <a:endParaRPr lang="zh-TW" altLang="en-US" dirty="0"/>
-          </a:p>
-        </p:txBody>
-      </p:sp>
-      <p:sp>
-        <p:nvSpPr>
-          <p:cNvPr id="4" name="矩形 3"/>
-          <p:cNvSpPr/>
-          <p:nvPr/>
-        </p:nvSpPr>
-        <p:spPr>
-          <a:xfrm>
-            <a:off x="7341573" y="571500"/>
-            <a:ext cx="1512277" cy="448408"/>
-          </a:xfrm>
-          <a:prstGeom prst="rect">
-            <a:avLst/>
-          </a:prstGeom>
-        </p:spPr>
-        <p:style>
-          <a:lnRef idx="2">
-            <a:schemeClr val="accent1">
-              <a:shade val="50000"/>
-            </a:schemeClr>
-          </a:lnRef>
-          <a:fillRef idx="1">
-            <a:schemeClr val="accent1"/>
-          </a:fillRef>
-          <a:effectRef idx="0">
-            <a:schemeClr val="accent1"/>
-          </a:effectRef>
-          <a:fontRef idx="minor">
-            <a:schemeClr val="lt1"/>
-          </a:fontRef>
-        </p:style>
-        <p:txBody>
-          <a:bodyPr rtlCol="0" anchor="ctr"/>
-          <a:lstStyle/>
-          <a:p>
-            <a:pPr algn="ctr"/>
+              <a:t>更新</a:t>
+            </a:r>
+            <a:r>
+              <a:rPr lang="zh-TW" altLang="en-US" dirty="0"/>
+              <a:t>主程式</a:t>
+            </a:r>
+          </a:p>
+        </p:txBody>
+      </p:sp>
+      <p:sp>
+        <p:nvSpPr>
+          <p:cNvPr id="5" name="文字版面配置區 4"/>
+          <p:cNvSpPr>
+            <a:spLocks noGrp="1"/>
+          </p:cNvSpPr>
+          <p:nvPr>
+            <p:ph type="body" idx="1"/>
+          </p:nvPr>
+        </p:nvSpPr>
+        <p:spPr/>
+        <p:txBody>
+          <a:bodyPr/>
+          <a:lstStyle/>
+          <a:p>
             <a:endParaRPr lang="zh-TW" altLang="en-US"/>
-          </a:p>
-        </p:txBody>
-      </p:sp>
-      <p:sp>
-        <p:nvSpPr>
-          <p:cNvPr id="5" name="矩形 4"/>
-          <p:cNvSpPr/>
-          <p:nvPr/>
-        </p:nvSpPr>
-        <p:spPr>
-          <a:xfrm>
-            <a:off x="4352192" y="571500"/>
-            <a:ext cx="1512277" cy="448408"/>
-          </a:xfrm>
-          <a:prstGeom prst="rect">
-            <a:avLst/>
-          </a:prstGeom>
-        </p:spPr>
-        <p:style>
-          <a:lnRef idx="2">
-            <a:schemeClr val="accent1">
-              <a:shade val="50000"/>
-            </a:schemeClr>
-          </a:lnRef>
-          <a:fillRef idx="1">
-            <a:schemeClr val="accent1"/>
-          </a:fillRef>
-          <a:effectRef idx="0">
-            <a:schemeClr val="accent1"/>
-          </a:effectRef>
-          <a:fontRef idx="minor">
-            <a:schemeClr val="lt1"/>
-          </a:fontRef>
-        </p:style>
-        <p:txBody>
-          <a:bodyPr rtlCol="0" anchor="ctr"/>
-          <a:lstStyle/>
-          <a:p>
-            <a:pPr algn="ctr"/>
-            <a:endParaRPr lang="zh-TW" altLang="en-US"/>
-          </a:p>
-        </p:txBody>
-      </p:sp>
-      <p:sp>
-        <p:nvSpPr>
-          <p:cNvPr id="6" name="文字方塊 5"/>
-          <p:cNvSpPr txBox="1"/>
-          <p:nvPr/>
-        </p:nvSpPr>
-        <p:spPr>
-          <a:xfrm>
-            <a:off x="4853355" y="611038"/>
-            <a:ext cx="905608" cy="369332"/>
-          </a:xfrm>
-          <a:prstGeom prst="rect">
-            <a:avLst/>
-          </a:prstGeom>
-          <a:noFill/>
-        </p:spPr>
-        <p:txBody>
-          <a:bodyPr wrap="square" rtlCol="0">
-            <a:spAutoFit/>
-          </a:bodyPr>
-          <a:lstStyle/>
-          <a:p>
-            <a:r>
-              <a:rPr lang="en-US" altLang="zh-TW" dirty="0" smtClean="0"/>
-              <a:t>app</a:t>
-            </a:r>
-            <a:endParaRPr lang="zh-TW" altLang="en-US" dirty="0"/>
-          </a:p>
-        </p:txBody>
-      </p:sp>
-      <p:sp>
-        <p:nvSpPr>
-          <p:cNvPr id="7" name="文字方塊 6"/>
-          <p:cNvSpPr txBox="1"/>
-          <p:nvPr/>
-        </p:nvSpPr>
-        <p:spPr>
-          <a:xfrm>
-            <a:off x="7539403" y="611038"/>
-            <a:ext cx="905608" cy="369332"/>
-          </a:xfrm>
-          <a:prstGeom prst="rect">
-            <a:avLst/>
-          </a:prstGeom>
-          <a:noFill/>
-        </p:spPr>
-        <p:txBody>
-          <a:bodyPr wrap="square" rtlCol="0">
-            <a:spAutoFit/>
-          </a:bodyPr>
-          <a:lstStyle/>
-          <a:p>
-            <a:r>
-              <a:rPr lang="zh-TW" altLang="en-US" dirty="0" smtClean="0"/>
-              <a:t>電子琴</a:t>
-            </a:r>
-            <a:endParaRPr lang="zh-TW" altLang="en-US" dirty="0"/>
-          </a:p>
-        </p:txBody>
-      </p:sp>
-      <p:cxnSp>
-        <p:nvCxnSpPr>
-          <p:cNvPr id="8" name="直線接點 7"/>
-          <p:cNvCxnSpPr/>
-          <p:nvPr/>
-        </p:nvCxnSpPr>
-        <p:spPr>
-          <a:xfrm>
-            <a:off x="5108330" y="1027906"/>
-            <a:ext cx="0" cy="5636663"/>
-          </a:xfrm>
-          <a:prstGeom prst="line">
-            <a:avLst/>
-          </a:prstGeom>
-        </p:spPr>
-        <p:style>
-          <a:lnRef idx="1">
-            <a:schemeClr val="accent1"/>
-          </a:lnRef>
-          <a:fillRef idx="0">
-            <a:schemeClr val="accent1"/>
-          </a:fillRef>
-          <a:effectRef idx="0">
-            <a:schemeClr val="accent1"/>
-          </a:effectRef>
-          <a:fontRef idx="minor">
-            <a:schemeClr val="tx1"/>
-          </a:fontRef>
-        </p:style>
-      </p:cxnSp>
-      <p:cxnSp>
-        <p:nvCxnSpPr>
-          <p:cNvPr id="9" name="直線接點 8"/>
-          <p:cNvCxnSpPr/>
-          <p:nvPr/>
-        </p:nvCxnSpPr>
-        <p:spPr>
-          <a:xfrm>
-            <a:off x="8097715" y="1027906"/>
-            <a:ext cx="0" cy="5636663"/>
-          </a:xfrm>
-          <a:prstGeom prst="line">
-            <a:avLst/>
-          </a:prstGeom>
-        </p:spPr>
-        <p:style>
-          <a:lnRef idx="1">
-            <a:schemeClr val="accent1"/>
-          </a:lnRef>
-          <a:fillRef idx="0">
-            <a:schemeClr val="accent1"/>
-          </a:fillRef>
-          <a:effectRef idx="0">
-            <a:schemeClr val="accent1"/>
-          </a:effectRef>
-          <a:fontRef idx="minor">
-            <a:schemeClr val="tx1"/>
-          </a:fontRef>
-        </p:style>
-      </p:cxnSp>
-      <p:sp>
-        <p:nvSpPr>
-          <p:cNvPr id="10" name="矩形 9"/>
-          <p:cNvSpPr/>
-          <p:nvPr/>
-        </p:nvSpPr>
-        <p:spPr>
-          <a:xfrm>
-            <a:off x="5009415" y="4696243"/>
-            <a:ext cx="197829" cy="257542"/>
-          </a:xfrm>
-          <a:prstGeom prst="rect">
-            <a:avLst/>
-          </a:prstGeom>
-        </p:spPr>
-        <p:style>
-          <a:lnRef idx="2">
-            <a:schemeClr val="accent1">
-              <a:shade val="50000"/>
-            </a:schemeClr>
-          </a:lnRef>
-          <a:fillRef idx="1">
-            <a:schemeClr val="accent1"/>
-          </a:fillRef>
-          <a:effectRef idx="0">
-            <a:schemeClr val="accent1"/>
-          </a:effectRef>
-          <a:fontRef idx="minor">
-            <a:schemeClr val="lt1"/>
-          </a:fontRef>
-        </p:style>
-        <p:txBody>
-          <a:bodyPr rtlCol="0" anchor="ctr"/>
-          <a:lstStyle/>
-          <a:p>
-            <a:pPr algn="ctr"/>
-            <a:endParaRPr lang="zh-TW" altLang="en-US"/>
-          </a:p>
-        </p:txBody>
-      </p:sp>
-      <p:sp>
-        <p:nvSpPr>
-          <p:cNvPr id="11" name="文字方塊 10"/>
-          <p:cNvSpPr txBox="1"/>
-          <p:nvPr/>
-        </p:nvSpPr>
-        <p:spPr>
-          <a:xfrm>
-            <a:off x="3216883" y="4649977"/>
-            <a:ext cx="2009043" cy="369332"/>
-          </a:xfrm>
-          <a:prstGeom prst="rect">
-            <a:avLst/>
-          </a:prstGeom>
-          <a:noFill/>
-        </p:spPr>
-        <p:txBody>
-          <a:bodyPr wrap="square" rtlCol="0">
-            <a:spAutoFit/>
-          </a:bodyPr>
-          <a:lstStyle/>
-          <a:p>
-            <a:r>
-              <a:rPr lang="zh-TW" altLang="en-US" dirty="0" smtClean="0"/>
-              <a:t>要求載入遊戲</a:t>
-            </a:r>
-            <a:endParaRPr lang="zh-TW" altLang="en-US" dirty="0"/>
-          </a:p>
-        </p:txBody>
-      </p:sp>
-      <p:sp>
-        <p:nvSpPr>
-          <p:cNvPr id="12" name="矩形 11"/>
-          <p:cNvSpPr/>
-          <p:nvPr/>
-        </p:nvSpPr>
-        <p:spPr>
-          <a:xfrm>
-            <a:off x="7998798" y="4696243"/>
-            <a:ext cx="197829" cy="257542"/>
-          </a:xfrm>
-          <a:prstGeom prst="rect">
-            <a:avLst/>
-          </a:prstGeom>
-        </p:spPr>
-        <p:style>
-          <a:lnRef idx="2">
-            <a:schemeClr val="accent1">
-              <a:shade val="50000"/>
-            </a:schemeClr>
-          </a:lnRef>
-          <a:fillRef idx="1">
-            <a:schemeClr val="accent1"/>
-          </a:fillRef>
-          <a:effectRef idx="0">
-            <a:schemeClr val="accent1"/>
-          </a:effectRef>
-          <a:fontRef idx="minor">
-            <a:schemeClr val="lt1"/>
-          </a:fontRef>
-        </p:style>
-        <p:txBody>
-          <a:bodyPr rtlCol="0" anchor="ctr"/>
-          <a:lstStyle/>
-          <a:p>
-            <a:pPr algn="ctr"/>
-            <a:endParaRPr lang="zh-TW" altLang="en-US"/>
-          </a:p>
-        </p:txBody>
-      </p:sp>
-      <p:cxnSp>
-        <p:nvCxnSpPr>
-          <p:cNvPr id="13" name="直線單箭頭接點 12"/>
-          <p:cNvCxnSpPr/>
-          <p:nvPr/>
-        </p:nvCxnSpPr>
-        <p:spPr>
-          <a:xfrm>
-            <a:off x="5244609" y="4825006"/>
-            <a:ext cx="2716824" cy="0"/>
-          </a:xfrm>
-          <a:prstGeom prst="straightConnector1">
-            <a:avLst/>
-          </a:prstGeom>
-          <a:ln>
-            <a:tailEnd type="triangle"/>
-          </a:ln>
-        </p:spPr>
-        <p:style>
-          <a:lnRef idx="1">
-            <a:schemeClr val="accent1"/>
-          </a:lnRef>
-          <a:fillRef idx="0">
-            <a:schemeClr val="accent1"/>
-          </a:fillRef>
-          <a:effectRef idx="0">
-            <a:schemeClr val="accent1"/>
-          </a:effectRef>
-          <a:fontRef idx="minor">
-            <a:schemeClr val="tx1"/>
-          </a:fontRef>
-        </p:style>
-      </p:cxnSp>
-      <p:cxnSp>
-        <p:nvCxnSpPr>
-          <p:cNvPr id="14" name="直線單箭頭接點 13"/>
-          <p:cNvCxnSpPr/>
-          <p:nvPr/>
-        </p:nvCxnSpPr>
-        <p:spPr>
-          <a:xfrm flipH="1">
-            <a:off x="5207244" y="4892425"/>
-            <a:ext cx="2890469" cy="0"/>
-          </a:xfrm>
-          <a:prstGeom prst="straightConnector1">
-            <a:avLst/>
-          </a:prstGeom>
-          <a:ln>
-            <a:tailEnd type="triangle"/>
-          </a:ln>
-        </p:spPr>
-        <p:style>
-          <a:lnRef idx="1">
-            <a:schemeClr val="accent1"/>
-          </a:lnRef>
-          <a:fillRef idx="0">
-            <a:schemeClr val="accent1"/>
-          </a:fillRef>
-          <a:effectRef idx="0">
-            <a:schemeClr val="accent1"/>
-          </a:effectRef>
-          <a:fontRef idx="minor">
-            <a:schemeClr val="tx1"/>
-          </a:fontRef>
-        </p:style>
-      </p:cxnSp>
-      <p:sp>
-        <p:nvSpPr>
-          <p:cNvPr id="15" name="文字方塊 14"/>
-          <p:cNvSpPr txBox="1"/>
-          <p:nvPr/>
-        </p:nvSpPr>
-        <p:spPr>
-          <a:xfrm>
-            <a:off x="5464417" y="4465311"/>
-            <a:ext cx="2732210" cy="369332"/>
-          </a:xfrm>
-          <a:prstGeom prst="rect">
-            <a:avLst/>
-          </a:prstGeom>
-          <a:noFill/>
-        </p:spPr>
-        <p:txBody>
-          <a:bodyPr wrap="square" rtlCol="0">
-            <a:spAutoFit/>
-          </a:bodyPr>
-          <a:lstStyle/>
-          <a:p>
-            <a:r>
-              <a:rPr lang="en-US" altLang="zh-TW" dirty="0" err="1" smtClean="0">
-                <a:solidFill>
-                  <a:schemeClr val="accent1"/>
-                </a:solidFill>
-              </a:rPr>
-              <a:t>Reuqest</a:t>
-            </a:r>
-            <a:r>
-              <a:rPr lang="en-US" altLang="zh-TW" dirty="0" smtClean="0">
-                <a:solidFill>
-                  <a:schemeClr val="accent1"/>
-                </a:solidFill>
-              </a:rPr>
-              <a:t> Load Game</a:t>
-            </a:r>
-            <a:endParaRPr lang="zh-TW" altLang="en-US" dirty="0">
-              <a:solidFill>
-                <a:schemeClr val="accent1"/>
-              </a:solidFill>
-            </a:endParaRPr>
-          </a:p>
-        </p:txBody>
-      </p:sp>
-      <p:sp>
-        <p:nvSpPr>
-          <p:cNvPr id="16" name="文字方塊 15"/>
-          <p:cNvSpPr txBox="1"/>
-          <p:nvPr/>
-        </p:nvSpPr>
-        <p:spPr>
-          <a:xfrm>
-            <a:off x="5314388" y="4857919"/>
-            <a:ext cx="2987192" cy="369332"/>
-          </a:xfrm>
-          <a:prstGeom prst="rect">
-            <a:avLst/>
-          </a:prstGeom>
-          <a:noFill/>
-        </p:spPr>
-        <p:txBody>
-          <a:bodyPr wrap="square" rtlCol="0">
-            <a:spAutoFit/>
-          </a:bodyPr>
-          <a:lstStyle/>
-          <a:p>
-            <a:r>
-              <a:rPr lang="en-US" altLang="zh-TW" dirty="0" err="1" smtClean="0">
-                <a:solidFill>
-                  <a:schemeClr val="accent1"/>
-                </a:solidFill>
-              </a:rPr>
-              <a:t>Ack</a:t>
-            </a:r>
-            <a:r>
-              <a:rPr lang="en-US" altLang="zh-TW" dirty="0" smtClean="0">
-                <a:solidFill>
-                  <a:schemeClr val="accent1"/>
-                </a:solidFill>
-              </a:rPr>
-              <a:t> Request Load Game</a:t>
-            </a:r>
-            <a:endParaRPr lang="zh-TW" altLang="en-US" dirty="0">
-              <a:solidFill>
-                <a:schemeClr val="accent1"/>
-              </a:solidFill>
-            </a:endParaRPr>
-          </a:p>
-        </p:txBody>
-      </p:sp>
-      <p:sp>
-        <p:nvSpPr>
-          <p:cNvPr id="19" name="圓角矩形圖說文字 18"/>
-          <p:cNvSpPr/>
-          <p:nvPr/>
-        </p:nvSpPr>
-        <p:spPr>
-          <a:xfrm>
-            <a:off x="2266953" y="1487739"/>
-            <a:ext cx="2202933" cy="836627"/>
-          </a:xfrm>
-          <a:prstGeom prst="wedgeRoundRectCallout">
-            <a:avLst>
-              <a:gd name="adj1" fmla="val 75003"/>
-              <a:gd name="adj2" fmla="val -33790"/>
-              <a:gd name="adj3" fmla="val 16667"/>
-            </a:avLst>
-          </a:prstGeom>
-        </p:spPr>
-        <p:style>
-          <a:lnRef idx="2">
-            <a:schemeClr val="accent1">
-              <a:shade val="50000"/>
-            </a:schemeClr>
-          </a:lnRef>
-          <a:fillRef idx="1">
-            <a:schemeClr val="accent1"/>
-          </a:fillRef>
-          <a:effectRef idx="0">
-            <a:schemeClr val="accent1"/>
-          </a:effectRef>
-          <a:fontRef idx="minor">
-            <a:schemeClr val="lt1"/>
-          </a:fontRef>
-        </p:style>
-        <p:txBody>
-          <a:bodyPr rtlCol="0" anchor="ctr"/>
-          <a:lstStyle/>
-          <a:p>
-            <a:pPr algn="ctr"/>
-            <a:endParaRPr lang="zh-TW" altLang="en-US"/>
-          </a:p>
-        </p:txBody>
-      </p:sp>
-      <p:sp>
-        <p:nvSpPr>
-          <p:cNvPr id="20" name="文字方塊 19"/>
-          <p:cNvSpPr txBox="1"/>
-          <p:nvPr/>
-        </p:nvSpPr>
-        <p:spPr>
-          <a:xfrm>
-            <a:off x="2431530" y="1572878"/>
-            <a:ext cx="1846574" cy="646331"/>
-          </a:xfrm>
-          <a:prstGeom prst="rect">
-            <a:avLst/>
-          </a:prstGeom>
-          <a:noFill/>
-        </p:spPr>
-        <p:txBody>
-          <a:bodyPr wrap="square" rtlCol="0">
-            <a:spAutoFit/>
-          </a:bodyPr>
-          <a:lstStyle/>
-          <a:p>
-            <a:r>
-              <a:rPr lang="zh-TW" altLang="en-US" dirty="0" smtClean="0"/>
-              <a:t>選定歌曲存在或下載完成後</a:t>
-            </a:r>
-            <a:endParaRPr lang="zh-TW" altLang="en-US" dirty="0"/>
-          </a:p>
-        </p:txBody>
-      </p:sp>
-      <p:sp>
-        <p:nvSpPr>
-          <p:cNvPr id="21" name="矩形 20"/>
-          <p:cNvSpPr/>
-          <p:nvPr/>
-        </p:nvSpPr>
-        <p:spPr>
-          <a:xfrm>
-            <a:off x="5009415" y="2440504"/>
-            <a:ext cx="197829" cy="257542"/>
-          </a:xfrm>
-          <a:prstGeom prst="rect">
-            <a:avLst/>
-          </a:prstGeom>
-        </p:spPr>
-        <p:style>
-          <a:lnRef idx="2">
-            <a:schemeClr val="accent1">
-              <a:shade val="50000"/>
-            </a:schemeClr>
-          </a:lnRef>
-          <a:fillRef idx="1">
-            <a:schemeClr val="accent1"/>
-          </a:fillRef>
-          <a:effectRef idx="0">
-            <a:schemeClr val="accent1"/>
-          </a:effectRef>
-          <a:fontRef idx="minor">
-            <a:schemeClr val="lt1"/>
-          </a:fontRef>
-        </p:style>
-        <p:txBody>
-          <a:bodyPr rtlCol="0" anchor="ctr"/>
-          <a:lstStyle/>
-          <a:p>
-            <a:pPr algn="ctr"/>
-            <a:endParaRPr lang="zh-TW" altLang="en-US"/>
-          </a:p>
-        </p:txBody>
-      </p:sp>
-      <p:sp>
-        <p:nvSpPr>
-          <p:cNvPr id="22" name="文字方塊 21"/>
-          <p:cNvSpPr txBox="1"/>
-          <p:nvPr/>
-        </p:nvSpPr>
-        <p:spPr>
-          <a:xfrm>
-            <a:off x="3216883" y="2394238"/>
-            <a:ext cx="2009043" cy="369332"/>
-          </a:xfrm>
-          <a:prstGeom prst="rect">
-            <a:avLst/>
-          </a:prstGeom>
-          <a:noFill/>
-        </p:spPr>
-        <p:txBody>
-          <a:bodyPr wrap="square" rtlCol="0">
-            <a:spAutoFit/>
-          </a:bodyPr>
-          <a:lstStyle/>
-          <a:p>
-            <a:r>
-              <a:rPr lang="zh-TW" altLang="en-US" dirty="0"/>
-              <a:t>清</a:t>
-            </a:r>
-            <a:r>
-              <a:rPr lang="zh-TW" altLang="en-US" dirty="0" smtClean="0"/>
-              <a:t>除遊戲設定</a:t>
-            </a:r>
-            <a:endParaRPr lang="zh-TW" altLang="en-US" dirty="0"/>
-          </a:p>
-        </p:txBody>
-      </p:sp>
-      <p:sp>
-        <p:nvSpPr>
-          <p:cNvPr id="23" name="矩形 22"/>
-          <p:cNvSpPr/>
-          <p:nvPr/>
-        </p:nvSpPr>
-        <p:spPr>
-          <a:xfrm>
-            <a:off x="7998798" y="2440504"/>
-            <a:ext cx="197829" cy="257542"/>
-          </a:xfrm>
-          <a:prstGeom prst="rect">
-            <a:avLst/>
-          </a:prstGeom>
-        </p:spPr>
-        <p:style>
-          <a:lnRef idx="2">
-            <a:schemeClr val="accent1">
-              <a:shade val="50000"/>
-            </a:schemeClr>
-          </a:lnRef>
-          <a:fillRef idx="1">
-            <a:schemeClr val="accent1"/>
-          </a:fillRef>
-          <a:effectRef idx="0">
-            <a:schemeClr val="accent1"/>
-          </a:effectRef>
-          <a:fontRef idx="minor">
-            <a:schemeClr val="lt1"/>
-          </a:fontRef>
-        </p:style>
-        <p:txBody>
-          <a:bodyPr rtlCol="0" anchor="ctr"/>
-          <a:lstStyle/>
-          <a:p>
-            <a:pPr algn="ctr"/>
-            <a:endParaRPr lang="zh-TW" altLang="en-US"/>
-          </a:p>
-        </p:txBody>
-      </p:sp>
-      <p:cxnSp>
-        <p:nvCxnSpPr>
-          <p:cNvPr id="24" name="直線單箭頭接點 23"/>
-          <p:cNvCxnSpPr/>
-          <p:nvPr/>
-        </p:nvCxnSpPr>
-        <p:spPr>
-          <a:xfrm>
-            <a:off x="5244609" y="2569267"/>
-            <a:ext cx="2716824" cy="0"/>
-          </a:xfrm>
-          <a:prstGeom prst="straightConnector1">
-            <a:avLst/>
-          </a:prstGeom>
-          <a:ln>
-            <a:tailEnd type="triangle"/>
-          </a:ln>
-        </p:spPr>
-        <p:style>
-          <a:lnRef idx="1">
-            <a:schemeClr val="accent1"/>
-          </a:lnRef>
-          <a:fillRef idx="0">
-            <a:schemeClr val="accent1"/>
-          </a:fillRef>
-          <a:effectRef idx="0">
-            <a:schemeClr val="accent1"/>
-          </a:effectRef>
-          <a:fontRef idx="minor">
-            <a:schemeClr val="tx1"/>
-          </a:fontRef>
-        </p:style>
-      </p:cxnSp>
-      <p:cxnSp>
-        <p:nvCxnSpPr>
-          <p:cNvPr id="25" name="直線單箭頭接點 24"/>
-          <p:cNvCxnSpPr/>
-          <p:nvPr/>
-        </p:nvCxnSpPr>
-        <p:spPr>
-          <a:xfrm flipH="1">
-            <a:off x="5207244" y="2636686"/>
-            <a:ext cx="2890469" cy="0"/>
-          </a:xfrm>
-          <a:prstGeom prst="straightConnector1">
-            <a:avLst/>
-          </a:prstGeom>
-          <a:ln>
-            <a:tailEnd type="triangle"/>
-          </a:ln>
-        </p:spPr>
-        <p:style>
-          <a:lnRef idx="1">
-            <a:schemeClr val="accent1"/>
-          </a:lnRef>
-          <a:fillRef idx="0">
-            <a:schemeClr val="accent1"/>
-          </a:fillRef>
-          <a:effectRef idx="0">
-            <a:schemeClr val="accent1"/>
-          </a:effectRef>
-          <a:fontRef idx="minor">
-            <a:schemeClr val="tx1"/>
-          </a:fontRef>
-        </p:style>
-      </p:cxnSp>
-      <p:sp>
-        <p:nvSpPr>
-          <p:cNvPr id="26" name="文字方塊 25"/>
-          <p:cNvSpPr txBox="1"/>
-          <p:nvPr/>
-        </p:nvSpPr>
-        <p:spPr>
-          <a:xfrm>
-            <a:off x="5346823" y="2209572"/>
-            <a:ext cx="2732210" cy="369332"/>
-          </a:xfrm>
-          <a:prstGeom prst="rect">
-            <a:avLst/>
-          </a:prstGeom>
-          <a:noFill/>
-        </p:spPr>
-        <p:txBody>
-          <a:bodyPr wrap="square" rtlCol="0">
-            <a:spAutoFit/>
-          </a:bodyPr>
-          <a:lstStyle/>
-          <a:p>
-            <a:r>
-              <a:rPr lang="en-US" altLang="zh-TW" dirty="0" smtClean="0">
-                <a:solidFill>
-                  <a:schemeClr val="accent1"/>
-                </a:solidFill>
-              </a:rPr>
-              <a:t>Clear Game Configuration</a:t>
-            </a:r>
-            <a:endParaRPr lang="zh-TW" altLang="en-US" dirty="0">
-              <a:solidFill>
-                <a:schemeClr val="accent1"/>
-              </a:solidFill>
-            </a:endParaRPr>
-          </a:p>
-        </p:txBody>
-      </p:sp>
-      <p:sp>
-        <p:nvSpPr>
-          <p:cNvPr id="27" name="文字方塊 26"/>
-          <p:cNvSpPr txBox="1"/>
-          <p:nvPr/>
-        </p:nvSpPr>
-        <p:spPr>
-          <a:xfrm>
-            <a:off x="5118766" y="2602180"/>
-            <a:ext cx="2987192" cy="369332"/>
-          </a:xfrm>
-          <a:prstGeom prst="rect">
-            <a:avLst/>
-          </a:prstGeom>
-          <a:noFill/>
-        </p:spPr>
-        <p:txBody>
-          <a:bodyPr wrap="square" rtlCol="0">
-            <a:spAutoFit/>
-          </a:bodyPr>
-          <a:lstStyle/>
-          <a:p>
-            <a:r>
-              <a:rPr lang="en-US" altLang="zh-TW" dirty="0" err="1" smtClean="0">
-                <a:solidFill>
-                  <a:schemeClr val="accent1"/>
-                </a:solidFill>
-              </a:rPr>
-              <a:t>Ack</a:t>
-            </a:r>
-            <a:r>
-              <a:rPr lang="en-US" altLang="zh-TW" dirty="0" smtClean="0">
-                <a:solidFill>
-                  <a:schemeClr val="accent1"/>
-                </a:solidFill>
-              </a:rPr>
-              <a:t> Clear Game Configuration</a:t>
-            </a:r>
-            <a:endParaRPr lang="zh-TW" altLang="en-US" dirty="0">
-              <a:solidFill>
-                <a:schemeClr val="accent1"/>
-              </a:solidFill>
-            </a:endParaRPr>
-          </a:p>
-        </p:txBody>
-      </p:sp>
-      <p:sp>
-        <p:nvSpPr>
-          <p:cNvPr id="28" name="矩形 27"/>
-          <p:cNvSpPr/>
-          <p:nvPr/>
-        </p:nvSpPr>
-        <p:spPr>
-          <a:xfrm>
-            <a:off x="5009415" y="3651001"/>
-            <a:ext cx="197829" cy="257542"/>
-          </a:xfrm>
-          <a:prstGeom prst="rect">
-            <a:avLst/>
-          </a:prstGeom>
-        </p:spPr>
-        <p:style>
-          <a:lnRef idx="2">
-            <a:schemeClr val="accent1">
-              <a:shade val="50000"/>
-            </a:schemeClr>
-          </a:lnRef>
-          <a:fillRef idx="1">
-            <a:schemeClr val="accent1"/>
-          </a:fillRef>
-          <a:effectRef idx="0">
-            <a:schemeClr val="accent1"/>
-          </a:effectRef>
-          <a:fontRef idx="minor">
-            <a:schemeClr val="lt1"/>
-          </a:fontRef>
-        </p:style>
-        <p:txBody>
-          <a:bodyPr rtlCol="0" anchor="ctr"/>
-          <a:lstStyle/>
-          <a:p>
-            <a:pPr algn="ctr"/>
-            <a:endParaRPr lang="zh-TW" altLang="en-US"/>
-          </a:p>
-        </p:txBody>
-      </p:sp>
-      <p:sp>
-        <p:nvSpPr>
-          <p:cNvPr id="29" name="文字方塊 28"/>
-          <p:cNvSpPr txBox="1"/>
-          <p:nvPr/>
-        </p:nvSpPr>
-        <p:spPr>
-          <a:xfrm>
-            <a:off x="2866032" y="3604735"/>
-            <a:ext cx="1633678" cy="369332"/>
-          </a:xfrm>
-          <a:prstGeom prst="rect">
-            <a:avLst/>
-          </a:prstGeom>
-          <a:noFill/>
-        </p:spPr>
-        <p:txBody>
-          <a:bodyPr wrap="square" rtlCol="0">
-            <a:spAutoFit/>
-          </a:bodyPr>
-          <a:lstStyle/>
-          <a:p>
-            <a:r>
-              <a:rPr lang="zh-TW" altLang="en-US" dirty="0" smtClean="0"/>
-              <a:t>寫入遊戲設定</a:t>
-            </a:r>
-            <a:endParaRPr lang="zh-TW" altLang="en-US" dirty="0"/>
-          </a:p>
-        </p:txBody>
-      </p:sp>
-      <p:sp>
-        <p:nvSpPr>
-          <p:cNvPr id="30" name="矩形 29"/>
-          <p:cNvSpPr/>
-          <p:nvPr/>
-        </p:nvSpPr>
-        <p:spPr>
-          <a:xfrm>
-            <a:off x="7998798" y="3651001"/>
-            <a:ext cx="197829" cy="257542"/>
-          </a:xfrm>
-          <a:prstGeom prst="rect">
-            <a:avLst/>
-          </a:prstGeom>
-        </p:spPr>
-        <p:style>
-          <a:lnRef idx="2">
-            <a:schemeClr val="accent1">
-              <a:shade val="50000"/>
-            </a:schemeClr>
-          </a:lnRef>
-          <a:fillRef idx="1">
-            <a:schemeClr val="accent1"/>
-          </a:fillRef>
-          <a:effectRef idx="0">
-            <a:schemeClr val="accent1"/>
-          </a:effectRef>
-          <a:fontRef idx="minor">
-            <a:schemeClr val="lt1"/>
-          </a:fontRef>
-        </p:style>
-        <p:txBody>
-          <a:bodyPr rtlCol="0" anchor="ctr"/>
-          <a:lstStyle/>
-          <a:p>
-            <a:pPr algn="ctr"/>
-            <a:endParaRPr lang="zh-TW" altLang="en-US"/>
-          </a:p>
-        </p:txBody>
-      </p:sp>
-      <p:cxnSp>
-        <p:nvCxnSpPr>
-          <p:cNvPr id="31" name="直線單箭頭接點 30"/>
-          <p:cNvCxnSpPr/>
-          <p:nvPr/>
-        </p:nvCxnSpPr>
-        <p:spPr>
-          <a:xfrm>
-            <a:off x="5244609" y="3779764"/>
-            <a:ext cx="2716824" cy="0"/>
-          </a:xfrm>
-          <a:prstGeom prst="straightConnector1">
-            <a:avLst/>
-          </a:prstGeom>
-          <a:ln>
-            <a:tailEnd type="triangle"/>
-          </a:ln>
-        </p:spPr>
-        <p:style>
-          <a:lnRef idx="1">
-            <a:schemeClr val="accent1"/>
-          </a:lnRef>
-          <a:fillRef idx="0">
-            <a:schemeClr val="accent1"/>
-          </a:fillRef>
-          <a:effectRef idx="0">
-            <a:schemeClr val="accent1"/>
-          </a:effectRef>
-          <a:fontRef idx="minor">
-            <a:schemeClr val="tx1"/>
-          </a:fontRef>
-        </p:style>
-      </p:cxnSp>
-      <p:cxnSp>
-        <p:nvCxnSpPr>
-          <p:cNvPr id="32" name="直線單箭頭接點 31"/>
-          <p:cNvCxnSpPr/>
-          <p:nvPr/>
-        </p:nvCxnSpPr>
-        <p:spPr>
-          <a:xfrm flipH="1">
-            <a:off x="5207244" y="3847183"/>
-            <a:ext cx="2890469" cy="0"/>
-          </a:xfrm>
-          <a:prstGeom prst="straightConnector1">
-            <a:avLst/>
-          </a:prstGeom>
-          <a:ln>
-            <a:tailEnd type="triangle"/>
-          </a:ln>
-        </p:spPr>
-        <p:style>
-          <a:lnRef idx="1">
-            <a:schemeClr val="accent1"/>
-          </a:lnRef>
-          <a:fillRef idx="0">
-            <a:schemeClr val="accent1"/>
-          </a:fillRef>
-          <a:effectRef idx="0">
-            <a:schemeClr val="accent1"/>
-          </a:effectRef>
-          <a:fontRef idx="minor">
-            <a:schemeClr val="tx1"/>
-          </a:fontRef>
-        </p:style>
-      </p:cxnSp>
-      <p:sp>
-        <p:nvSpPr>
-          <p:cNvPr id="33" name="文字方塊 32"/>
-          <p:cNvSpPr txBox="1"/>
-          <p:nvPr/>
-        </p:nvSpPr>
-        <p:spPr>
-          <a:xfrm>
-            <a:off x="5346823" y="3420069"/>
-            <a:ext cx="2732210" cy="369332"/>
-          </a:xfrm>
-          <a:prstGeom prst="rect">
-            <a:avLst/>
-          </a:prstGeom>
-          <a:noFill/>
-        </p:spPr>
-        <p:txBody>
-          <a:bodyPr wrap="square" rtlCol="0">
-            <a:spAutoFit/>
-          </a:bodyPr>
-          <a:lstStyle/>
-          <a:p>
-            <a:r>
-              <a:rPr lang="en-US" altLang="zh-TW" dirty="0" smtClean="0">
-                <a:solidFill>
-                  <a:schemeClr val="accent1"/>
-                </a:solidFill>
-              </a:rPr>
-              <a:t>Write Game Configuration</a:t>
-            </a:r>
-            <a:endParaRPr lang="zh-TW" altLang="en-US" dirty="0">
-              <a:solidFill>
-                <a:schemeClr val="accent1"/>
-              </a:solidFill>
-            </a:endParaRPr>
-          </a:p>
-        </p:txBody>
-      </p:sp>
-      <p:sp>
-        <p:nvSpPr>
-          <p:cNvPr id="34" name="文字方塊 33"/>
-          <p:cNvSpPr txBox="1"/>
-          <p:nvPr/>
-        </p:nvSpPr>
-        <p:spPr>
-          <a:xfrm>
-            <a:off x="5118765" y="3812677"/>
-            <a:ext cx="3077861" cy="369332"/>
-          </a:xfrm>
-          <a:prstGeom prst="rect">
-            <a:avLst/>
-          </a:prstGeom>
-          <a:noFill/>
-        </p:spPr>
-        <p:txBody>
-          <a:bodyPr wrap="square" rtlCol="0">
-            <a:spAutoFit/>
-          </a:bodyPr>
-          <a:lstStyle/>
-          <a:p>
-            <a:r>
-              <a:rPr lang="en-US" altLang="zh-TW" dirty="0" err="1" smtClean="0">
-                <a:solidFill>
-                  <a:schemeClr val="accent1"/>
-                </a:solidFill>
-              </a:rPr>
-              <a:t>Ack</a:t>
-            </a:r>
-            <a:r>
-              <a:rPr lang="en-US" altLang="zh-TW" dirty="0" smtClean="0">
-                <a:solidFill>
-                  <a:schemeClr val="accent1"/>
-                </a:solidFill>
-              </a:rPr>
-              <a:t> Write Game Configuration</a:t>
-            </a:r>
-            <a:endParaRPr lang="zh-TW" altLang="en-US" dirty="0">
-              <a:solidFill>
-                <a:schemeClr val="accent1"/>
-              </a:solidFill>
-            </a:endParaRPr>
-          </a:p>
-        </p:txBody>
-      </p:sp>
-      <p:sp>
-        <p:nvSpPr>
-          <p:cNvPr id="35" name="圓形箭號 34"/>
-          <p:cNvSpPr/>
-          <p:nvPr/>
-        </p:nvSpPr>
-        <p:spPr>
-          <a:xfrm rot="17647633">
-            <a:off x="4476702" y="3415701"/>
-            <a:ext cx="774780" cy="774780"/>
-          </a:xfrm>
-          <a:prstGeom prst="circularArrow">
-            <a:avLst>
-              <a:gd name="adj1" fmla="val 12500"/>
-              <a:gd name="adj2" fmla="val 1142319"/>
-              <a:gd name="adj3" fmla="val 20457681"/>
-              <a:gd name="adj4" fmla="val 9077799"/>
-              <a:gd name="adj5" fmla="val 12500"/>
-            </a:avLst>
-          </a:prstGeom>
-        </p:spPr>
-        <p:style>
-          <a:lnRef idx="2">
-            <a:schemeClr val="accent1">
-              <a:shade val="50000"/>
-            </a:schemeClr>
-          </a:lnRef>
-          <a:fillRef idx="1">
-            <a:schemeClr val="accent1"/>
-          </a:fillRef>
-          <a:effectRef idx="0">
-            <a:schemeClr val="accent1"/>
-          </a:effectRef>
-          <a:fontRef idx="minor">
-            <a:schemeClr val="lt1"/>
-          </a:fontRef>
-        </p:style>
-        <p:txBody>
-          <a:bodyPr rtlCol="0" anchor="ctr"/>
-          <a:lstStyle/>
-          <a:p>
-            <a:pPr algn="ctr"/>
-            <a:endParaRPr lang="zh-TW" altLang="en-US">
-              <a:solidFill>
-                <a:schemeClr val="tx1"/>
-              </a:solidFill>
-            </a:endParaRPr>
-          </a:p>
-        </p:txBody>
-      </p:sp>
-      <p:sp>
-        <p:nvSpPr>
-          <p:cNvPr id="38" name="矩形 37"/>
-          <p:cNvSpPr/>
-          <p:nvPr/>
-        </p:nvSpPr>
-        <p:spPr>
-          <a:xfrm>
-            <a:off x="428044" y="5005466"/>
-            <a:ext cx="2725363" cy="1729442"/>
-          </a:xfrm>
-          <a:prstGeom prst="rect">
-            <a:avLst/>
-          </a:prstGeom>
-          <a:noFill/>
-          <a:ln>
-            <a:prstDash val="dash"/>
-          </a:ln>
-        </p:spPr>
-        <p:style>
-          <a:lnRef idx="2">
-            <a:schemeClr val="accent1">
-              <a:shade val="50000"/>
-            </a:schemeClr>
-          </a:lnRef>
-          <a:fillRef idx="1">
-            <a:schemeClr val="accent1"/>
-          </a:fillRef>
-          <a:effectRef idx="0">
-            <a:schemeClr val="accent1"/>
-          </a:effectRef>
-          <a:fontRef idx="minor">
-            <a:schemeClr val="lt1"/>
-          </a:fontRef>
-        </p:style>
-        <p:txBody>
-          <a:bodyPr rtlCol="0" anchor="ctr"/>
-          <a:lstStyle/>
-          <a:p>
-            <a:pPr algn="ctr"/>
-            <a:endParaRPr lang="zh-TW" altLang="en-US"/>
-          </a:p>
-        </p:txBody>
-      </p:sp>
-      <p:sp>
-        <p:nvSpPr>
-          <p:cNvPr id="39" name="文字方塊 38"/>
-          <p:cNvSpPr txBox="1"/>
-          <p:nvPr/>
-        </p:nvSpPr>
-        <p:spPr>
-          <a:xfrm>
-            <a:off x="397223" y="5019309"/>
-            <a:ext cx="2737502" cy="1600438"/>
-          </a:xfrm>
-          <a:prstGeom prst="rect">
-            <a:avLst/>
-          </a:prstGeom>
-          <a:noFill/>
-        </p:spPr>
-        <p:txBody>
-          <a:bodyPr wrap="square" rtlCol="0">
-            <a:spAutoFit/>
-          </a:bodyPr>
-          <a:lstStyle/>
-          <a:p>
-            <a:r>
-              <a:rPr lang="zh-TW" altLang="en-US" sz="1400" dirty="0" smtClean="0"/>
-              <a:t>音樂遊戲</a:t>
-            </a:r>
-            <a:r>
-              <a:rPr lang="en-US" altLang="zh-TW" sz="1400" dirty="0" smtClean="0"/>
-              <a:t>:</a:t>
-            </a:r>
-            <a:r>
-              <a:rPr lang="zh-TW" altLang="en-US" sz="1400" dirty="0" smtClean="0"/>
-              <a:t> </a:t>
-            </a:r>
-            <a:r>
-              <a:rPr lang="en-US" altLang="zh-TW" sz="1400" dirty="0" err="1" smtClean="0"/>
-              <a:t>MusicGameModifier</a:t>
-            </a:r>
-            <a:endParaRPr lang="en-US" altLang="zh-TW" sz="1400" dirty="0" smtClean="0"/>
-          </a:p>
-          <a:p>
-            <a:r>
-              <a:rPr lang="zh-TW" altLang="en-US" sz="1400" dirty="0" smtClean="0"/>
-              <a:t>反覆練彈</a:t>
-            </a:r>
-            <a:r>
-              <a:rPr lang="en-US" altLang="zh-TW" sz="1400" dirty="0" smtClean="0"/>
-              <a:t>:</a:t>
-            </a:r>
-            <a:r>
-              <a:rPr lang="zh-TW" altLang="en-US" sz="1400" dirty="0" smtClean="0"/>
-              <a:t> </a:t>
-            </a:r>
-            <a:r>
-              <a:rPr lang="en-US" altLang="zh-TW" sz="1400" dirty="0" err="1" smtClean="0"/>
-              <a:t>RepeatPracticeModifier</a:t>
-            </a:r>
-            <a:endParaRPr lang="en-US" altLang="zh-TW" sz="1400" dirty="0" smtClean="0"/>
-          </a:p>
-          <a:p>
-            <a:r>
-              <a:rPr lang="zh-TW" altLang="en-US" sz="1400" dirty="0" smtClean="0"/>
-              <a:t>難度</a:t>
-            </a:r>
-            <a:r>
-              <a:rPr lang="en-US" altLang="zh-TW" sz="1400" dirty="0" smtClean="0"/>
-              <a:t>: </a:t>
-            </a:r>
-            <a:r>
-              <a:rPr lang="en-US" altLang="zh-TW" sz="1400" dirty="0" err="1" smtClean="0"/>
-              <a:t>MeteorDifficultyModifier</a:t>
-            </a:r>
-            <a:endParaRPr lang="en-US" altLang="zh-TW" sz="1400" dirty="0" smtClean="0"/>
-          </a:p>
-          <a:p>
-            <a:r>
-              <a:rPr lang="zh-TW" altLang="en-US" sz="1400" dirty="0" smtClean="0"/>
-              <a:t>左右手</a:t>
-            </a:r>
-            <a:r>
-              <a:rPr lang="en-US" altLang="zh-TW" sz="1400" dirty="0" smtClean="0"/>
-              <a:t>:</a:t>
-            </a:r>
-            <a:r>
-              <a:rPr lang="zh-TW" altLang="en-US" sz="1400" dirty="0" smtClean="0"/>
-              <a:t> </a:t>
-            </a:r>
-            <a:r>
-              <a:rPr lang="en-US" altLang="zh-TW" sz="1400" dirty="0" err="1" smtClean="0"/>
-              <a:t>HandModifier</a:t>
-            </a:r>
-            <a:endParaRPr lang="en-US" altLang="zh-TW" sz="1400" dirty="0" smtClean="0"/>
-          </a:p>
-          <a:p>
-            <a:r>
-              <a:rPr lang="zh-TW" altLang="en-US" sz="1400" dirty="0" smtClean="0"/>
-              <a:t>速度</a:t>
-            </a:r>
-            <a:r>
-              <a:rPr lang="en-US" altLang="zh-TW" sz="1400" dirty="0" smtClean="0"/>
-              <a:t>:</a:t>
-            </a:r>
-            <a:r>
-              <a:rPr lang="zh-TW" altLang="en-US" sz="1400" dirty="0" smtClean="0"/>
-              <a:t> </a:t>
-            </a:r>
-            <a:r>
-              <a:rPr lang="en-US" altLang="zh-TW" sz="1400" dirty="0" err="1" smtClean="0"/>
-              <a:t>ClockRateModifier</a:t>
-            </a:r>
-            <a:endParaRPr lang="en-US" altLang="zh-TW" sz="1400" dirty="0" smtClean="0"/>
-          </a:p>
-          <a:p>
-            <a:endParaRPr lang="en-US" altLang="zh-TW" sz="1400" dirty="0"/>
-          </a:p>
-          <a:p>
-            <a:r>
-              <a:rPr lang="en-US" altLang="zh-TW" sz="1400" dirty="0" smtClean="0"/>
-              <a:t>(</a:t>
-            </a:r>
-            <a:r>
-              <a:rPr lang="zh-TW" altLang="en-US" sz="1400" dirty="0" smtClean="0"/>
-              <a:t>音樂遊戲和反覆練彈一定要擇一</a:t>
-            </a:r>
-            <a:r>
-              <a:rPr lang="en-US" altLang="zh-TW" sz="1400" dirty="0" smtClean="0"/>
-              <a:t>)</a:t>
-            </a:r>
-            <a:endParaRPr lang="zh-TW" altLang="en-US" sz="1400" dirty="0"/>
-          </a:p>
-        </p:txBody>
-      </p:sp>
-      <p:sp>
-        <p:nvSpPr>
-          <p:cNvPr id="36" name="向右箭號 35"/>
-          <p:cNvSpPr/>
-          <p:nvPr/>
-        </p:nvSpPr>
-        <p:spPr>
-          <a:xfrm>
-            <a:off x="8196626" y="5693185"/>
-            <a:ext cx="1626577" cy="545876"/>
-          </a:xfrm>
-          <a:prstGeom prst="rightArrow">
-            <a:avLst/>
-          </a:prstGeom>
-          <a:solidFill>
-            <a:schemeClr val="accent6">
-              <a:lumMod val="60000"/>
-              <a:lumOff val="40000"/>
-            </a:schemeClr>
-          </a:solidFill>
-        </p:spPr>
-        <p:style>
-          <a:lnRef idx="2">
-            <a:schemeClr val="accent1">
-              <a:shade val="50000"/>
-            </a:schemeClr>
-          </a:lnRef>
-          <a:fillRef idx="1">
-            <a:schemeClr val="accent1"/>
-          </a:fillRef>
-          <a:effectRef idx="0">
-            <a:schemeClr val="accent1"/>
-          </a:effectRef>
-          <a:fontRef idx="minor">
-            <a:schemeClr val="lt1"/>
-          </a:fontRef>
-        </p:style>
-        <p:txBody>
-          <a:bodyPr rtlCol="0" anchor="ctr"/>
-          <a:lstStyle/>
-          <a:p>
-            <a:pPr algn="ctr"/>
-            <a:endParaRPr lang="zh-TW" altLang="en-US"/>
-          </a:p>
-        </p:txBody>
-      </p:sp>
-      <p:sp>
-        <p:nvSpPr>
-          <p:cNvPr id="40" name="文字方塊 39"/>
-          <p:cNvSpPr txBox="1"/>
-          <p:nvPr/>
-        </p:nvSpPr>
-        <p:spPr>
-          <a:xfrm>
-            <a:off x="8308040" y="5781457"/>
-            <a:ext cx="2009043" cy="369332"/>
-          </a:xfrm>
-          <a:prstGeom prst="rect">
-            <a:avLst/>
-          </a:prstGeom>
-          <a:noFill/>
-        </p:spPr>
-        <p:txBody>
-          <a:bodyPr wrap="square" rtlCol="0">
-            <a:spAutoFit/>
-          </a:bodyPr>
-          <a:lstStyle/>
-          <a:p>
-            <a:r>
-              <a:rPr lang="zh-TW" altLang="en-US" dirty="0" smtClean="0"/>
-              <a:t>遊戲開始</a:t>
-            </a:r>
-            <a:r>
-              <a:rPr lang="en-US" altLang="zh-TW" dirty="0" smtClean="0"/>
-              <a:t>…</a:t>
-            </a:r>
-            <a:endParaRPr lang="zh-TW" altLang="en-US" dirty="0"/>
           </a:p>
         </p:txBody>
       </p:sp>
     </p:spTree>
     <p:extLst>
       <p:ext uri="{BB962C8B-B14F-4D97-AF65-F5344CB8AC3E}">
-        <p14:creationId xmlns:p14="http://schemas.microsoft.com/office/powerpoint/2010/main" val="2733165445"/>
+        <p14:creationId xmlns:p14="http://schemas.microsoft.com/office/powerpoint/2010/main" val="1374194926"/>
       </p:ext>
     </p:extLst>
   </p:cSld>
@@ -10186,6 +8840,46 @@
       </p:grpSpPr>
       <p:sp>
         <p:nvSpPr>
+          <p:cNvPr id="22" name="矩形 21"/>
+          <p:cNvSpPr/>
+          <p:nvPr/>
+        </p:nvSpPr>
+        <p:spPr>
+          <a:xfrm>
+            <a:off x="7702057" y="571500"/>
+            <a:ext cx="1512277" cy="448408"/>
+          </a:xfrm>
+          <a:prstGeom prst="rect">
+            <a:avLst/>
+          </a:prstGeom>
+        </p:spPr>
+        <p:style>
+          <a:lnRef idx="2">
+            <a:schemeClr val="accent1">
+              <a:shade val="50000"/>
+            </a:schemeClr>
+          </a:lnRef>
+          <a:fillRef idx="1">
+            <a:schemeClr val="accent1"/>
+          </a:fillRef>
+          <a:effectRef idx="0">
+            <a:schemeClr val="accent1"/>
+          </a:effectRef>
+          <a:fontRef idx="minor">
+            <a:schemeClr val="lt1"/>
+          </a:fontRef>
+        </p:style>
+        <p:txBody>
+          <a:bodyPr rtlCol="0" anchor="ctr"/>
+          <a:lstStyle/>
+          <a:p>
+            <a:pPr algn="ctr"/>
+            <a:endParaRPr lang="zh-TW" altLang="en-US"/>
+          </a:p>
+        </p:txBody>
+      </p:sp>
+      <p:sp>
+        <p:nvSpPr>
           <p:cNvPr id="2" name="標題 1"/>
           <p:cNvSpPr>
             <a:spLocks noGrp="1"/>
@@ -10194,14 +8888,19 @@
             <p:ph type="title"/>
           </p:nvPr>
         </p:nvSpPr>
-        <p:spPr/>
+        <p:spPr>
+          <a:xfrm>
+            <a:off x="-101339" y="365125"/>
+            <a:ext cx="10515600" cy="1325563"/>
+          </a:xfrm>
+        </p:spPr>
         <p:txBody>
           <a:bodyPr/>
           <a:lstStyle/>
           <a:p>
             <a:r>
               <a:rPr lang="zh-TW" altLang="en-US" dirty="0" smtClean="0"/>
-              <a:t>遊戲進行</a:t>
+              <a:t>傳送主程式分割</a:t>
             </a:r>
             <a:endParaRPr lang="zh-TW" altLang="en-US" dirty="0"/>
           </a:p>
@@ -10215,7 +8914,7 @@
         </p:nvSpPr>
         <p:spPr>
           <a:xfrm>
-            <a:off x="7341573" y="571500"/>
+            <a:off x="3939503" y="571500"/>
             <a:ext cx="1512277" cy="448408"/>
           </a:xfrm>
           <a:prstGeom prst="rect">
@@ -10249,14 +8948,134 @@
       </p:sp>
       <p:sp>
         <p:nvSpPr>
-          <p:cNvPr id="5" name="矩形 4"/>
+          <p:cNvPr id="5" name="文字方塊 4"/>
+          <p:cNvSpPr txBox="1"/>
+          <p:nvPr/>
+        </p:nvSpPr>
+        <p:spPr>
+          <a:xfrm>
+            <a:off x="4440666" y="611038"/>
+            <a:ext cx="905608" cy="369332"/>
+          </a:xfrm>
+          <a:prstGeom prst="rect">
+            <a:avLst/>
+          </a:prstGeom>
+          <a:noFill/>
+        </p:spPr>
+        <p:txBody>
+          <a:bodyPr wrap="square" rtlCol="0">
+            <a:spAutoFit/>
+          </a:bodyPr>
+          <a:lstStyle/>
+          <a:p>
+            <a:r>
+              <a:rPr lang="en-US" altLang="zh-TW" dirty="0" smtClean="0"/>
+              <a:t>app</a:t>
+            </a:r>
+            <a:endParaRPr lang="zh-TW" altLang="en-US" dirty="0"/>
+          </a:p>
+        </p:txBody>
+      </p:sp>
+      <p:sp>
+        <p:nvSpPr>
+          <p:cNvPr id="6" name="文字方塊 5"/>
+          <p:cNvSpPr txBox="1"/>
+          <p:nvPr/>
+        </p:nvSpPr>
+        <p:spPr>
+          <a:xfrm>
+            <a:off x="7899887" y="611038"/>
+            <a:ext cx="905608" cy="369332"/>
+          </a:xfrm>
+          <a:prstGeom prst="rect">
+            <a:avLst/>
+          </a:prstGeom>
+          <a:noFill/>
+        </p:spPr>
+        <p:txBody>
+          <a:bodyPr wrap="square" rtlCol="0">
+            <a:spAutoFit/>
+          </a:bodyPr>
+          <a:lstStyle/>
+          <a:p>
+            <a:r>
+              <a:rPr lang="zh-TW" altLang="en-US" dirty="0" smtClean="0"/>
+              <a:t>電子琴</a:t>
+            </a:r>
+            <a:endParaRPr lang="zh-TW" altLang="en-US" dirty="0"/>
+          </a:p>
+        </p:txBody>
+      </p:sp>
+      <p:cxnSp>
+        <p:nvCxnSpPr>
+          <p:cNvPr id="7" name="直線接點 6"/>
+          <p:cNvCxnSpPr/>
+          <p:nvPr/>
+        </p:nvCxnSpPr>
+        <p:spPr>
+          <a:xfrm>
+            <a:off x="4695641" y="1027906"/>
+            <a:ext cx="0" cy="5636663"/>
+          </a:xfrm>
+          <a:prstGeom prst="line">
+            <a:avLst/>
+          </a:prstGeom>
+        </p:spPr>
+        <p:style>
+          <a:lnRef idx="1">
+            <a:schemeClr val="accent1"/>
+          </a:lnRef>
+          <a:fillRef idx="0">
+            <a:schemeClr val="accent1"/>
+          </a:fillRef>
+          <a:effectRef idx="0">
+            <a:schemeClr val="accent1"/>
+          </a:effectRef>
+          <a:fontRef idx="minor">
+            <a:schemeClr val="tx1"/>
+          </a:fontRef>
+        </p:style>
+      </p:cxnSp>
+      <p:cxnSp>
+        <p:nvCxnSpPr>
+          <p:cNvPr id="8" name="直線接點 7"/>
+          <p:cNvCxnSpPr/>
+          <p:nvPr/>
+        </p:nvCxnSpPr>
+        <p:spPr>
+          <a:xfrm>
+            <a:off x="8458199" y="1027906"/>
+            <a:ext cx="0" cy="5636663"/>
+          </a:xfrm>
+          <a:prstGeom prst="line">
+            <a:avLst/>
+          </a:prstGeom>
+        </p:spPr>
+        <p:style>
+          <a:lnRef idx="1">
+            <a:schemeClr val="accent1"/>
+          </a:lnRef>
+          <a:fillRef idx="0">
+            <a:schemeClr val="accent1"/>
+          </a:fillRef>
+          <a:effectRef idx="0">
+            <a:schemeClr val="accent1"/>
+          </a:effectRef>
+          <a:fontRef idx="minor">
+            <a:schemeClr val="tx1"/>
+          </a:fontRef>
+        </p:style>
+      </p:cxnSp>
+      <p:sp>
+        <p:nvSpPr>
+          <p:cNvPr id="9" name="矩形 8"/>
           <p:cNvSpPr/>
           <p:nvPr/>
         </p:nvSpPr>
         <p:spPr>
           <a:xfrm>
-            <a:off x="4352192" y="571500"/>
-            <a:ext cx="1512277" cy="448408"/>
+            <a:off x="4596726" y="1472684"/>
+            <a:ext cx="197829" cy="257542"/>
           </a:xfrm>
           <a:prstGeom prst="rect">
             <a:avLst/>
@@ -10289,14 +9108,14 @@
       </p:sp>
       <p:sp>
         <p:nvSpPr>
-          <p:cNvPr id="6" name="文字方塊 5"/>
+          <p:cNvPr id="10" name="文字方塊 9"/>
           <p:cNvSpPr txBox="1"/>
           <p:nvPr/>
         </p:nvSpPr>
         <p:spPr>
           <a:xfrm>
-            <a:off x="4853355" y="611038"/>
-            <a:ext cx="905608" cy="369332"/>
+            <a:off x="2908421" y="1388825"/>
+            <a:ext cx="1697284" cy="369332"/>
           </a:xfrm>
           <a:prstGeom prst="rect">
             <a:avLst/>
@@ -10310,8 +9129,8 @@
           <a:lstStyle/>
           <a:p>
             <a:r>
-              <a:rPr lang="en-US" altLang="zh-TW" dirty="0" smtClean="0"/>
-              <a:t>app</a:t>
+              <a:rPr lang="zh-TW" altLang="en-US" dirty="0" smtClean="0"/>
+              <a:t>給新韌體資訊</a:t>
             </a:r>
             <a:endParaRPr lang="zh-TW" altLang="en-US" dirty="0"/>
           </a:p>
@@ -10319,104 +9138,14 @@
       </p:sp>
       <p:sp>
         <p:nvSpPr>
-          <p:cNvPr id="7" name="文字方塊 6"/>
-          <p:cNvSpPr txBox="1"/>
-          <p:nvPr/>
-        </p:nvSpPr>
-        <p:spPr>
-          <a:xfrm>
-            <a:off x="7539403" y="611038"/>
-            <a:ext cx="905608" cy="369332"/>
-          </a:xfrm>
-          <a:prstGeom prst="rect">
-            <a:avLst/>
-          </a:prstGeom>
-          <a:noFill/>
-        </p:spPr>
-        <p:txBody>
-          <a:bodyPr wrap="square" rtlCol="0">
-            <a:spAutoFit/>
-          </a:bodyPr>
-          <a:lstStyle/>
-          <a:p>
-            <a:r>
-              <a:rPr lang="zh-TW" altLang="en-US" dirty="0" smtClean="0"/>
-              <a:t>電子琴</a:t>
-            </a:r>
-            <a:endParaRPr lang="zh-TW" altLang="en-US" dirty="0"/>
-          </a:p>
-        </p:txBody>
-      </p:sp>
-      <p:cxnSp>
-        <p:nvCxnSpPr>
-          <p:cNvPr id="8" name="直線接點 7"/>
-          <p:cNvCxnSpPr/>
-          <p:nvPr/>
-        </p:nvCxnSpPr>
-        <p:spPr>
-          <a:xfrm>
-            <a:off x="5108330" y="1027906"/>
-            <a:ext cx="0" cy="5636663"/>
-          </a:xfrm>
-          <a:prstGeom prst="line">
-            <a:avLst/>
-          </a:prstGeom>
-        </p:spPr>
-        <p:style>
-          <a:lnRef idx="1">
-            <a:schemeClr val="accent1"/>
-          </a:lnRef>
-          <a:fillRef idx="0">
-            <a:schemeClr val="accent1"/>
-          </a:fillRef>
-          <a:effectRef idx="0">
-            <a:schemeClr val="accent1"/>
-          </a:effectRef>
-          <a:fontRef idx="minor">
-            <a:schemeClr val="tx1"/>
-          </a:fontRef>
-        </p:style>
-      </p:cxnSp>
-      <p:cxnSp>
-        <p:nvCxnSpPr>
-          <p:cNvPr id="9" name="直線接點 8"/>
-          <p:cNvCxnSpPr/>
-          <p:nvPr/>
-        </p:nvCxnSpPr>
-        <p:spPr>
-          <a:xfrm>
-            <a:off x="8097715" y="1027906"/>
-            <a:ext cx="0" cy="5636663"/>
-          </a:xfrm>
-          <a:prstGeom prst="line">
-            <a:avLst/>
-          </a:prstGeom>
-        </p:spPr>
-        <p:style>
-          <a:lnRef idx="1">
-            <a:schemeClr val="accent1"/>
-          </a:lnRef>
-          <a:fillRef idx="0">
-            <a:schemeClr val="accent1"/>
-          </a:fillRef>
-          <a:effectRef idx="0">
-            <a:schemeClr val="accent1"/>
-          </a:effectRef>
-          <a:fontRef idx="minor">
-            <a:schemeClr val="tx1"/>
-          </a:fontRef>
-        </p:style>
-      </p:cxnSp>
-      <p:sp>
-        <p:nvSpPr>
-          <p:cNvPr id="10" name="矩形 9"/>
+          <p:cNvPr id="12" name="矩形 11"/>
           <p:cNvSpPr/>
           <p:nvPr/>
         </p:nvSpPr>
         <p:spPr>
           <a:xfrm>
-            <a:off x="5009415" y="4485546"/>
-            <a:ext cx="197829" cy="257542"/>
+            <a:off x="4596726" y="4369575"/>
+            <a:ext cx="197829" cy="501264"/>
           </a:xfrm>
           <a:prstGeom prst="rect">
             <a:avLst/>
@@ -10447,76 +9176,6 @@
           </a:p>
         </p:txBody>
       </p:sp>
-      <p:sp>
-        <p:nvSpPr>
-          <p:cNvPr id="11" name="文字方塊 10"/>
-          <p:cNvSpPr txBox="1"/>
-          <p:nvPr/>
-        </p:nvSpPr>
-        <p:spPr>
-          <a:xfrm>
-            <a:off x="8338274" y="4429651"/>
-            <a:ext cx="2009043" cy="369332"/>
-          </a:xfrm>
-          <a:prstGeom prst="rect">
-            <a:avLst/>
-          </a:prstGeom>
-          <a:noFill/>
-        </p:spPr>
-        <p:txBody>
-          <a:bodyPr wrap="square" rtlCol="0">
-            <a:spAutoFit/>
-          </a:bodyPr>
-          <a:lstStyle/>
-          <a:p>
-            <a:r>
-              <a:rPr lang="zh-TW" altLang="en-US" dirty="0" smtClean="0"/>
-              <a:t>遊戲結束</a:t>
-            </a:r>
-            <a:endParaRPr lang="zh-TW" altLang="en-US" dirty="0"/>
-          </a:p>
-        </p:txBody>
-      </p:sp>
-      <p:sp>
-        <p:nvSpPr>
-          <p:cNvPr id="12" name="矩形 11"/>
-          <p:cNvSpPr/>
-          <p:nvPr/>
-        </p:nvSpPr>
-        <p:spPr>
-          <a:xfrm>
-            <a:off x="7998798" y="4485546"/>
-            <a:ext cx="197829" cy="257542"/>
-          </a:xfrm>
-          <a:prstGeom prst="rect">
-            <a:avLst/>
-          </a:prstGeom>
-        </p:spPr>
-        <p:style>
-          <a:lnRef idx="2">
-            <a:schemeClr val="accent1">
-              <a:shade val="50000"/>
-            </a:schemeClr>
-          </a:lnRef>
-          <a:fillRef idx="1">
-            <a:schemeClr val="accent1"/>
-          </a:fillRef>
-          <a:effectRef idx="0">
-            <a:schemeClr val="accent1"/>
-          </a:effectRef>
-          <a:fontRef idx="minor">
-            <a:schemeClr val="lt1"/>
-          </a:fontRef>
-        </p:style>
-        <p:txBody>
-          <a:bodyPr rtlCol="0" anchor="ctr"/>
-          <a:lstStyle/>
-          <a:p>
-            <a:pPr algn="ctr"/>
-            <a:endParaRPr lang="zh-TW" altLang="en-US"/>
-          </a:p>
-        </p:txBody>
-      </p:sp>
       <p:cxnSp>
         <p:nvCxnSpPr>
           <p:cNvPr id="13" name="直線單箭頭接點 12"/>
@@ -10525,8 +9184,8 @@
         </p:nvCxnSpPr>
         <p:spPr>
           <a:xfrm>
-            <a:off x="5244609" y="4667063"/>
-            <a:ext cx="2716824" cy="0"/>
+            <a:off x="4727261" y="4510252"/>
+            <a:ext cx="3594656" cy="0"/>
           </a:xfrm>
           <a:prstGeom prst="straightConnector1">
             <a:avLst/>
@@ -10550,49 +9209,16 @@
           </a:fontRef>
         </p:style>
       </p:cxnSp>
-      <p:cxnSp>
-        <p:nvCxnSpPr>
-          <p:cNvPr id="14" name="直線單箭頭接點 13"/>
-          <p:cNvCxnSpPr/>
-          <p:nvPr/>
-        </p:nvCxnSpPr>
-        <p:spPr>
-          <a:xfrm flipH="1">
-            <a:off x="5207244" y="4549926"/>
-            <a:ext cx="2890469" cy="0"/>
-          </a:xfrm>
-          <a:prstGeom prst="straightConnector1">
-            <a:avLst/>
-          </a:prstGeom>
-          <a:ln>
-            <a:tailEnd type="triangle"/>
-          </a:ln>
-        </p:spPr>
-        <p:style>
-          <a:lnRef idx="1">
-            <a:schemeClr val="accent1"/>
-          </a:lnRef>
-          <a:fillRef idx="0">
-            <a:schemeClr val="accent1"/>
-          </a:fillRef>
-          <a:effectRef idx="0">
-            <a:schemeClr val="accent1"/>
-          </a:effectRef>
-          <a:fontRef idx="minor">
-            <a:schemeClr val="tx1"/>
-          </a:fontRef>
-        </p:style>
-      </p:cxnSp>
-      <p:sp>
-        <p:nvSpPr>
-          <p:cNvPr id="15" name="文字方塊 14"/>
+      <p:sp>
+        <p:nvSpPr>
+          <p:cNvPr id="14" name="文字方塊 13"/>
           <p:cNvSpPr txBox="1"/>
           <p:nvPr/>
         </p:nvSpPr>
         <p:spPr>
           <a:xfrm>
-            <a:off x="5346824" y="4165481"/>
-            <a:ext cx="2812300" cy="369332"/>
+            <a:off x="5009739" y="4184909"/>
+            <a:ext cx="3250632" cy="369332"/>
           </a:xfrm>
           <a:prstGeom prst="rect">
             <a:avLst/>
@@ -10611,7 +9237,7 @@
                   <a:schemeClr val="accent1"/>
                 </a:solidFill>
               </a:rPr>
-              <a:t>Hardware Finish Game</a:t>
+              <a:t>Finish Write New Firmware Split</a:t>
             </a:r>
             <a:endParaRPr lang="zh-TW" altLang="en-US" dirty="0">
               <a:solidFill>
@@ -10621,6 +9247,39 @@
           </a:p>
         </p:txBody>
       </p:sp>
+      <p:cxnSp>
+        <p:nvCxnSpPr>
+          <p:cNvPr id="15" name="直線單箭頭接點 14"/>
+          <p:cNvCxnSpPr/>
+          <p:nvPr/>
+        </p:nvCxnSpPr>
+        <p:spPr>
+          <a:xfrm flipH="1">
+            <a:off x="4794555" y="4629772"/>
+            <a:ext cx="3663644" cy="0"/>
+          </a:xfrm>
+          <a:prstGeom prst="straightConnector1">
+            <a:avLst/>
+          </a:prstGeom>
+          <a:ln>
+            <a:tailEnd type="triangle"/>
+          </a:ln>
+        </p:spPr>
+        <p:style>
+          <a:lnRef idx="1">
+            <a:schemeClr val="accent1"/>
+          </a:lnRef>
+          <a:fillRef idx="0">
+            <a:schemeClr val="accent1"/>
+          </a:fillRef>
+          <a:effectRef idx="0">
+            <a:schemeClr val="accent1"/>
+          </a:effectRef>
+          <a:fontRef idx="minor">
+            <a:schemeClr val="tx1"/>
+          </a:fontRef>
+        </p:style>
+      </p:cxnSp>
       <p:sp>
         <p:nvSpPr>
           <p:cNvPr id="16" name="文字方塊 15"/>
@@ -10629,8 +9288,8 @@
         </p:nvSpPr>
         <p:spPr>
           <a:xfrm>
-            <a:off x="5216106" y="4629312"/>
-            <a:ext cx="2913410" cy="369332"/>
+            <a:off x="4801150" y="4627628"/>
+            <a:ext cx="3611437" cy="369332"/>
           </a:xfrm>
           <a:prstGeom prst="rect">
             <a:avLst/>
@@ -10657,7 +9316,4909 @@
                   <a:schemeClr val="accent1"/>
                 </a:solidFill>
               </a:rPr>
-              <a:t> Hardware  Finish Game</a:t>
+              <a:t> </a:t>
+            </a:r>
+            <a:r>
+              <a:rPr lang="en-US" altLang="zh-TW" dirty="0">
+                <a:solidFill>
+                  <a:schemeClr val="accent1"/>
+                </a:solidFill>
+              </a:rPr>
+              <a:t>Finish Write New Firmware Split</a:t>
+            </a:r>
+            <a:endParaRPr lang="zh-TW" altLang="en-US" dirty="0">
+              <a:solidFill>
+                <a:schemeClr val="accent1"/>
+              </a:solidFill>
+            </a:endParaRPr>
+          </a:p>
+        </p:txBody>
+      </p:sp>
+      <p:sp>
+        <p:nvSpPr>
+          <p:cNvPr id="17" name="矩形 16"/>
+          <p:cNvSpPr/>
+          <p:nvPr/>
+        </p:nvSpPr>
+        <p:spPr>
+          <a:xfrm>
+            <a:off x="8352691" y="4404957"/>
+            <a:ext cx="197829" cy="501264"/>
+          </a:xfrm>
+          <a:prstGeom prst="rect">
+            <a:avLst/>
+          </a:prstGeom>
+        </p:spPr>
+        <p:style>
+          <a:lnRef idx="2">
+            <a:schemeClr val="accent1">
+              <a:shade val="50000"/>
+            </a:schemeClr>
+          </a:lnRef>
+          <a:fillRef idx="1">
+            <a:schemeClr val="accent1"/>
+          </a:fillRef>
+          <a:effectRef idx="0">
+            <a:schemeClr val="accent1"/>
+          </a:effectRef>
+          <a:fontRef idx="minor">
+            <a:schemeClr val="lt1"/>
+          </a:fontRef>
+        </p:style>
+        <p:txBody>
+          <a:bodyPr rtlCol="0" anchor="ctr"/>
+          <a:lstStyle/>
+          <a:p>
+            <a:pPr algn="ctr"/>
+            <a:endParaRPr lang="zh-TW" altLang="en-US"/>
+          </a:p>
+        </p:txBody>
+      </p:sp>
+      <p:sp>
+        <p:nvSpPr>
+          <p:cNvPr id="19" name="矩形 18"/>
+          <p:cNvSpPr/>
+          <p:nvPr/>
+        </p:nvSpPr>
+        <p:spPr>
+          <a:xfrm>
+            <a:off x="8359282" y="1472684"/>
+            <a:ext cx="197829" cy="257542"/>
+          </a:xfrm>
+          <a:prstGeom prst="rect">
+            <a:avLst/>
+          </a:prstGeom>
+        </p:spPr>
+        <p:style>
+          <a:lnRef idx="2">
+            <a:schemeClr val="accent1">
+              <a:shade val="50000"/>
+            </a:schemeClr>
+          </a:lnRef>
+          <a:fillRef idx="1">
+            <a:schemeClr val="accent1"/>
+          </a:fillRef>
+          <a:effectRef idx="0">
+            <a:schemeClr val="accent1"/>
+          </a:effectRef>
+          <a:fontRef idx="minor">
+            <a:schemeClr val="lt1"/>
+          </a:fontRef>
+        </p:style>
+        <p:txBody>
+          <a:bodyPr rtlCol="0" anchor="ctr"/>
+          <a:lstStyle/>
+          <a:p>
+            <a:pPr algn="ctr"/>
+            <a:endParaRPr lang="zh-TW" altLang="en-US"/>
+          </a:p>
+        </p:txBody>
+      </p:sp>
+      <p:cxnSp>
+        <p:nvCxnSpPr>
+          <p:cNvPr id="20" name="直線單箭頭接點 19"/>
+          <p:cNvCxnSpPr/>
+          <p:nvPr/>
+        </p:nvCxnSpPr>
+        <p:spPr>
+          <a:xfrm>
+            <a:off x="4847140" y="1513144"/>
+            <a:ext cx="3474777" cy="0"/>
+          </a:xfrm>
+          <a:prstGeom prst="straightConnector1">
+            <a:avLst/>
+          </a:prstGeom>
+          <a:ln>
+            <a:tailEnd type="triangle"/>
+          </a:ln>
+        </p:spPr>
+        <p:style>
+          <a:lnRef idx="1">
+            <a:schemeClr val="accent1"/>
+          </a:lnRef>
+          <a:fillRef idx="0">
+            <a:schemeClr val="accent1"/>
+          </a:fillRef>
+          <a:effectRef idx="0">
+            <a:schemeClr val="accent1"/>
+          </a:effectRef>
+          <a:fontRef idx="minor">
+            <a:schemeClr val="tx1"/>
+          </a:fontRef>
+        </p:style>
+      </p:cxnSp>
+      <p:cxnSp>
+        <p:nvCxnSpPr>
+          <p:cNvPr id="23" name="直線單箭頭接點 22"/>
+          <p:cNvCxnSpPr/>
+          <p:nvPr/>
+        </p:nvCxnSpPr>
+        <p:spPr>
+          <a:xfrm flipH="1">
+            <a:off x="4847140" y="1718285"/>
+            <a:ext cx="3611058" cy="0"/>
+          </a:xfrm>
+          <a:prstGeom prst="straightConnector1">
+            <a:avLst/>
+          </a:prstGeom>
+          <a:ln>
+            <a:tailEnd type="triangle"/>
+          </a:ln>
+        </p:spPr>
+        <p:style>
+          <a:lnRef idx="1">
+            <a:schemeClr val="accent1"/>
+          </a:lnRef>
+          <a:fillRef idx="0">
+            <a:schemeClr val="accent1"/>
+          </a:fillRef>
+          <a:effectRef idx="0">
+            <a:schemeClr val="accent1"/>
+          </a:effectRef>
+          <a:fontRef idx="minor">
+            <a:schemeClr val="tx1"/>
+          </a:fontRef>
+        </p:style>
+      </p:cxnSp>
+      <p:sp>
+        <p:nvSpPr>
+          <p:cNvPr id="24" name="文字方塊 23"/>
+          <p:cNvSpPr txBox="1"/>
+          <p:nvPr/>
+        </p:nvSpPr>
+        <p:spPr>
+          <a:xfrm>
+            <a:off x="5426297" y="1137356"/>
+            <a:ext cx="2059238" cy="369332"/>
+          </a:xfrm>
+          <a:prstGeom prst="rect">
+            <a:avLst/>
+          </a:prstGeom>
+          <a:noFill/>
+        </p:spPr>
+        <p:txBody>
+          <a:bodyPr wrap="square" rtlCol="0">
+            <a:spAutoFit/>
+          </a:bodyPr>
+          <a:lstStyle/>
+          <a:p>
+            <a:r>
+              <a:rPr lang="en-US" altLang="zh-TW" dirty="0" smtClean="0">
+                <a:solidFill>
+                  <a:schemeClr val="accent1"/>
+                </a:solidFill>
+              </a:rPr>
+              <a:t>New Firmware Data</a:t>
+            </a:r>
+            <a:endParaRPr lang="zh-TW" altLang="en-US" dirty="0">
+              <a:solidFill>
+                <a:schemeClr val="accent1"/>
+              </a:solidFill>
+            </a:endParaRPr>
+          </a:p>
+        </p:txBody>
+      </p:sp>
+      <p:sp>
+        <p:nvSpPr>
+          <p:cNvPr id="25" name="文字方塊 24"/>
+          <p:cNvSpPr txBox="1"/>
+          <p:nvPr/>
+        </p:nvSpPr>
+        <p:spPr>
+          <a:xfrm>
+            <a:off x="5252455" y="1690688"/>
+            <a:ext cx="2424500" cy="369332"/>
+          </a:xfrm>
+          <a:prstGeom prst="rect">
+            <a:avLst/>
+          </a:prstGeom>
+          <a:noFill/>
+        </p:spPr>
+        <p:txBody>
+          <a:bodyPr wrap="square" rtlCol="0">
+            <a:spAutoFit/>
+          </a:bodyPr>
+          <a:lstStyle/>
+          <a:p>
+            <a:r>
+              <a:rPr lang="en-US" altLang="zh-TW" dirty="0" err="1" smtClean="0">
+                <a:solidFill>
+                  <a:schemeClr val="accent1"/>
+                </a:solidFill>
+              </a:rPr>
+              <a:t>Ack</a:t>
+            </a:r>
+            <a:r>
+              <a:rPr lang="en-US" altLang="zh-TW" dirty="0" smtClean="0">
+                <a:solidFill>
+                  <a:schemeClr val="accent1"/>
+                </a:solidFill>
+              </a:rPr>
+              <a:t> New </a:t>
+            </a:r>
+            <a:r>
+              <a:rPr lang="en-US" altLang="zh-TW" dirty="0">
+                <a:solidFill>
+                  <a:schemeClr val="accent1"/>
+                </a:solidFill>
+              </a:rPr>
+              <a:t>Firmware Data</a:t>
+            </a:r>
+            <a:endParaRPr lang="zh-TW" altLang="en-US" dirty="0">
+              <a:solidFill>
+                <a:schemeClr val="accent1"/>
+              </a:solidFill>
+            </a:endParaRPr>
+          </a:p>
+        </p:txBody>
+      </p:sp>
+      <p:sp>
+        <p:nvSpPr>
+          <p:cNvPr id="26" name="矩形 25"/>
+          <p:cNvSpPr/>
+          <p:nvPr/>
+        </p:nvSpPr>
+        <p:spPr>
+          <a:xfrm>
+            <a:off x="1846384" y="2060021"/>
+            <a:ext cx="8399036" cy="578814"/>
+          </a:xfrm>
+          <a:prstGeom prst="rect">
+            <a:avLst/>
+          </a:prstGeom>
+          <a:noFill/>
+          <a:ln>
+            <a:prstDash val="dash"/>
+          </a:ln>
+        </p:spPr>
+        <p:style>
+          <a:lnRef idx="2">
+            <a:schemeClr val="accent1">
+              <a:shade val="50000"/>
+            </a:schemeClr>
+          </a:lnRef>
+          <a:fillRef idx="1">
+            <a:schemeClr val="accent1"/>
+          </a:fillRef>
+          <a:effectRef idx="0">
+            <a:schemeClr val="accent1"/>
+          </a:effectRef>
+          <a:fontRef idx="minor">
+            <a:schemeClr val="lt1"/>
+          </a:fontRef>
+        </p:style>
+        <p:txBody>
+          <a:bodyPr rtlCol="0" anchor="ctr"/>
+          <a:lstStyle/>
+          <a:p>
+            <a:pPr algn="ctr"/>
+            <a:endParaRPr lang="zh-TW" altLang="en-US"/>
+          </a:p>
+        </p:txBody>
+      </p:sp>
+      <p:sp>
+        <p:nvSpPr>
+          <p:cNvPr id="27" name="文字方塊 26"/>
+          <p:cNvSpPr txBox="1"/>
+          <p:nvPr/>
+        </p:nvSpPr>
+        <p:spPr>
+          <a:xfrm>
+            <a:off x="1798578" y="2032422"/>
+            <a:ext cx="1916723" cy="369332"/>
+          </a:xfrm>
+          <a:prstGeom prst="rect">
+            <a:avLst/>
+          </a:prstGeom>
+          <a:noFill/>
+        </p:spPr>
+        <p:txBody>
+          <a:bodyPr wrap="square" rtlCol="0">
+            <a:spAutoFit/>
+          </a:bodyPr>
+          <a:lstStyle/>
+          <a:p>
+            <a:r>
+              <a:rPr lang="zh-TW" altLang="en-US" dirty="0" smtClean="0"/>
+              <a:t>如果</a:t>
+            </a:r>
+            <a:r>
+              <a:rPr lang="zh-TW" altLang="en-US" dirty="0"/>
+              <a:t>已</a:t>
+            </a:r>
+            <a:r>
+              <a:rPr lang="zh-TW" altLang="en-US" dirty="0" smtClean="0"/>
+              <a:t>有主程式</a:t>
+            </a:r>
+            <a:endParaRPr lang="zh-TW" altLang="en-US" dirty="0"/>
+          </a:p>
+        </p:txBody>
+      </p:sp>
+      <p:sp>
+        <p:nvSpPr>
+          <p:cNvPr id="34" name="圓角矩形圖說文字 33"/>
+          <p:cNvSpPr/>
+          <p:nvPr/>
+        </p:nvSpPr>
+        <p:spPr>
+          <a:xfrm>
+            <a:off x="10583102" y="1515408"/>
+            <a:ext cx="1511360" cy="1043308"/>
+          </a:xfrm>
+          <a:prstGeom prst="wedgeRoundRectCallout">
+            <a:avLst>
+              <a:gd name="adj1" fmla="val -44660"/>
+              <a:gd name="adj2" fmla="val 76827"/>
+              <a:gd name="adj3" fmla="val 16667"/>
+            </a:avLst>
+          </a:prstGeom>
+        </p:spPr>
+        <p:style>
+          <a:lnRef idx="2">
+            <a:schemeClr val="accent1">
+              <a:shade val="50000"/>
+            </a:schemeClr>
+          </a:lnRef>
+          <a:fillRef idx="1">
+            <a:schemeClr val="accent1"/>
+          </a:fillRef>
+          <a:effectRef idx="0">
+            <a:schemeClr val="accent1"/>
+          </a:effectRef>
+          <a:fontRef idx="minor">
+            <a:schemeClr val="lt1"/>
+          </a:fontRef>
+        </p:style>
+        <p:txBody>
+          <a:bodyPr rtlCol="0" anchor="ctr"/>
+          <a:lstStyle/>
+          <a:p>
+            <a:pPr algn="ctr"/>
+            <a:endParaRPr lang="zh-TW" altLang="en-US"/>
+          </a:p>
+        </p:txBody>
+      </p:sp>
+      <p:sp>
+        <p:nvSpPr>
+          <p:cNvPr id="35" name="文字方塊 34"/>
+          <p:cNvSpPr txBox="1"/>
+          <p:nvPr/>
+        </p:nvSpPr>
+        <p:spPr>
+          <a:xfrm>
+            <a:off x="10717730" y="1714580"/>
+            <a:ext cx="1475644" cy="646331"/>
+          </a:xfrm>
+          <a:prstGeom prst="rect">
+            <a:avLst/>
+          </a:prstGeom>
+          <a:noFill/>
+        </p:spPr>
+        <p:txBody>
+          <a:bodyPr wrap="square" rtlCol="0">
+            <a:spAutoFit/>
+          </a:bodyPr>
+          <a:lstStyle/>
+          <a:p>
+            <a:r>
+              <a:rPr lang="zh-TW" altLang="en-US" dirty="0" smtClean="0"/>
+              <a:t>每個</a:t>
+            </a:r>
+            <a:r>
+              <a:rPr lang="en-US" altLang="zh-TW" dirty="0" smtClean="0"/>
+              <a:t>split</a:t>
+            </a:r>
+            <a:r>
+              <a:rPr lang="zh-TW" altLang="en-US" dirty="0" smtClean="0"/>
+              <a:t>大小為</a:t>
+            </a:r>
+            <a:r>
+              <a:rPr lang="en-US" altLang="zh-TW" dirty="0" smtClean="0"/>
+              <a:t>16kb</a:t>
+            </a:r>
+            <a:endParaRPr lang="zh-TW" altLang="en-US" dirty="0"/>
+          </a:p>
+        </p:txBody>
+      </p:sp>
+      <p:sp>
+        <p:nvSpPr>
+          <p:cNvPr id="37" name="文字方塊 36"/>
+          <p:cNvSpPr txBox="1"/>
+          <p:nvPr/>
+        </p:nvSpPr>
+        <p:spPr>
+          <a:xfrm>
+            <a:off x="3033714" y="4259890"/>
+            <a:ext cx="1681712" cy="646331"/>
+          </a:xfrm>
+          <a:prstGeom prst="rect">
+            <a:avLst/>
+          </a:prstGeom>
+          <a:noFill/>
+        </p:spPr>
+        <p:txBody>
+          <a:bodyPr wrap="square" rtlCol="0">
+            <a:spAutoFit/>
+          </a:bodyPr>
+          <a:lstStyle/>
+          <a:p>
+            <a:r>
+              <a:rPr lang="zh-TW" altLang="en-US" dirty="0" smtClean="0"/>
+              <a:t>確認琴中是否有選定歌曲</a:t>
+            </a:r>
+            <a:endParaRPr lang="zh-TW" altLang="en-US" dirty="0"/>
+          </a:p>
+        </p:txBody>
+      </p:sp>
+      <p:sp>
+        <p:nvSpPr>
+          <p:cNvPr id="38" name="文字方塊 37"/>
+          <p:cNvSpPr txBox="1"/>
+          <p:nvPr/>
+        </p:nvSpPr>
+        <p:spPr>
+          <a:xfrm>
+            <a:off x="8739548" y="4259890"/>
+            <a:ext cx="3112482" cy="646331"/>
+          </a:xfrm>
+          <a:prstGeom prst="rect">
+            <a:avLst/>
+          </a:prstGeom>
+          <a:noFill/>
+        </p:spPr>
+        <p:txBody>
+          <a:bodyPr wrap="square" rtlCol="0">
+            <a:spAutoFit/>
+          </a:bodyPr>
+          <a:lstStyle/>
+          <a:p>
+            <a:r>
+              <a:rPr lang="zh-TW" altLang="en-US" dirty="0" smtClean="0"/>
+              <a:t>檢查琴中歌曲是否包含訊息中指定的歌曲，並回傳結果</a:t>
+            </a:r>
+            <a:endParaRPr lang="zh-TW" altLang="en-US" dirty="0"/>
+          </a:p>
+        </p:txBody>
+      </p:sp>
+      <p:sp>
+        <p:nvSpPr>
+          <p:cNvPr id="41" name="矩形 40"/>
+          <p:cNvSpPr/>
+          <p:nvPr/>
+        </p:nvSpPr>
+        <p:spPr>
+          <a:xfrm>
+            <a:off x="1884579" y="2101383"/>
+            <a:ext cx="1830722" cy="266644"/>
+          </a:xfrm>
+          <a:prstGeom prst="rect">
+            <a:avLst/>
+          </a:prstGeom>
+          <a:noFill/>
+        </p:spPr>
+        <p:style>
+          <a:lnRef idx="2">
+            <a:schemeClr val="accent1">
+              <a:shade val="50000"/>
+            </a:schemeClr>
+          </a:lnRef>
+          <a:fillRef idx="1">
+            <a:schemeClr val="accent1"/>
+          </a:fillRef>
+          <a:effectRef idx="0">
+            <a:schemeClr val="accent1"/>
+          </a:effectRef>
+          <a:fontRef idx="minor">
+            <a:schemeClr val="lt1"/>
+          </a:fontRef>
+        </p:style>
+        <p:txBody>
+          <a:bodyPr rtlCol="0" anchor="ctr"/>
+          <a:lstStyle/>
+          <a:p>
+            <a:pPr algn="ctr"/>
+            <a:endParaRPr lang="zh-TW" altLang="en-US"/>
+          </a:p>
+        </p:txBody>
+      </p:sp>
+      <p:sp>
+        <p:nvSpPr>
+          <p:cNvPr id="44" name="向右箭號 43"/>
+          <p:cNvSpPr/>
+          <p:nvPr/>
+        </p:nvSpPr>
+        <p:spPr>
+          <a:xfrm>
+            <a:off x="8503812" y="2095088"/>
+            <a:ext cx="1626577" cy="545876"/>
+          </a:xfrm>
+          <a:prstGeom prst="rightArrow">
+            <a:avLst/>
+          </a:prstGeom>
+          <a:solidFill>
+            <a:schemeClr val="accent6">
+              <a:lumMod val="60000"/>
+              <a:lumOff val="40000"/>
+            </a:schemeClr>
+          </a:solidFill>
+        </p:spPr>
+        <p:style>
+          <a:lnRef idx="2">
+            <a:schemeClr val="accent1">
+              <a:shade val="50000"/>
+            </a:schemeClr>
+          </a:lnRef>
+          <a:fillRef idx="1">
+            <a:schemeClr val="accent1"/>
+          </a:fillRef>
+          <a:effectRef idx="0">
+            <a:schemeClr val="accent1"/>
+          </a:effectRef>
+          <a:fontRef idx="minor">
+            <a:schemeClr val="lt1"/>
+          </a:fontRef>
+        </p:style>
+        <p:txBody>
+          <a:bodyPr rtlCol="0" anchor="ctr"/>
+          <a:lstStyle/>
+          <a:p>
+            <a:pPr algn="ctr"/>
+            <a:endParaRPr lang="zh-TW" altLang="en-US"/>
+          </a:p>
+        </p:txBody>
+      </p:sp>
+      <p:sp>
+        <p:nvSpPr>
+          <p:cNvPr id="43" name="文字方塊 42"/>
+          <p:cNvSpPr txBox="1"/>
+          <p:nvPr/>
+        </p:nvSpPr>
+        <p:spPr>
+          <a:xfrm>
+            <a:off x="8563708" y="2183360"/>
+            <a:ext cx="1681712" cy="369332"/>
+          </a:xfrm>
+          <a:prstGeom prst="rect">
+            <a:avLst/>
+          </a:prstGeom>
+          <a:noFill/>
+        </p:spPr>
+        <p:txBody>
+          <a:bodyPr wrap="square" rtlCol="0">
+            <a:spAutoFit/>
+          </a:bodyPr>
+          <a:lstStyle/>
+          <a:p>
+            <a:r>
+              <a:rPr lang="zh-TW" altLang="en-US" dirty="0" smtClean="0"/>
+              <a:t>離開</a:t>
+            </a:r>
+            <a:r>
+              <a:rPr lang="en-US" altLang="zh-TW" dirty="0" smtClean="0"/>
+              <a:t>…</a:t>
+            </a:r>
+            <a:endParaRPr lang="zh-TW" altLang="en-US" dirty="0"/>
+          </a:p>
+        </p:txBody>
+      </p:sp>
+      <p:sp>
+        <p:nvSpPr>
+          <p:cNvPr id="45" name="矩形 44"/>
+          <p:cNvSpPr/>
+          <p:nvPr/>
+        </p:nvSpPr>
+        <p:spPr>
+          <a:xfrm>
+            <a:off x="4596726" y="2934649"/>
+            <a:ext cx="197829" cy="257542"/>
+          </a:xfrm>
+          <a:prstGeom prst="rect">
+            <a:avLst/>
+          </a:prstGeom>
+        </p:spPr>
+        <p:style>
+          <a:lnRef idx="2">
+            <a:schemeClr val="accent1">
+              <a:shade val="50000"/>
+            </a:schemeClr>
+          </a:lnRef>
+          <a:fillRef idx="1">
+            <a:schemeClr val="accent1"/>
+          </a:fillRef>
+          <a:effectRef idx="0">
+            <a:schemeClr val="accent1"/>
+          </a:effectRef>
+          <a:fontRef idx="minor">
+            <a:schemeClr val="lt1"/>
+          </a:fontRef>
+        </p:style>
+        <p:txBody>
+          <a:bodyPr rtlCol="0" anchor="ctr"/>
+          <a:lstStyle/>
+          <a:p>
+            <a:pPr algn="ctr"/>
+            <a:endParaRPr lang="zh-TW" altLang="en-US"/>
+          </a:p>
+        </p:txBody>
+      </p:sp>
+      <p:sp>
+        <p:nvSpPr>
+          <p:cNvPr id="46" name="矩形 45"/>
+          <p:cNvSpPr/>
+          <p:nvPr/>
+        </p:nvSpPr>
+        <p:spPr>
+          <a:xfrm>
+            <a:off x="8359282" y="2934649"/>
+            <a:ext cx="197829" cy="257542"/>
+          </a:xfrm>
+          <a:prstGeom prst="rect">
+            <a:avLst/>
+          </a:prstGeom>
+        </p:spPr>
+        <p:style>
+          <a:lnRef idx="2">
+            <a:schemeClr val="accent1">
+              <a:shade val="50000"/>
+            </a:schemeClr>
+          </a:lnRef>
+          <a:fillRef idx="1">
+            <a:schemeClr val="accent1"/>
+          </a:fillRef>
+          <a:effectRef idx="0">
+            <a:schemeClr val="accent1"/>
+          </a:effectRef>
+          <a:fontRef idx="minor">
+            <a:schemeClr val="lt1"/>
+          </a:fontRef>
+        </p:style>
+        <p:txBody>
+          <a:bodyPr rtlCol="0" anchor="ctr"/>
+          <a:lstStyle/>
+          <a:p>
+            <a:pPr algn="ctr"/>
+            <a:endParaRPr lang="zh-TW" altLang="en-US"/>
+          </a:p>
+        </p:txBody>
+      </p:sp>
+      <p:cxnSp>
+        <p:nvCxnSpPr>
+          <p:cNvPr id="47" name="直線單箭頭接點 46"/>
+          <p:cNvCxnSpPr/>
+          <p:nvPr/>
+        </p:nvCxnSpPr>
+        <p:spPr>
+          <a:xfrm>
+            <a:off x="4794555" y="3145229"/>
+            <a:ext cx="3527362" cy="0"/>
+          </a:xfrm>
+          <a:prstGeom prst="straightConnector1">
+            <a:avLst/>
+          </a:prstGeom>
+          <a:ln>
+            <a:tailEnd type="triangle"/>
+          </a:ln>
+        </p:spPr>
+        <p:style>
+          <a:lnRef idx="1">
+            <a:schemeClr val="accent1"/>
+          </a:lnRef>
+          <a:fillRef idx="0">
+            <a:schemeClr val="accent1"/>
+          </a:fillRef>
+          <a:effectRef idx="0">
+            <a:schemeClr val="accent1"/>
+          </a:effectRef>
+          <a:fontRef idx="minor">
+            <a:schemeClr val="tx1"/>
+          </a:fontRef>
+        </p:style>
+      </p:cxnSp>
+      <p:cxnSp>
+        <p:nvCxnSpPr>
+          <p:cNvPr id="48" name="直線單箭頭接點 47"/>
+          <p:cNvCxnSpPr/>
+          <p:nvPr/>
+        </p:nvCxnSpPr>
+        <p:spPr>
+          <a:xfrm flipH="1">
+            <a:off x="4794555" y="2990523"/>
+            <a:ext cx="3663643" cy="0"/>
+          </a:xfrm>
+          <a:prstGeom prst="straightConnector1">
+            <a:avLst/>
+          </a:prstGeom>
+          <a:ln>
+            <a:tailEnd type="triangle"/>
+          </a:ln>
+        </p:spPr>
+        <p:style>
+          <a:lnRef idx="1">
+            <a:schemeClr val="accent1"/>
+          </a:lnRef>
+          <a:fillRef idx="0">
+            <a:schemeClr val="accent1"/>
+          </a:fillRef>
+          <a:effectRef idx="0">
+            <a:schemeClr val="accent1"/>
+          </a:effectRef>
+          <a:fontRef idx="minor">
+            <a:schemeClr val="tx1"/>
+          </a:fontRef>
+        </p:style>
+      </p:cxnSp>
+      <p:sp>
+        <p:nvSpPr>
+          <p:cNvPr id="49" name="文字方塊 48"/>
+          <p:cNvSpPr txBox="1"/>
+          <p:nvPr/>
+        </p:nvSpPr>
+        <p:spPr>
+          <a:xfrm>
+            <a:off x="5032490" y="2669202"/>
+            <a:ext cx="2891027" cy="369332"/>
+          </a:xfrm>
+          <a:prstGeom prst="rect">
+            <a:avLst/>
+          </a:prstGeom>
+          <a:noFill/>
+        </p:spPr>
+        <p:txBody>
+          <a:bodyPr wrap="square" rtlCol="0">
+            <a:spAutoFit/>
+          </a:bodyPr>
+          <a:lstStyle/>
+          <a:p>
+            <a:r>
+              <a:rPr lang="en-US" altLang="zh-TW" dirty="0" err="1" smtClean="0">
+                <a:solidFill>
+                  <a:schemeClr val="accent1"/>
+                </a:solidFill>
+              </a:rPr>
+              <a:t>Reuqest</a:t>
+            </a:r>
+            <a:r>
+              <a:rPr lang="en-US" altLang="zh-TW" dirty="0" smtClean="0">
+                <a:solidFill>
+                  <a:schemeClr val="accent1"/>
+                </a:solidFill>
+              </a:rPr>
+              <a:t> </a:t>
+            </a:r>
+            <a:r>
+              <a:rPr lang="en-US" altLang="zh-TW" dirty="0" smtClean="0">
+                <a:solidFill>
+                  <a:schemeClr val="accent1"/>
+                </a:solidFill>
+              </a:rPr>
+              <a:t>New Firmware Split</a:t>
+            </a:r>
+            <a:endParaRPr lang="zh-TW" altLang="en-US" dirty="0">
+              <a:solidFill>
+                <a:schemeClr val="accent1"/>
+              </a:solidFill>
+            </a:endParaRPr>
+          </a:p>
+        </p:txBody>
+      </p:sp>
+      <p:sp>
+        <p:nvSpPr>
+          <p:cNvPr id="50" name="文字方塊 49"/>
+          <p:cNvSpPr txBox="1"/>
+          <p:nvPr/>
+        </p:nvSpPr>
+        <p:spPr>
+          <a:xfrm>
+            <a:off x="4895178" y="3092664"/>
+            <a:ext cx="3334490" cy="369332"/>
+          </a:xfrm>
+          <a:prstGeom prst="rect">
+            <a:avLst/>
+          </a:prstGeom>
+          <a:noFill/>
+        </p:spPr>
+        <p:txBody>
+          <a:bodyPr wrap="square" rtlCol="0">
+            <a:spAutoFit/>
+          </a:bodyPr>
+          <a:lstStyle/>
+          <a:p>
+            <a:r>
+              <a:rPr lang="en-US" altLang="zh-TW" dirty="0" err="1" smtClean="0">
+                <a:solidFill>
+                  <a:schemeClr val="accent1"/>
+                </a:solidFill>
+              </a:rPr>
+              <a:t>Ack</a:t>
+            </a:r>
+            <a:r>
+              <a:rPr lang="en-US" altLang="zh-TW" dirty="0" smtClean="0">
+                <a:solidFill>
+                  <a:schemeClr val="accent1"/>
+                </a:solidFill>
+              </a:rPr>
+              <a:t> </a:t>
+            </a:r>
+            <a:r>
+              <a:rPr lang="en-US" altLang="zh-TW" dirty="0" err="1">
+                <a:solidFill>
+                  <a:schemeClr val="accent1"/>
+                </a:solidFill>
+              </a:rPr>
+              <a:t>Reuqest</a:t>
+            </a:r>
+            <a:r>
+              <a:rPr lang="en-US" altLang="zh-TW" dirty="0">
+                <a:solidFill>
+                  <a:schemeClr val="accent1"/>
+                </a:solidFill>
+              </a:rPr>
+              <a:t> New Firmware </a:t>
+            </a:r>
+            <a:r>
+              <a:rPr lang="en-US" altLang="zh-TW" dirty="0" smtClean="0">
+                <a:solidFill>
+                  <a:schemeClr val="accent1"/>
+                </a:solidFill>
+              </a:rPr>
+              <a:t>Split</a:t>
+            </a:r>
+            <a:endParaRPr lang="zh-TW" altLang="en-US" dirty="0">
+              <a:solidFill>
+                <a:schemeClr val="accent1"/>
+              </a:solidFill>
+            </a:endParaRPr>
+          </a:p>
+        </p:txBody>
+      </p:sp>
+      <p:sp>
+        <p:nvSpPr>
+          <p:cNvPr id="51" name="文字方塊 50"/>
+          <p:cNvSpPr txBox="1"/>
+          <p:nvPr/>
+        </p:nvSpPr>
+        <p:spPr>
+          <a:xfrm>
+            <a:off x="8656027" y="2828991"/>
+            <a:ext cx="2299187" cy="369332"/>
+          </a:xfrm>
+          <a:prstGeom prst="rect">
+            <a:avLst/>
+          </a:prstGeom>
+          <a:noFill/>
+        </p:spPr>
+        <p:txBody>
+          <a:bodyPr wrap="square" rtlCol="0">
+            <a:spAutoFit/>
+          </a:bodyPr>
+          <a:lstStyle/>
+          <a:p>
+            <a:r>
+              <a:rPr lang="zh-TW" altLang="en-US" dirty="0" smtClean="0"/>
+              <a:t>要求下載主程式</a:t>
+            </a:r>
+            <a:r>
+              <a:rPr lang="zh-TW" altLang="en-US" dirty="0" smtClean="0"/>
+              <a:t>分</a:t>
+            </a:r>
+            <a:r>
+              <a:rPr lang="zh-TW" altLang="en-US" dirty="0"/>
+              <a:t>割</a:t>
+            </a:r>
+            <a:endParaRPr lang="zh-TW" altLang="en-US" dirty="0"/>
+          </a:p>
+        </p:txBody>
+      </p:sp>
+      <p:sp>
+        <p:nvSpPr>
+          <p:cNvPr id="52" name="矩形 51"/>
+          <p:cNvSpPr/>
+          <p:nvPr/>
+        </p:nvSpPr>
+        <p:spPr>
+          <a:xfrm>
+            <a:off x="4596726" y="3537906"/>
+            <a:ext cx="197829" cy="616686"/>
+          </a:xfrm>
+          <a:prstGeom prst="rect">
+            <a:avLst/>
+          </a:prstGeom>
+        </p:spPr>
+        <p:style>
+          <a:lnRef idx="2">
+            <a:schemeClr val="accent1">
+              <a:shade val="50000"/>
+            </a:schemeClr>
+          </a:lnRef>
+          <a:fillRef idx="1">
+            <a:schemeClr val="accent1"/>
+          </a:fillRef>
+          <a:effectRef idx="0">
+            <a:schemeClr val="accent1"/>
+          </a:effectRef>
+          <a:fontRef idx="minor">
+            <a:schemeClr val="lt1"/>
+          </a:fontRef>
+        </p:style>
+        <p:txBody>
+          <a:bodyPr rtlCol="0" anchor="ctr"/>
+          <a:lstStyle/>
+          <a:p>
+            <a:pPr algn="ctr"/>
+            <a:endParaRPr lang="zh-TW" altLang="en-US"/>
+          </a:p>
+        </p:txBody>
+      </p:sp>
+      <p:sp>
+        <p:nvSpPr>
+          <p:cNvPr id="53" name="文字方塊 52"/>
+          <p:cNvSpPr txBox="1"/>
+          <p:nvPr/>
+        </p:nvSpPr>
+        <p:spPr>
+          <a:xfrm>
+            <a:off x="2545926" y="3632901"/>
+            <a:ext cx="2057402" cy="369332"/>
+          </a:xfrm>
+          <a:prstGeom prst="rect">
+            <a:avLst/>
+          </a:prstGeom>
+          <a:noFill/>
+        </p:spPr>
+        <p:txBody>
+          <a:bodyPr wrap="square" rtlCol="0">
+            <a:spAutoFit/>
+          </a:bodyPr>
+          <a:lstStyle/>
+          <a:p>
+            <a:r>
+              <a:rPr lang="zh-TW" altLang="en-US" dirty="0" smtClean="0"/>
+              <a:t>傳送歌曲檔案片段</a:t>
+            </a:r>
+            <a:endParaRPr lang="zh-TW" altLang="en-US" dirty="0"/>
+          </a:p>
+        </p:txBody>
+      </p:sp>
+      <p:sp>
+        <p:nvSpPr>
+          <p:cNvPr id="54" name="矩形 53"/>
+          <p:cNvSpPr/>
+          <p:nvPr/>
+        </p:nvSpPr>
+        <p:spPr>
+          <a:xfrm>
+            <a:off x="8359282" y="3537906"/>
+            <a:ext cx="197829" cy="616686"/>
+          </a:xfrm>
+          <a:prstGeom prst="rect">
+            <a:avLst/>
+          </a:prstGeom>
+        </p:spPr>
+        <p:style>
+          <a:lnRef idx="2">
+            <a:schemeClr val="accent1">
+              <a:shade val="50000"/>
+            </a:schemeClr>
+          </a:lnRef>
+          <a:fillRef idx="1">
+            <a:schemeClr val="accent1"/>
+          </a:fillRef>
+          <a:effectRef idx="0">
+            <a:schemeClr val="accent1"/>
+          </a:effectRef>
+          <a:fontRef idx="minor">
+            <a:schemeClr val="lt1"/>
+          </a:fontRef>
+        </p:style>
+        <p:txBody>
+          <a:bodyPr rtlCol="0" anchor="ctr"/>
+          <a:lstStyle/>
+          <a:p>
+            <a:pPr algn="ctr"/>
+            <a:endParaRPr lang="zh-TW" altLang="en-US"/>
+          </a:p>
+        </p:txBody>
+      </p:sp>
+      <p:cxnSp>
+        <p:nvCxnSpPr>
+          <p:cNvPr id="55" name="直線單箭頭接點 54"/>
+          <p:cNvCxnSpPr/>
+          <p:nvPr/>
+        </p:nvCxnSpPr>
+        <p:spPr>
+          <a:xfrm>
+            <a:off x="4715426" y="3761678"/>
+            <a:ext cx="3606491" cy="0"/>
+          </a:xfrm>
+          <a:prstGeom prst="straightConnector1">
+            <a:avLst/>
+          </a:prstGeom>
+          <a:ln>
+            <a:tailEnd type="triangle"/>
+          </a:ln>
+        </p:spPr>
+        <p:style>
+          <a:lnRef idx="1">
+            <a:schemeClr val="accent1"/>
+          </a:lnRef>
+          <a:fillRef idx="0">
+            <a:schemeClr val="accent1"/>
+          </a:fillRef>
+          <a:effectRef idx="0">
+            <a:schemeClr val="accent1"/>
+          </a:effectRef>
+          <a:fontRef idx="minor">
+            <a:schemeClr val="tx1"/>
+          </a:fontRef>
+        </p:style>
+      </p:cxnSp>
+      <p:sp>
+        <p:nvSpPr>
+          <p:cNvPr id="56" name="文字方塊 55"/>
+          <p:cNvSpPr txBox="1"/>
+          <p:nvPr/>
+        </p:nvSpPr>
+        <p:spPr>
+          <a:xfrm>
+            <a:off x="4994091" y="3385890"/>
+            <a:ext cx="3325686" cy="369332"/>
+          </a:xfrm>
+          <a:prstGeom prst="rect">
+            <a:avLst/>
+          </a:prstGeom>
+          <a:noFill/>
+        </p:spPr>
+        <p:txBody>
+          <a:bodyPr wrap="square" rtlCol="0">
+            <a:spAutoFit/>
+          </a:bodyPr>
+          <a:lstStyle/>
+          <a:p>
+            <a:r>
+              <a:rPr lang="en-US" altLang="zh-TW" dirty="0">
+                <a:solidFill>
+                  <a:schemeClr val="accent1"/>
+                </a:solidFill>
+              </a:rPr>
+              <a:t>New Firmware Split </a:t>
+            </a:r>
+            <a:r>
+              <a:rPr lang="en-US" altLang="zh-TW" dirty="0" smtClean="0">
+                <a:solidFill>
+                  <a:schemeClr val="accent1"/>
+                </a:solidFill>
+              </a:rPr>
+              <a:t>File Segment</a:t>
+            </a:r>
+            <a:endParaRPr lang="zh-TW" altLang="en-US" dirty="0">
+              <a:solidFill>
+                <a:schemeClr val="accent1"/>
+              </a:solidFill>
+            </a:endParaRPr>
+          </a:p>
+        </p:txBody>
+      </p:sp>
+      <p:cxnSp>
+        <p:nvCxnSpPr>
+          <p:cNvPr id="57" name="直線單箭頭接點 56"/>
+          <p:cNvCxnSpPr/>
+          <p:nvPr/>
+        </p:nvCxnSpPr>
+        <p:spPr>
+          <a:xfrm flipH="1">
+            <a:off x="4794555" y="3894622"/>
+            <a:ext cx="3663643" cy="0"/>
+          </a:xfrm>
+          <a:prstGeom prst="straightConnector1">
+            <a:avLst/>
+          </a:prstGeom>
+          <a:ln>
+            <a:tailEnd type="triangle"/>
+          </a:ln>
+        </p:spPr>
+        <p:style>
+          <a:lnRef idx="1">
+            <a:schemeClr val="accent1"/>
+          </a:lnRef>
+          <a:fillRef idx="0">
+            <a:schemeClr val="accent1"/>
+          </a:fillRef>
+          <a:effectRef idx="0">
+            <a:schemeClr val="accent1"/>
+          </a:effectRef>
+          <a:fontRef idx="minor">
+            <a:schemeClr val="tx1"/>
+          </a:fontRef>
+        </p:style>
+      </p:cxnSp>
+      <p:sp>
+        <p:nvSpPr>
+          <p:cNvPr id="58" name="文字方塊 57"/>
+          <p:cNvSpPr txBox="1"/>
+          <p:nvPr/>
+        </p:nvSpPr>
+        <p:spPr>
+          <a:xfrm>
+            <a:off x="4727261" y="3863016"/>
+            <a:ext cx="3850816" cy="369332"/>
+          </a:xfrm>
+          <a:prstGeom prst="rect">
+            <a:avLst/>
+          </a:prstGeom>
+          <a:noFill/>
+        </p:spPr>
+        <p:txBody>
+          <a:bodyPr wrap="square" rtlCol="0">
+            <a:spAutoFit/>
+          </a:bodyPr>
+          <a:lstStyle/>
+          <a:p>
+            <a:r>
+              <a:rPr lang="en-US" altLang="zh-TW" dirty="0" err="1" smtClean="0">
+                <a:solidFill>
+                  <a:schemeClr val="accent1"/>
+                </a:solidFill>
+              </a:rPr>
+              <a:t>Ack</a:t>
+            </a:r>
+            <a:r>
+              <a:rPr lang="en-US" altLang="zh-TW" dirty="0" smtClean="0">
+                <a:solidFill>
+                  <a:schemeClr val="accent1"/>
+                </a:solidFill>
+              </a:rPr>
+              <a:t> </a:t>
+            </a:r>
+            <a:r>
+              <a:rPr lang="en-US" altLang="zh-TW" dirty="0">
+                <a:solidFill>
+                  <a:schemeClr val="accent1"/>
+                </a:solidFill>
+              </a:rPr>
+              <a:t>New Firmware Split </a:t>
+            </a:r>
+            <a:r>
+              <a:rPr lang="en-US" altLang="zh-TW" dirty="0" smtClean="0">
+                <a:solidFill>
+                  <a:schemeClr val="accent1"/>
+                </a:solidFill>
+              </a:rPr>
+              <a:t>File Segment</a:t>
+            </a:r>
+            <a:endParaRPr lang="zh-TW" altLang="en-US" dirty="0" smtClean="0">
+              <a:solidFill>
+                <a:schemeClr val="accent1"/>
+              </a:solidFill>
+            </a:endParaRPr>
+          </a:p>
+        </p:txBody>
+      </p:sp>
+      <p:sp>
+        <p:nvSpPr>
+          <p:cNvPr id="59" name="圓形箭號 58"/>
+          <p:cNvSpPr/>
+          <p:nvPr/>
+        </p:nvSpPr>
+        <p:spPr>
+          <a:xfrm rot="3952367" flipH="1">
+            <a:off x="8400527" y="3434904"/>
+            <a:ext cx="774780" cy="774780"/>
+          </a:xfrm>
+          <a:prstGeom prst="circularArrow">
+            <a:avLst>
+              <a:gd name="adj1" fmla="val 12500"/>
+              <a:gd name="adj2" fmla="val 1142319"/>
+              <a:gd name="adj3" fmla="val 20457681"/>
+              <a:gd name="adj4" fmla="val 9077799"/>
+              <a:gd name="adj5" fmla="val 12500"/>
+            </a:avLst>
+          </a:prstGeom>
+        </p:spPr>
+        <p:style>
+          <a:lnRef idx="2">
+            <a:schemeClr val="accent1">
+              <a:shade val="50000"/>
+            </a:schemeClr>
+          </a:lnRef>
+          <a:fillRef idx="1">
+            <a:schemeClr val="accent1"/>
+          </a:fillRef>
+          <a:effectRef idx="0">
+            <a:schemeClr val="accent1"/>
+          </a:effectRef>
+          <a:fontRef idx="minor">
+            <a:schemeClr val="lt1"/>
+          </a:fontRef>
+        </p:style>
+        <p:txBody>
+          <a:bodyPr rtlCol="0" anchor="ctr"/>
+          <a:lstStyle/>
+          <a:p>
+            <a:pPr algn="ctr"/>
+            <a:endParaRPr lang="zh-TW" altLang="en-US">
+              <a:solidFill>
+                <a:schemeClr val="tx1"/>
+              </a:solidFill>
+            </a:endParaRPr>
+          </a:p>
+        </p:txBody>
+      </p:sp>
+      <p:sp>
+        <p:nvSpPr>
+          <p:cNvPr id="75" name="矩形 74"/>
+          <p:cNvSpPr/>
+          <p:nvPr/>
+        </p:nvSpPr>
+        <p:spPr>
+          <a:xfrm>
+            <a:off x="4595281" y="5351101"/>
+            <a:ext cx="206059" cy="577319"/>
+          </a:xfrm>
+          <a:prstGeom prst="rect">
+            <a:avLst/>
+          </a:prstGeom>
+        </p:spPr>
+        <p:style>
+          <a:lnRef idx="2">
+            <a:schemeClr val="accent1">
+              <a:shade val="50000"/>
+            </a:schemeClr>
+          </a:lnRef>
+          <a:fillRef idx="1">
+            <a:schemeClr val="accent1"/>
+          </a:fillRef>
+          <a:effectRef idx="0">
+            <a:schemeClr val="accent1"/>
+          </a:effectRef>
+          <a:fontRef idx="minor">
+            <a:schemeClr val="lt1"/>
+          </a:fontRef>
+        </p:style>
+        <p:txBody>
+          <a:bodyPr rtlCol="0" anchor="ctr"/>
+          <a:lstStyle/>
+          <a:p>
+            <a:pPr algn="ctr"/>
+            <a:endParaRPr lang="zh-TW" altLang="en-US"/>
+          </a:p>
+        </p:txBody>
+      </p:sp>
+      <p:sp>
+        <p:nvSpPr>
+          <p:cNvPr id="76" name="文字方塊 75"/>
+          <p:cNvSpPr txBox="1"/>
+          <p:nvPr/>
+        </p:nvSpPr>
+        <p:spPr>
+          <a:xfrm>
+            <a:off x="8795671" y="5405448"/>
+            <a:ext cx="2211860" cy="369332"/>
+          </a:xfrm>
+          <a:prstGeom prst="rect">
+            <a:avLst/>
+          </a:prstGeom>
+          <a:noFill/>
+        </p:spPr>
+        <p:txBody>
+          <a:bodyPr wrap="square" rtlCol="0">
+            <a:spAutoFit/>
+          </a:bodyPr>
+          <a:lstStyle/>
+          <a:p>
+            <a:r>
+              <a:rPr lang="zh-TW" altLang="en-US" dirty="0" smtClean="0"/>
+              <a:t>要求重傳遺漏片段</a:t>
+            </a:r>
+            <a:endParaRPr lang="zh-TW" altLang="en-US" dirty="0"/>
+          </a:p>
+        </p:txBody>
+      </p:sp>
+      <p:sp>
+        <p:nvSpPr>
+          <p:cNvPr id="77" name="矩形 76"/>
+          <p:cNvSpPr/>
+          <p:nvPr/>
+        </p:nvSpPr>
+        <p:spPr>
+          <a:xfrm>
+            <a:off x="8350487" y="5351101"/>
+            <a:ext cx="206059" cy="577319"/>
+          </a:xfrm>
+          <a:prstGeom prst="rect">
+            <a:avLst/>
+          </a:prstGeom>
+        </p:spPr>
+        <p:style>
+          <a:lnRef idx="2">
+            <a:schemeClr val="accent1">
+              <a:shade val="50000"/>
+            </a:schemeClr>
+          </a:lnRef>
+          <a:fillRef idx="1">
+            <a:schemeClr val="accent1"/>
+          </a:fillRef>
+          <a:effectRef idx="0">
+            <a:schemeClr val="accent1"/>
+          </a:effectRef>
+          <a:fontRef idx="minor">
+            <a:schemeClr val="lt1"/>
+          </a:fontRef>
+        </p:style>
+        <p:txBody>
+          <a:bodyPr rtlCol="0" anchor="ctr"/>
+          <a:lstStyle/>
+          <a:p>
+            <a:pPr algn="ctr"/>
+            <a:endParaRPr lang="zh-TW" altLang="en-US"/>
+          </a:p>
+        </p:txBody>
+      </p:sp>
+      <p:cxnSp>
+        <p:nvCxnSpPr>
+          <p:cNvPr id="78" name="直線單箭頭接點 77"/>
+          <p:cNvCxnSpPr/>
+          <p:nvPr/>
+        </p:nvCxnSpPr>
+        <p:spPr>
+          <a:xfrm flipH="1">
+            <a:off x="4847140" y="5406976"/>
+            <a:ext cx="3503347" cy="0"/>
+          </a:xfrm>
+          <a:prstGeom prst="straightConnector1">
+            <a:avLst/>
+          </a:prstGeom>
+          <a:ln>
+            <a:tailEnd type="triangle"/>
+          </a:ln>
+        </p:spPr>
+        <p:style>
+          <a:lnRef idx="1">
+            <a:schemeClr val="accent1"/>
+          </a:lnRef>
+          <a:fillRef idx="0">
+            <a:schemeClr val="accent1"/>
+          </a:fillRef>
+          <a:effectRef idx="0">
+            <a:schemeClr val="accent1"/>
+          </a:effectRef>
+          <a:fontRef idx="minor">
+            <a:schemeClr val="tx1"/>
+          </a:fontRef>
+        </p:style>
+      </p:cxnSp>
+      <p:sp>
+        <p:nvSpPr>
+          <p:cNvPr id="79" name="文字方塊 78"/>
+          <p:cNvSpPr txBox="1"/>
+          <p:nvPr/>
+        </p:nvSpPr>
+        <p:spPr>
+          <a:xfrm>
+            <a:off x="4793562" y="5094367"/>
+            <a:ext cx="3664636" cy="369332"/>
+          </a:xfrm>
+          <a:prstGeom prst="rect">
+            <a:avLst/>
+          </a:prstGeom>
+          <a:noFill/>
+        </p:spPr>
+        <p:txBody>
+          <a:bodyPr wrap="square" rtlCol="0">
+            <a:spAutoFit/>
+          </a:bodyPr>
+          <a:lstStyle/>
+          <a:p>
+            <a:r>
+              <a:rPr lang="en-US" altLang="zh-TW" dirty="0" err="1" smtClean="0">
+                <a:solidFill>
+                  <a:schemeClr val="accent1"/>
+                </a:solidFill>
+              </a:rPr>
+              <a:t>Reuqest</a:t>
+            </a:r>
+            <a:r>
+              <a:rPr lang="en-US" altLang="zh-TW" dirty="0" smtClean="0">
+                <a:solidFill>
+                  <a:schemeClr val="accent1"/>
+                </a:solidFill>
+              </a:rPr>
+              <a:t> Rewrite </a:t>
+            </a:r>
+            <a:r>
+              <a:rPr lang="en-US" altLang="zh-TW" dirty="0">
+                <a:solidFill>
+                  <a:schemeClr val="accent1"/>
+                </a:solidFill>
+              </a:rPr>
+              <a:t>New Firmware Split</a:t>
+            </a:r>
+            <a:endParaRPr lang="zh-TW" altLang="en-US" dirty="0">
+              <a:solidFill>
+                <a:schemeClr val="accent1"/>
+              </a:solidFill>
+            </a:endParaRPr>
+          </a:p>
+        </p:txBody>
+      </p:sp>
+      <p:cxnSp>
+        <p:nvCxnSpPr>
+          <p:cNvPr id="80" name="直線單箭頭接點 79"/>
+          <p:cNvCxnSpPr/>
+          <p:nvPr/>
+        </p:nvCxnSpPr>
+        <p:spPr>
+          <a:xfrm flipH="1">
+            <a:off x="4893470" y="5521276"/>
+            <a:ext cx="3519117" cy="0"/>
+          </a:xfrm>
+          <a:prstGeom prst="straightConnector1">
+            <a:avLst/>
+          </a:prstGeom>
+          <a:ln>
+            <a:tailEnd type="triangle"/>
+          </a:ln>
+        </p:spPr>
+        <p:style>
+          <a:lnRef idx="1">
+            <a:schemeClr val="accent1"/>
+          </a:lnRef>
+          <a:fillRef idx="0">
+            <a:schemeClr val="accent1"/>
+          </a:fillRef>
+          <a:effectRef idx="0">
+            <a:schemeClr val="accent1"/>
+          </a:effectRef>
+          <a:fontRef idx="minor">
+            <a:schemeClr val="tx1"/>
+          </a:fontRef>
+        </p:style>
+      </p:cxnSp>
+      <p:grpSp>
+        <p:nvGrpSpPr>
+          <p:cNvPr id="81" name="群組 80"/>
+          <p:cNvGrpSpPr/>
+          <p:nvPr/>
+        </p:nvGrpSpPr>
+        <p:grpSpPr>
+          <a:xfrm>
+            <a:off x="6625879" y="5500579"/>
+            <a:ext cx="45719" cy="224789"/>
+            <a:chOff x="1037492" y="2831123"/>
+            <a:chExt cx="45719" cy="224789"/>
+          </a:xfrm>
+        </p:grpSpPr>
+        <p:sp>
+          <p:nvSpPr>
+            <p:cNvPr id="82" name="橢圓 81"/>
+            <p:cNvSpPr/>
+            <p:nvPr/>
+          </p:nvSpPr>
+          <p:spPr>
+            <a:xfrm>
+              <a:off x="1037492" y="2831123"/>
+              <a:ext cx="45719" cy="45719"/>
+            </a:xfrm>
+            <a:prstGeom prst="ellipse">
+              <a:avLst/>
+            </a:prstGeom>
+          </p:spPr>
+          <p:style>
+            <a:lnRef idx="2">
+              <a:schemeClr val="accent1">
+                <a:shade val="50000"/>
+              </a:schemeClr>
+            </a:lnRef>
+            <a:fillRef idx="1">
+              <a:schemeClr val="accent1"/>
+            </a:fillRef>
+            <a:effectRef idx="0">
+              <a:schemeClr val="accent1"/>
+            </a:effectRef>
+            <a:fontRef idx="minor">
+              <a:schemeClr val="lt1"/>
+            </a:fontRef>
+          </p:style>
+          <p:txBody>
+            <a:bodyPr rtlCol="0" anchor="ctr"/>
+            <a:lstStyle/>
+            <a:p>
+              <a:pPr algn="ctr"/>
+              <a:endParaRPr lang="zh-TW" altLang="en-US"/>
+            </a:p>
+          </p:txBody>
+        </p:sp>
+        <p:sp>
+          <p:nvSpPr>
+            <p:cNvPr id="83" name="橢圓 82"/>
+            <p:cNvSpPr/>
+            <p:nvPr/>
+          </p:nvSpPr>
+          <p:spPr>
+            <a:xfrm>
+              <a:off x="1037492" y="2920658"/>
+              <a:ext cx="45719" cy="45719"/>
+            </a:xfrm>
+            <a:prstGeom prst="ellipse">
+              <a:avLst/>
+            </a:prstGeom>
+          </p:spPr>
+          <p:style>
+            <a:lnRef idx="2">
+              <a:schemeClr val="accent1">
+                <a:shade val="50000"/>
+              </a:schemeClr>
+            </a:lnRef>
+            <a:fillRef idx="1">
+              <a:schemeClr val="accent1"/>
+            </a:fillRef>
+            <a:effectRef idx="0">
+              <a:schemeClr val="accent1"/>
+            </a:effectRef>
+            <a:fontRef idx="minor">
+              <a:schemeClr val="lt1"/>
+            </a:fontRef>
+          </p:style>
+          <p:txBody>
+            <a:bodyPr rtlCol="0" anchor="ctr"/>
+            <a:lstStyle/>
+            <a:p>
+              <a:pPr algn="ctr"/>
+              <a:endParaRPr lang="zh-TW" altLang="en-US"/>
+            </a:p>
+          </p:txBody>
+        </p:sp>
+        <p:sp>
+          <p:nvSpPr>
+            <p:cNvPr id="84" name="橢圓 83"/>
+            <p:cNvSpPr/>
+            <p:nvPr/>
+          </p:nvSpPr>
+          <p:spPr>
+            <a:xfrm>
+              <a:off x="1037492" y="3010193"/>
+              <a:ext cx="45719" cy="45719"/>
+            </a:xfrm>
+            <a:prstGeom prst="ellipse">
+              <a:avLst/>
+            </a:prstGeom>
+          </p:spPr>
+          <p:style>
+            <a:lnRef idx="2">
+              <a:schemeClr val="accent1">
+                <a:shade val="50000"/>
+              </a:schemeClr>
+            </a:lnRef>
+            <a:fillRef idx="1">
+              <a:schemeClr val="accent1"/>
+            </a:fillRef>
+            <a:effectRef idx="0">
+              <a:schemeClr val="accent1"/>
+            </a:effectRef>
+            <a:fontRef idx="minor">
+              <a:schemeClr val="lt1"/>
+            </a:fontRef>
+          </p:style>
+          <p:txBody>
+            <a:bodyPr rtlCol="0" anchor="ctr"/>
+            <a:lstStyle/>
+            <a:p>
+              <a:pPr algn="ctr"/>
+              <a:endParaRPr lang="zh-TW" altLang="en-US"/>
+            </a:p>
+          </p:txBody>
+        </p:sp>
+      </p:grpSp>
+      <p:cxnSp>
+        <p:nvCxnSpPr>
+          <p:cNvPr id="85" name="直線單箭頭接點 84"/>
+          <p:cNvCxnSpPr/>
+          <p:nvPr/>
+        </p:nvCxnSpPr>
+        <p:spPr>
+          <a:xfrm flipH="1">
+            <a:off x="4893470" y="5770454"/>
+            <a:ext cx="3519117" cy="0"/>
+          </a:xfrm>
+          <a:prstGeom prst="straightConnector1">
+            <a:avLst/>
+          </a:prstGeom>
+          <a:ln>
+            <a:tailEnd type="triangle"/>
+          </a:ln>
+        </p:spPr>
+        <p:style>
+          <a:lnRef idx="1">
+            <a:schemeClr val="accent1"/>
+          </a:lnRef>
+          <a:fillRef idx="0">
+            <a:schemeClr val="accent1"/>
+          </a:fillRef>
+          <a:effectRef idx="0">
+            <a:schemeClr val="accent1"/>
+          </a:effectRef>
+          <a:fontRef idx="minor">
+            <a:schemeClr val="tx1"/>
+          </a:fontRef>
+        </p:style>
+      </p:cxnSp>
+      <p:sp>
+        <p:nvSpPr>
+          <p:cNvPr id="86" name="矩形 85"/>
+          <p:cNvSpPr/>
+          <p:nvPr/>
+        </p:nvSpPr>
+        <p:spPr>
+          <a:xfrm>
+            <a:off x="2435469" y="5025919"/>
+            <a:ext cx="9064869" cy="1269374"/>
+          </a:xfrm>
+          <a:prstGeom prst="rect">
+            <a:avLst/>
+          </a:prstGeom>
+          <a:noFill/>
+          <a:ln w="19050">
+            <a:solidFill>
+              <a:srgbClr val="FF0000"/>
+            </a:solidFill>
+            <a:prstDash val="dash"/>
+          </a:ln>
+        </p:spPr>
+        <p:style>
+          <a:lnRef idx="2">
+            <a:schemeClr val="accent1">
+              <a:shade val="50000"/>
+            </a:schemeClr>
+          </a:lnRef>
+          <a:fillRef idx="1">
+            <a:schemeClr val="accent1"/>
+          </a:fillRef>
+          <a:effectRef idx="0">
+            <a:schemeClr val="accent1"/>
+          </a:effectRef>
+          <a:fontRef idx="minor">
+            <a:schemeClr val="lt1"/>
+          </a:fontRef>
+        </p:style>
+        <p:txBody>
+          <a:bodyPr rtlCol="0" anchor="ctr"/>
+          <a:lstStyle/>
+          <a:p>
+            <a:pPr algn="ctr"/>
+            <a:endParaRPr lang="zh-TW" altLang="en-US"/>
+          </a:p>
+        </p:txBody>
+      </p:sp>
+      <p:sp>
+        <p:nvSpPr>
+          <p:cNvPr id="87" name="文字方塊 86"/>
+          <p:cNvSpPr txBox="1"/>
+          <p:nvPr/>
+        </p:nvSpPr>
+        <p:spPr>
+          <a:xfrm>
+            <a:off x="2612632" y="5091743"/>
+            <a:ext cx="1916723" cy="369332"/>
+          </a:xfrm>
+          <a:prstGeom prst="rect">
+            <a:avLst/>
+          </a:prstGeom>
+          <a:noFill/>
+        </p:spPr>
+        <p:txBody>
+          <a:bodyPr wrap="square" rtlCol="0">
+            <a:spAutoFit/>
+          </a:bodyPr>
+          <a:lstStyle/>
+          <a:p>
+            <a:r>
+              <a:rPr lang="zh-TW" altLang="en-US" dirty="0" smtClean="0">
+                <a:solidFill>
+                  <a:srgbClr val="FF0000"/>
+                </a:solidFill>
+              </a:rPr>
+              <a:t>如果有遺漏片段</a:t>
+            </a:r>
+            <a:endParaRPr lang="zh-TW" altLang="en-US" dirty="0">
+              <a:solidFill>
+                <a:srgbClr val="FF0000"/>
+              </a:solidFill>
+            </a:endParaRPr>
+          </a:p>
+        </p:txBody>
+      </p:sp>
+      <p:sp>
+        <p:nvSpPr>
+          <p:cNvPr id="88" name="矩形 87"/>
+          <p:cNvSpPr/>
+          <p:nvPr/>
+        </p:nvSpPr>
+        <p:spPr>
+          <a:xfrm>
+            <a:off x="2532348" y="5093994"/>
+            <a:ext cx="1830722" cy="367081"/>
+          </a:xfrm>
+          <a:prstGeom prst="rect">
+            <a:avLst/>
+          </a:prstGeom>
+          <a:noFill/>
+        </p:spPr>
+        <p:style>
+          <a:lnRef idx="2">
+            <a:schemeClr val="accent1">
+              <a:shade val="50000"/>
+            </a:schemeClr>
+          </a:lnRef>
+          <a:fillRef idx="1">
+            <a:schemeClr val="accent1"/>
+          </a:fillRef>
+          <a:effectRef idx="0">
+            <a:schemeClr val="accent1"/>
+          </a:effectRef>
+          <a:fontRef idx="minor">
+            <a:schemeClr val="lt1"/>
+          </a:fontRef>
+        </p:style>
+        <p:txBody>
+          <a:bodyPr rtlCol="0" anchor="ctr"/>
+          <a:lstStyle/>
+          <a:p>
+            <a:pPr algn="ctr"/>
+            <a:endParaRPr lang="zh-TW" altLang="en-US"/>
+          </a:p>
+        </p:txBody>
+      </p:sp>
+      <p:sp>
+        <p:nvSpPr>
+          <p:cNvPr id="89" name="迴轉箭號 88"/>
+          <p:cNvSpPr/>
+          <p:nvPr/>
+        </p:nvSpPr>
+        <p:spPr>
+          <a:xfrm rot="16200000">
+            <a:off x="1728803" y="3214151"/>
+            <a:ext cx="2548091" cy="3385589"/>
+          </a:xfrm>
+          <a:prstGeom prst="uturnArrow">
+            <a:avLst>
+              <a:gd name="adj1" fmla="val 6319"/>
+              <a:gd name="adj2" fmla="val 7289"/>
+              <a:gd name="adj3" fmla="val 10928"/>
+              <a:gd name="adj4" fmla="val 43750"/>
+              <a:gd name="adj5" fmla="val 37835"/>
+            </a:avLst>
+          </a:prstGeom>
+          <a:solidFill>
+            <a:srgbClr val="FF0000"/>
+          </a:solidFill>
+          <a:ln>
+            <a:solidFill>
+              <a:srgbClr val="FF0000"/>
+            </a:solidFill>
+          </a:ln>
+        </p:spPr>
+        <p:style>
+          <a:lnRef idx="2">
+            <a:schemeClr val="accent1">
+              <a:shade val="50000"/>
+            </a:schemeClr>
+          </a:lnRef>
+          <a:fillRef idx="1">
+            <a:schemeClr val="accent1"/>
+          </a:fillRef>
+          <a:effectRef idx="0">
+            <a:schemeClr val="accent1"/>
+          </a:effectRef>
+          <a:fontRef idx="minor">
+            <a:schemeClr val="lt1"/>
+          </a:fontRef>
+        </p:style>
+        <p:txBody>
+          <a:bodyPr rtlCol="0" anchor="ctr"/>
+          <a:lstStyle/>
+          <a:p>
+            <a:pPr algn="ctr"/>
+            <a:endParaRPr lang="zh-TW" altLang="en-US">
+              <a:solidFill>
+                <a:schemeClr val="tx1"/>
+              </a:solidFill>
+            </a:endParaRPr>
+          </a:p>
+        </p:txBody>
+      </p:sp>
+      <p:sp>
+        <p:nvSpPr>
+          <p:cNvPr id="99" name="迴轉箭號 98"/>
+          <p:cNvSpPr/>
+          <p:nvPr/>
+        </p:nvSpPr>
+        <p:spPr>
+          <a:xfrm rot="16200000">
+            <a:off x="562775" y="2521192"/>
+            <a:ext cx="3835577" cy="4451173"/>
+          </a:xfrm>
+          <a:prstGeom prst="uturnArrow">
+            <a:avLst>
+              <a:gd name="adj1" fmla="val 6319"/>
+              <a:gd name="adj2" fmla="val 7289"/>
+              <a:gd name="adj3" fmla="val 10928"/>
+              <a:gd name="adj4" fmla="val 43750"/>
+              <a:gd name="adj5" fmla="val 94791"/>
+            </a:avLst>
+          </a:prstGeom>
+          <a:solidFill>
+            <a:schemeClr val="accent6">
+              <a:lumMod val="60000"/>
+              <a:lumOff val="40000"/>
+            </a:schemeClr>
+          </a:solidFill>
+          <a:ln>
+            <a:noFill/>
+          </a:ln>
+        </p:spPr>
+        <p:style>
+          <a:lnRef idx="2">
+            <a:schemeClr val="accent1">
+              <a:shade val="50000"/>
+            </a:schemeClr>
+          </a:lnRef>
+          <a:fillRef idx="1">
+            <a:schemeClr val="accent1"/>
+          </a:fillRef>
+          <a:effectRef idx="0">
+            <a:schemeClr val="accent1"/>
+          </a:effectRef>
+          <a:fontRef idx="minor">
+            <a:schemeClr val="lt1"/>
+          </a:fontRef>
+        </p:style>
+        <p:txBody>
+          <a:bodyPr rtlCol="0" anchor="ctr"/>
+          <a:lstStyle/>
+          <a:p>
+            <a:pPr algn="ctr"/>
+            <a:endParaRPr lang="zh-TW" altLang="en-US">
+              <a:solidFill>
+                <a:schemeClr val="tx1"/>
+              </a:solidFill>
+            </a:endParaRPr>
+          </a:p>
+        </p:txBody>
+      </p:sp>
+      <p:sp>
+        <p:nvSpPr>
+          <p:cNvPr id="100" name="向右箭號 99"/>
+          <p:cNvSpPr/>
+          <p:nvPr/>
+        </p:nvSpPr>
+        <p:spPr>
+          <a:xfrm>
+            <a:off x="8503812" y="6326719"/>
+            <a:ext cx="1626577" cy="545876"/>
+          </a:xfrm>
+          <a:prstGeom prst="rightArrow">
+            <a:avLst/>
+          </a:prstGeom>
+          <a:solidFill>
+            <a:schemeClr val="accent6">
+              <a:lumMod val="60000"/>
+              <a:lumOff val="40000"/>
+            </a:schemeClr>
+          </a:solidFill>
+        </p:spPr>
+        <p:style>
+          <a:lnRef idx="2">
+            <a:schemeClr val="accent1">
+              <a:shade val="50000"/>
+            </a:schemeClr>
+          </a:lnRef>
+          <a:fillRef idx="1">
+            <a:schemeClr val="accent1"/>
+          </a:fillRef>
+          <a:effectRef idx="0">
+            <a:schemeClr val="accent1"/>
+          </a:effectRef>
+          <a:fontRef idx="minor">
+            <a:schemeClr val="lt1"/>
+          </a:fontRef>
+        </p:style>
+        <p:txBody>
+          <a:bodyPr rtlCol="0" anchor="ctr"/>
+          <a:lstStyle/>
+          <a:p>
+            <a:pPr algn="ctr"/>
+            <a:endParaRPr lang="zh-TW" altLang="en-US"/>
+          </a:p>
+        </p:txBody>
+      </p:sp>
+      <p:sp>
+        <p:nvSpPr>
+          <p:cNvPr id="101" name="文字方塊 100"/>
+          <p:cNvSpPr txBox="1"/>
+          <p:nvPr/>
+        </p:nvSpPr>
+        <p:spPr>
+          <a:xfrm>
+            <a:off x="8563708" y="6414991"/>
+            <a:ext cx="1681712" cy="369332"/>
+          </a:xfrm>
+          <a:prstGeom prst="rect">
+            <a:avLst/>
+          </a:prstGeom>
+          <a:noFill/>
+        </p:spPr>
+        <p:txBody>
+          <a:bodyPr wrap="square" rtlCol="0">
+            <a:spAutoFit/>
+          </a:bodyPr>
+          <a:lstStyle/>
+          <a:p>
+            <a:r>
+              <a:rPr lang="zh-TW" altLang="en-US" dirty="0" smtClean="0"/>
+              <a:t>組合主程式</a:t>
+            </a:r>
+            <a:endParaRPr lang="zh-TW" altLang="en-US" dirty="0"/>
+          </a:p>
+        </p:txBody>
+      </p:sp>
+      <p:sp>
+        <p:nvSpPr>
+          <p:cNvPr id="104" name="圓角矩形圖說文字 103"/>
+          <p:cNvSpPr/>
+          <p:nvPr/>
+        </p:nvSpPr>
+        <p:spPr>
+          <a:xfrm>
+            <a:off x="-29579" y="1986139"/>
+            <a:ext cx="1511360" cy="1043308"/>
+          </a:xfrm>
+          <a:prstGeom prst="wedgeRoundRectCallout">
+            <a:avLst>
+              <a:gd name="adj1" fmla="val 22823"/>
+              <a:gd name="adj2" fmla="val 65029"/>
+              <a:gd name="adj3" fmla="val 16667"/>
+            </a:avLst>
+          </a:prstGeom>
+        </p:spPr>
+        <p:style>
+          <a:lnRef idx="2">
+            <a:schemeClr val="accent1">
+              <a:shade val="50000"/>
+            </a:schemeClr>
+          </a:lnRef>
+          <a:fillRef idx="1">
+            <a:schemeClr val="accent1"/>
+          </a:fillRef>
+          <a:effectRef idx="0">
+            <a:schemeClr val="accent1"/>
+          </a:effectRef>
+          <a:fontRef idx="minor">
+            <a:schemeClr val="lt1"/>
+          </a:fontRef>
+        </p:style>
+        <p:txBody>
+          <a:bodyPr rtlCol="0" anchor="ctr"/>
+          <a:lstStyle/>
+          <a:p>
+            <a:pPr algn="ctr"/>
+            <a:endParaRPr lang="zh-TW" altLang="en-US"/>
+          </a:p>
+        </p:txBody>
+      </p:sp>
+      <p:sp>
+        <p:nvSpPr>
+          <p:cNvPr id="105" name="文字方塊 104"/>
+          <p:cNvSpPr txBox="1"/>
+          <p:nvPr/>
+        </p:nvSpPr>
+        <p:spPr>
+          <a:xfrm>
+            <a:off x="-12622" y="2183360"/>
+            <a:ext cx="1539849" cy="646331"/>
+          </a:xfrm>
+          <a:prstGeom prst="rect">
+            <a:avLst/>
+          </a:prstGeom>
+          <a:noFill/>
+        </p:spPr>
+        <p:txBody>
+          <a:bodyPr wrap="square" rtlCol="0">
+            <a:spAutoFit/>
+          </a:bodyPr>
+          <a:lstStyle/>
+          <a:p>
+            <a:r>
+              <a:rPr lang="zh-TW" altLang="en-US" dirty="0" smtClean="0"/>
+              <a:t>循環直到把每個</a:t>
+            </a:r>
+            <a:r>
+              <a:rPr lang="en-US" altLang="zh-TW" dirty="0" smtClean="0"/>
+              <a:t>split</a:t>
+            </a:r>
+            <a:r>
+              <a:rPr lang="zh-TW" altLang="en-US" dirty="0" smtClean="0"/>
+              <a:t>拿完</a:t>
+            </a:r>
+            <a:endParaRPr lang="zh-TW" altLang="en-US" dirty="0"/>
+          </a:p>
+        </p:txBody>
+      </p:sp>
+    </p:spTree>
+    <p:extLst>
+      <p:ext uri="{BB962C8B-B14F-4D97-AF65-F5344CB8AC3E}">
+        <p14:creationId xmlns:p14="http://schemas.microsoft.com/office/powerpoint/2010/main" val="1320058674"/>
+      </p:ext>
+    </p:extLst>
+  </p:cSld>
+  <p:clrMapOvr>
+    <a:masterClrMapping/>
+  </p:clrMapOvr>
+</p:sld>
+</file>
+
+<file path=ppt/slides/slide15.xml><?xml version="1.0" encoding="utf-8"?>
+<p:sld xmlns:a="http://schemas.openxmlformats.org/drawingml/2006/main" xmlns:r="http://schemas.openxmlformats.org/officeDocument/2006/relationships" xmlns:p="http://schemas.openxmlformats.org/presentationml/2006/main">
+  <p:cSld>
+    <p:spTree>
+      <p:nvGrpSpPr>
+        <p:cNvPr id="1" name=""/>
+        <p:cNvGrpSpPr/>
+        <p:nvPr/>
+      </p:nvGrpSpPr>
+      <p:grpSpPr>
+        <a:xfrm>
+          <a:off x="0" y="0"/>
+          <a:ext cx="0" cy="0"/>
+          <a:chOff x="0" y="0"/>
+          <a:chExt cx="0" cy="0"/>
+        </a:xfrm>
+      </p:grpSpPr>
+      <p:sp>
+        <p:nvSpPr>
+          <p:cNvPr id="2" name="標題 1"/>
+          <p:cNvSpPr>
+            <a:spLocks noGrp="1"/>
+          </p:cNvSpPr>
+          <p:nvPr>
+            <p:ph type="title"/>
+          </p:nvPr>
+        </p:nvSpPr>
+        <p:spPr/>
+        <p:txBody>
+          <a:bodyPr/>
+          <a:lstStyle/>
+          <a:p>
+            <a:r>
+              <a:rPr lang="zh-TW" altLang="en-US" dirty="0" smtClean="0"/>
+              <a:t>組合主程式</a:t>
+            </a:r>
+            <a:endParaRPr lang="zh-TW" altLang="en-US" dirty="0"/>
+          </a:p>
+        </p:txBody>
+      </p:sp>
+      <p:sp>
+        <p:nvSpPr>
+          <p:cNvPr id="4" name="矩形 3"/>
+          <p:cNvSpPr/>
+          <p:nvPr/>
+        </p:nvSpPr>
+        <p:spPr>
+          <a:xfrm>
+            <a:off x="7341573" y="571500"/>
+            <a:ext cx="1512277" cy="448408"/>
+          </a:xfrm>
+          <a:prstGeom prst="rect">
+            <a:avLst/>
+          </a:prstGeom>
+        </p:spPr>
+        <p:style>
+          <a:lnRef idx="2">
+            <a:schemeClr val="accent1">
+              <a:shade val="50000"/>
+            </a:schemeClr>
+          </a:lnRef>
+          <a:fillRef idx="1">
+            <a:schemeClr val="accent1"/>
+          </a:fillRef>
+          <a:effectRef idx="0">
+            <a:schemeClr val="accent1"/>
+          </a:effectRef>
+          <a:fontRef idx="minor">
+            <a:schemeClr val="lt1"/>
+          </a:fontRef>
+        </p:style>
+        <p:txBody>
+          <a:bodyPr rtlCol="0" anchor="ctr"/>
+          <a:lstStyle/>
+          <a:p>
+            <a:pPr algn="ctr"/>
+            <a:endParaRPr lang="zh-TW" altLang="en-US"/>
+          </a:p>
+        </p:txBody>
+      </p:sp>
+      <p:sp>
+        <p:nvSpPr>
+          <p:cNvPr id="5" name="矩形 4"/>
+          <p:cNvSpPr/>
+          <p:nvPr/>
+        </p:nvSpPr>
+        <p:spPr>
+          <a:xfrm>
+            <a:off x="4352192" y="571500"/>
+            <a:ext cx="1512277" cy="448408"/>
+          </a:xfrm>
+          <a:prstGeom prst="rect">
+            <a:avLst/>
+          </a:prstGeom>
+        </p:spPr>
+        <p:style>
+          <a:lnRef idx="2">
+            <a:schemeClr val="accent1">
+              <a:shade val="50000"/>
+            </a:schemeClr>
+          </a:lnRef>
+          <a:fillRef idx="1">
+            <a:schemeClr val="accent1"/>
+          </a:fillRef>
+          <a:effectRef idx="0">
+            <a:schemeClr val="accent1"/>
+          </a:effectRef>
+          <a:fontRef idx="minor">
+            <a:schemeClr val="lt1"/>
+          </a:fontRef>
+        </p:style>
+        <p:txBody>
+          <a:bodyPr rtlCol="0" anchor="ctr"/>
+          <a:lstStyle/>
+          <a:p>
+            <a:pPr algn="ctr"/>
+            <a:endParaRPr lang="zh-TW" altLang="en-US"/>
+          </a:p>
+        </p:txBody>
+      </p:sp>
+      <p:sp>
+        <p:nvSpPr>
+          <p:cNvPr id="6" name="文字方塊 5"/>
+          <p:cNvSpPr txBox="1"/>
+          <p:nvPr/>
+        </p:nvSpPr>
+        <p:spPr>
+          <a:xfrm>
+            <a:off x="4853355" y="611038"/>
+            <a:ext cx="905608" cy="369332"/>
+          </a:xfrm>
+          <a:prstGeom prst="rect">
+            <a:avLst/>
+          </a:prstGeom>
+          <a:noFill/>
+        </p:spPr>
+        <p:txBody>
+          <a:bodyPr wrap="square" rtlCol="0">
+            <a:spAutoFit/>
+          </a:bodyPr>
+          <a:lstStyle/>
+          <a:p>
+            <a:r>
+              <a:rPr lang="en-US" altLang="zh-TW" dirty="0" smtClean="0"/>
+              <a:t>app</a:t>
+            </a:r>
+            <a:endParaRPr lang="zh-TW" altLang="en-US" dirty="0"/>
+          </a:p>
+        </p:txBody>
+      </p:sp>
+      <p:sp>
+        <p:nvSpPr>
+          <p:cNvPr id="7" name="文字方塊 6"/>
+          <p:cNvSpPr txBox="1"/>
+          <p:nvPr/>
+        </p:nvSpPr>
+        <p:spPr>
+          <a:xfrm>
+            <a:off x="7539403" y="611038"/>
+            <a:ext cx="905608" cy="369332"/>
+          </a:xfrm>
+          <a:prstGeom prst="rect">
+            <a:avLst/>
+          </a:prstGeom>
+          <a:noFill/>
+        </p:spPr>
+        <p:txBody>
+          <a:bodyPr wrap="square" rtlCol="0">
+            <a:spAutoFit/>
+          </a:bodyPr>
+          <a:lstStyle/>
+          <a:p>
+            <a:r>
+              <a:rPr lang="zh-TW" altLang="en-US" dirty="0" smtClean="0"/>
+              <a:t>電子琴</a:t>
+            </a:r>
+            <a:endParaRPr lang="zh-TW" altLang="en-US" dirty="0"/>
+          </a:p>
+        </p:txBody>
+      </p:sp>
+      <p:sp>
+        <p:nvSpPr>
+          <p:cNvPr id="8" name="矩形 7"/>
+          <p:cNvSpPr/>
+          <p:nvPr/>
+        </p:nvSpPr>
+        <p:spPr>
+          <a:xfrm>
+            <a:off x="5019855" y="2403014"/>
+            <a:ext cx="187389" cy="430428"/>
+          </a:xfrm>
+          <a:prstGeom prst="rect">
+            <a:avLst/>
+          </a:prstGeom>
+        </p:spPr>
+        <p:style>
+          <a:lnRef idx="2">
+            <a:schemeClr val="accent1">
+              <a:shade val="50000"/>
+            </a:schemeClr>
+          </a:lnRef>
+          <a:fillRef idx="1">
+            <a:schemeClr val="accent1"/>
+          </a:fillRef>
+          <a:effectRef idx="0">
+            <a:schemeClr val="accent1"/>
+          </a:effectRef>
+          <a:fontRef idx="minor">
+            <a:schemeClr val="lt1"/>
+          </a:fontRef>
+        </p:style>
+        <p:txBody>
+          <a:bodyPr rtlCol="0" anchor="ctr"/>
+          <a:lstStyle/>
+          <a:p>
+            <a:pPr algn="ctr"/>
+            <a:endParaRPr lang="zh-TW" altLang="en-US"/>
+          </a:p>
+        </p:txBody>
+      </p:sp>
+      <p:sp>
+        <p:nvSpPr>
+          <p:cNvPr id="9" name="矩形 8"/>
+          <p:cNvSpPr/>
+          <p:nvPr/>
+        </p:nvSpPr>
+        <p:spPr>
+          <a:xfrm>
+            <a:off x="8009238" y="2403014"/>
+            <a:ext cx="187389" cy="430428"/>
+          </a:xfrm>
+          <a:prstGeom prst="rect">
+            <a:avLst/>
+          </a:prstGeom>
+        </p:spPr>
+        <p:style>
+          <a:lnRef idx="2">
+            <a:schemeClr val="accent1">
+              <a:shade val="50000"/>
+            </a:schemeClr>
+          </a:lnRef>
+          <a:fillRef idx="1">
+            <a:schemeClr val="accent1"/>
+          </a:fillRef>
+          <a:effectRef idx="0">
+            <a:schemeClr val="accent1"/>
+          </a:effectRef>
+          <a:fontRef idx="minor">
+            <a:schemeClr val="lt1"/>
+          </a:fontRef>
+        </p:style>
+        <p:txBody>
+          <a:bodyPr rtlCol="0" anchor="ctr"/>
+          <a:lstStyle/>
+          <a:p>
+            <a:pPr algn="ctr"/>
+            <a:endParaRPr lang="zh-TW" altLang="en-US"/>
+          </a:p>
+        </p:txBody>
+      </p:sp>
+      <p:cxnSp>
+        <p:nvCxnSpPr>
+          <p:cNvPr id="10" name="直線單箭頭接點 9"/>
+          <p:cNvCxnSpPr/>
+          <p:nvPr/>
+        </p:nvCxnSpPr>
+        <p:spPr>
+          <a:xfrm>
+            <a:off x="5244609" y="2755070"/>
+            <a:ext cx="2716824" cy="0"/>
+          </a:xfrm>
+          <a:prstGeom prst="straightConnector1">
+            <a:avLst/>
+          </a:prstGeom>
+          <a:ln>
+            <a:tailEnd type="triangle"/>
+          </a:ln>
+        </p:spPr>
+        <p:style>
+          <a:lnRef idx="1">
+            <a:schemeClr val="accent1"/>
+          </a:lnRef>
+          <a:fillRef idx="0">
+            <a:schemeClr val="accent1"/>
+          </a:fillRef>
+          <a:effectRef idx="0">
+            <a:schemeClr val="accent1"/>
+          </a:effectRef>
+          <a:fontRef idx="minor">
+            <a:schemeClr val="tx1"/>
+          </a:fontRef>
+        </p:style>
+      </p:cxnSp>
+      <p:sp>
+        <p:nvSpPr>
+          <p:cNvPr id="11" name="文字方塊 10"/>
+          <p:cNvSpPr txBox="1"/>
+          <p:nvPr/>
+        </p:nvSpPr>
+        <p:spPr>
+          <a:xfrm>
+            <a:off x="5153288" y="2125448"/>
+            <a:ext cx="3004770" cy="369332"/>
+          </a:xfrm>
+          <a:prstGeom prst="rect">
+            <a:avLst/>
+          </a:prstGeom>
+          <a:noFill/>
+        </p:spPr>
+        <p:txBody>
+          <a:bodyPr wrap="square" rtlCol="0">
+            <a:spAutoFit/>
+          </a:bodyPr>
+          <a:lstStyle/>
+          <a:p>
+            <a:r>
+              <a:rPr lang="en-US" altLang="zh-TW" dirty="0" smtClean="0">
+                <a:solidFill>
+                  <a:schemeClr val="accent1"/>
+                </a:solidFill>
+              </a:rPr>
+              <a:t>Finish</a:t>
+            </a:r>
+            <a:r>
+              <a:rPr lang="zh-TW" altLang="en-US" dirty="0" smtClean="0">
+                <a:solidFill>
+                  <a:schemeClr val="accent1"/>
+                </a:solidFill>
+              </a:rPr>
+              <a:t> </a:t>
+            </a:r>
+            <a:r>
+              <a:rPr lang="en-US" altLang="zh-TW" dirty="0" smtClean="0">
+                <a:solidFill>
+                  <a:schemeClr val="accent1"/>
+                </a:solidFill>
+              </a:rPr>
+              <a:t>Request</a:t>
+            </a:r>
+            <a:r>
+              <a:rPr lang="zh-TW" altLang="en-US" dirty="0" smtClean="0">
+                <a:solidFill>
+                  <a:schemeClr val="accent1"/>
+                </a:solidFill>
+              </a:rPr>
+              <a:t> </a:t>
+            </a:r>
+            <a:r>
+              <a:rPr lang="en-US" altLang="zh-TW" dirty="0" smtClean="0">
+                <a:solidFill>
+                  <a:schemeClr val="accent1"/>
+                </a:solidFill>
+              </a:rPr>
+              <a:t>New</a:t>
+            </a:r>
+            <a:r>
+              <a:rPr lang="zh-TW" altLang="en-US" dirty="0" smtClean="0">
+                <a:solidFill>
+                  <a:schemeClr val="accent1"/>
+                </a:solidFill>
+              </a:rPr>
+              <a:t> </a:t>
+            </a:r>
+            <a:r>
+              <a:rPr lang="en-US" altLang="zh-TW" dirty="0" smtClean="0">
+                <a:solidFill>
+                  <a:schemeClr val="accent1"/>
+                </a:solidFill>
+              </a:rPr>
+              <a:t>Firmware</a:t>
+            </a:r>
+            <a:endParaRPr lang="zh-TW" altLang="en-US" dirty="0">
+              <a:solidFill>
+                <a:schemeClr val="accent1"/>
+              </a:solidFill>
+            </a:endParaRPr>
+          </a:p>
+        </p:txBody>
+      </p:sp>
+      <p:cxnSp>
+        <p:nvCxnSpPr>
+          <p:cNvPr id="12" name="直線接點 11"/>
+          <p:cNvCxnSpPr/>
+          <p:nvPr/>
+        </p:nvCxnSpPr>
+        <p:spPr>
+          <a:xfrm>
+            <a:off x="5108330" y="1027906"/>
+            <a:ext cx="0" cy="5636663"/>
+          </a:xfrm>
+          <a:prstGeom prst="line">
+            <a:avLst/>
+          </a:prstGeom>
+        </p:spPr>
+        <p:style>
+          <a:lnRef idx="1">
+            <a:schemeClr val="accent1"/>
+          </a:lnRef>
+          <a:fillRef idx="0">
+            <a:schemeClr val="accent1"/>
+          </a:fillRef>
+          <a:effectRef idx="0">
+            <a:schemeClr val="accent1"/>
+          </a:effectRef>
+          <a:fontRef idx="minor">
+            <a:schemeClr val="tx1"/>
+          </a:fontRef>
+        </p:style>
+      </p:cxnSp>
+      <p:cxnSp>
+        <p:nvCxnSpPr>
+          <p:cNvPr id="13" name="直線接點 12"/>
+          <p:cNvCxnSpPr/>
+          <p:nvPr/>
+        </p:nvCxnSpPr>
+        <p:spPr>
+          <a:xfrm>
+            <a:off x="8097715" y="1027906"/>
+            <a:ext cx="0" cy="5636663"/>
+          </a:xfrm>
+          <a:prstGeom prst="line">
+            <a:avLst/>
+          </a:prstGeom>
+        </p:spPr>
+        <p:style>
+          <a:lnRef idx="1">
+            <a:schemeClr val="accent1"/>
+          </a:lnRef>
+          <a:fillRef idx="0">
+            <a:schemeClr val="accent1"/>
+          </a:fillRef>
+          <a:effectRef idx="0">
+            <a:schemeClr val="accent1"/>
+          </a:effectRef>
+          <a:fontRef idx="minor">
+            <a:schemeClr val="tx1"/>
+          </a:fontRef>
+        </p:style>
+      </p:cxnSp>
+      <p:cxnSp>
+        <p:nvCxnSpPr>
+          <p:cNvPr id="36" name="直線單箭頭接點 35"/>
+          <p:cNvCxnSpPr/>
+          <p:nvPr/>
+        </p:nvCxnSpPr>
+        <p:spPr>
+          <a:xfrm flipH="1">
+            <a:off x="5207244" y="2566454"/>
+            <a:ext cx="2890469" cy="0"/>
+          </a:xfrm>
+          <a:prstGeom prst="straightConnector1">
+            <a:avLst/>
+          </a:prstGeom>
+          <a:ln>
+            <a:tailEnd type="triangle"/>
+          </a:ln>
+        </p:spPr>
+        <p:style>
+          <a:lnRef idx="1">
+            <a:schemeClr val="accent1"/>
+          </a:lnRef>
+          <a:fillRef idx="0">
+            <a:schemeClr val="accent1"/>
+          </a:fillRef>
+          <a:effectRef idx="0">
+            <a:schemeClr val="accent1"/>
+          </a:effectRef>
+          <a:fontRef idx="minor">
+            <a:schemeClr val="tx1"/>
+          </a:fontRef>
+        </p:style>
+      </p:cxnSp>
+      <p:sp>
+        <p:nvSpPr>
+          <p:cNvPr id="37" name="文字方塊 36"/>
+          <p:cNvSpPr txBox="1"/>
+          <p:nvPr/>
+        </p:nvSpPr>
+        <p:spPr>
+          <a:xfrm>
+            <a:off x="4984739" y="2755070"/>
+            <a:ext cx="3359446" cy="369332"/>
+          </a:xfrm>
+          <a:prstGeom prst="rect">
+            <a:avLst/>
+          </a:prstGeom>
+          <a:noFill/>
+        </p:spPr>
+        <p:txBody>
+          <a:bodyPr wrap="square" rtlCol="0">
+            <a:spAutoFit/>
+          </a:bodyPr>
+          <a:lstStyle/>
+          <a:p>
+            <a:r>
+              <a:rPr lang="en-US" altLang="zh-TW" dirty="0" err="1" smtClean="0">
+                <a:solidFill>
+                  <a:schemeClr val="accent1"/>
+                </a:solidFill>
+              </a:rPr>
+              <a:t>Ack</a:t>
+            </a:r>
+            <a:r>
+              <a:rPr lang="en-US" altLang="zh-TW" dirty="0" smtClean="0">
+                <a:solidFill>
+                  <a:schemeClr val="accent1"/>
+                </a:solidFill>
+              </a:rPr>
+              <a:t> </a:t>
+            </a:r>
+            <a:r>
+              <a:rPr lang="en-US" altLang="zh-TW" dirty="0" smtClean="0">
+                <a:solidFill>
+                  <a:schemeClr val="accent1"/>
+                </a:solidFill>
+              </a:rPr>
+              <a:t>Finish</a:t>
+            </a:r>
+            <a:r>
+              <a:rPr lang="zh-TW" altLang="en-US" dirty="0" smtClean="0">
+                <a:solidFill>
+                  <a:schemeClr val="accent1"/>
+                </a:solidFill>
+              </a:rPr>
+              <a:t> </a:t>
+            </a:r>
+            <a:r>
+              <a:rPr lang="en-US" altLang="zh-TW" dirty="0" smtClean="0">
+                <a:solidFill>
+                  <a:schemeClr val="accent1"/>
+                </a:solidFill>
+              </a:rPr>
+              <a:t>Request</a:t>
+            </a:r>
+            <a:r>
+              <a:rPr lang="zh-TW" altLang="en-US" dirty="0" smtClean="0">
+                <a:solidFill>
+                  <a:schemeClr val="accent1"/>
+                </a:solidFill>
+              </a:rPr>
+              <a:t> </a:t>
+            </a:r>
+            <a:r>
+              <a:rPr lang="en-US" altLang="zh-TW" dirty="0" smtClean="0">
+                <a:solidFill>
+                  <a:schemeClr val="accent1"/>
+                </a:solidFill>
+              </a:rPr>
+              <a:t>New</a:t>
+            </a:r>
+            <a:r>
+              <a:rPr lang="zh-TW" altLang="en-US" dirty="0" smtClean="0">
+                <a:solidFill>
+                  <a:schemeClr val="accent1"/>
+                </a:solidFill>
+              </a:rPr>
+              <a:t> </a:t>
+            </a:r>
+            <a:r>
+              <a:rPr lang="en-US" altLang="zh-TW" dirty="0" smtClean="0">
+                <a:solidFill>
+                  <a:schemeClr val="accent1"/>
+                </a:solidFill>
+              </a:rPr>
+              <a:t>Firmware</a:t>
+            </a:r>
+            <a:endParaRPr lang="zh-TW" altLang="en-US" dirty="0" smtClean="0">
+              <a:solidFill>
+                <a:schemeClr val="accent1"/>
+              </a:solidFill>
+            </a:endParaRPr>
+          </a:p>
+        </p:txBody>
+      </p:sp>
+      <p:sp>
+        <p:nvSpPr>
+          <p:cNvPr id="39" name="矩形 38"/>
+          <p:cNvSpPr/>
+          <p:nvPr/>
+        </p:nvSpPr>
+        <p:spPr>
+          <a:xfrm>
+            <a:off x="1846384" y="2060020"/>
+            <a:ext cx="8399036" cy="4217687"/>
+          </a:xfrm>
+          <a:prstGeom prst="rect">
+            <a:avLst/>
+          </a:prstGeom>
+          <a:noFill/>
+          <a:ln>
+            <a:prstDash val="dash"/>
+          </a:ln>
+        </p:spPr>
+        <p:style>
+          <a:lnRef idx="2">
+            <a:schemeClr val="accent1">
+              <a:shade val="50000"/>
+            </a:schemeClr>
+          </a:lnRef>
+          <a:fillRef idx="1">
+            <a:schemeClr val="accent1"/>
+          </a:fillRef>
+          <a:effectRef idx="0">
+            <a:schemeClr val="accent1"/>
+          </a:effectRef>
+          <a:fontRef idx="minor">
+            <a:schemeClr val="lt1"/>
+          </a:fontRef>
+        </p:style>
+        <p:txBody>
+          <a:bodyPr rtlCol="0" anchor="ctr"/>
+          <a:lstStyle/>
+          <a:p>
+            <a:pPr algn="ctr"/>
+            <a:endParaRPr lang="zh-TW" altLang="en-US"/>
+          </a:p>
+        </p:txBody>
+      </p:sp>
+      <p:sp>
+        <p:nvSpPr>
+          <p:cNvPr id="40" name="文字方塊 39"/>
+          <p:cNvSpPr txBox="1"/>
+          <p:nvPr/>
+        </p:nvSpPr>
+        <p:spPr>
+          <a:xfrm>
+            <a:off x="1798579" y="2032422"/>
+            <a:ext cx="2578028" cy="369332"/>
+          </a:xfrm>
+          <a:prstGeom prst="rect">
+            <a:avLst/>
+          </a:prstGeom>
+          <a:noFill/>
+        </p:spPr>
+        <p:txBody>
+          <a:bodyPr wrap="square" rtlCol="0">
+            <a:spAutoFit/>
+          </a:bodyPr>
+          <a:lstStyle/>
+          <a:p>
+            <a:r>
+              <a:rPr lang="zh-TW" altLang="en-US" dirty="0" smtClean="0"/>
+              <a:t>如果已經傳完所有分割</a:t>
+            </a:r>
+            <a:endParaRPr lang="zh-TW" altLang="en-US" dirty="0"/>
+          </a:p>
+        </p:txBody>
+      </p:sp>
+      <p:sp>
+        <p:nvSpPr>
+          <p:cNvPr id="41" name="矩形 40"/>
+          <p:cNvSpPr/>
+          <p:nvPr/>
+        </p:nvSpPr>
+        <p:spPr>
+          <a:xfrm>
+            <a:off x="1884579" y="2101383"/>
+            <a:ext cx="2382135" cy="300371"/>
+          </a:xfrm>
+          <a:prstGeom prst="rect">
+            <a:avLst/>
+          </a:prstGeom>
+          <a:noFill/>
+        </p:spPr>
+        <p:style>
+          <a:lnRef idx="2">
+            <a:schemeClr val="accent1">
+              <a:shade val="50000"/>
+            </a:schemeClr>
+          </a:lnRef>
+          <a:fillRef idx="1">
+            <a:schemeClr val="accent1"/>
+          </a:fillRef>
+          <a:effectRef idx="0">
+            <a:schemeClr val="accent1"/>
+          </a:effectRef>
+          <a:fontRef idx="minor">
+            <a:schemeClr val="lt1"/>
+          </a:fontRef>
+        </p:style>
+        <p:txBody>
+          <a:bodyPr rtlCol="0" anchor="ctr"/>
+          <a:lstStyle/>
+          <a:p>
+            <a:pPr algn="ctr"/>
+            <a:endParaRPr lang="zh-TW" altLang="en-US"/>
+          </a:p>
+        </p:txBody>
+      </p:sp>
+      <p:sp>
+        <p:nvSpPr>
+          <p:cNvPr id="42" name="向右箭號 41"/>
+          <p:cNvSpPr/>
+          <p:nvPr/>
+        </p:nvSpPr>
+        <p:spPr>
+          <a:xfrm>
+            <a:off x="8097713" y="3572106"/>
+            <a:ext cx="1626577" cy="545876"/>
+          </a:xfrm>
+          <a:prstGeom prst="rightArrow">
+            <a:avLst/>
+          </a:prstGeom>
+          <a:solidFill>
+            <a:schemeClr val="accent6">
+              <a:lumMod val="60000"/>
+              <a:lumOff val="40000"/>
+            </a:schemeClr>
+          </a:solidFill>
+        </p:spPr>
+        <p:style>
+          <a:lnRef idx="2">
+            <a:schemeClr val="accent1">
+              <a:shade val="50000"/>
+            </a:schemeClr>
+          </a:lnRef>
+          <a:fillRef idx="1">
+            <a:schemeClr val="accent1"/>
+          </a:fillRef>
+          <a:effectRef idx="0">
+            <a:schemeClr val="accent1"/>
+          </a:effectRef>
+          <a:fontRef idx="minor">
+            <a:schemeClr val="lt1"/>
+          </a:fontRef>
+        </p:style>
+        <p:txBody>
+          <a:bodyPr rtlCol="0" anchor="ctr"/>
+          <a:lstStyle/>
+          <a:p>
+            <a:pPr algn="ctr"/>
+            <a:endParaRPr lang="zh-TW" altLang="en-US"/>
+          </a:p>
+        </p:txBody>
+      </p:sp>
+      <p:sp>
+        <p:nvSpPr>
+          <p:cNvPr id="43" name="文字方塊 42"/>
+          <p:cNvSpPr txBox="1"/>
+          <p:nvPr/>
+        </p:nvSpPr>
+        <p:spPr>
+          <a:xfrm>
+            <a:off x="8157609" y="3660378"/>
+            <a:ext cx="1681712" cy="369332"/>
+          </a:xfrm>
+          <a:prstGeom prst="rect">
+            <a:avLst/>
+          </a:prstGeom>
+          <a:noFill/>
+        </p:spPr>
+        <p:txBody>
+          <a:bodyPr wrap="square" rtlCol="0">
+            <a:spAutoFit/>
+          </a:bodyPr>
+          <a:lstStyle/>
+          <a:p>
+            <a:r>
+              <a:rPr lang="zh-TW" altLang="en-US" dirty="0" smtClean="0"/>
+              <a:t>離開</a:t>
+            </a:r>
+            <a:r>
+              <a:rPr lang="en-US" altLang="zh-TW" dirty="0" smtClean="0"/>
+              <a:t>…</a:t>
+            </a:r>
+            <a:endParaRPr lang="zh-TW" altLang="en-US" dirty="0"/>
+          </a:p>
+        </p:txBody>
+      </p:sp>
+      <p:sp>
+        <p:nvSpPr>
+          <p:cNvPr id="44" name="圓角矩形圖說文字 43"/>
+          <p:cNvSpPr/>
+          <p:nvPr/>
+        </p:nvSpPr>
+        <p:spPr>
+          <a:xfrm>
+            <a:off x="8680105" y="1515408"/>
+            <a:ext cx="2600426" cy="1043308"/>
+          </a:xfrm>
+          <a:prstGeom prst="wedgeRoundRectCallout">
+            <a:avLst>
+              <a:gd name="adj1" fmla="val -44660"/>
+              <a:gd name="adj2" fmla="val 76827"/>
+              <a:gd name="adj3" fmla="val 16667"/>
+            </a:avLst>
+          </a:prstGeom>
+        </p:spPr>
+        <p:style>
+          <a:lnRef idx="2">
+            <a:schemeClr val="accent1">
+              <a:shade val="50000"/>
+            </a:schemeClr>
+          </a:lnRef>
+          <a:fillRef idx="1">
+            <a:schemeClr val="accent1"/>
+          </a:fillRef>
+          <a:effectRef idx="0">
+            <a:schemeClr val="accent1"/>
+          </a:effectRef>
+          <a:fontRef idx="minor">
+            <a:schemeClr val="lt1"/>
+          </a:fontRef>
+        </p:style>
+        <p:txBody>
+          <a:bodyPr rtlCol="0" anchor="ctr"/>
+          <a:lstStyle/>
+          <a:p>
+            <a:pPr algn="ctr"/>
+            <a:endParaRPr lang="zh-TW" altLang="en-US"/>
+          </a:p>
+        </p:txBody>
+      </p:sp>
+      <p:sp>
+        <p:nvSpPr>
+          <p:cNvPr id="45" name="文字方塊 44"/>
+          <p:cNvSpPr txBox="1"/>
+          <p:nvPr/>
+        </p:nvSpPr>
+        <p:spPr>
+          <a:xfrm>
+            <a:off x="8814733" y="1714580"/>
+            <a:ext cx="2404252" cy="646331"/>
+          </a:xfrm>
+          <a:prstGeom prst="rect">
+            <a:avLst/>
+          </a:prstGeom>
+          <a:noFill/>
+        </p:spPr>
+        <p:txBody>
+          <a:bodyPr wrap="square" rtlCol="0">
+            <a:spAutoFit/>
+          </a:bodyPr>
+          <a:lstStyle/>
+          <a:p>
+            <a:r>
+              <a:rPr lang="zh-TW" altLang="en-US" dirty="0" smtClean="0"/>
+              <a:t>完畢以後下次開機就會是新主程式</a:t>
+            </a:r>
+            <a:endParaRPr lang="zh-TW" altLang="en-US" dirty="0"/>
+          </a:p>
+        </p:txBody>
+      </p:sp>
+    </p:spTree>
+    <p:extLst>
+      <p:ext uri="{BB962C8B-B14F-4D97-AF65-F5344CB8AC3E}">
+        <p14:creationId xmlns:p14="http://schemas.microsoft.com/office/powerpoint/2010/main" val="419024980"/>
+      </p:ext>
+    </p:extLst>
+  </p:cSld>
+  <p:clrMapOvr>
+    <a:masterClrMapping/>
+  </p:clrMapOvr>
+</p:sld>
+</file>
+
+<file path=ppt/slides/slide16.xml><?xml version="1.0" encoding="utf-8"?>
+<p:sld xmlns:a="http://schemas.openxmlformats.org/drawingml/2006/main" xmlns:r="http://schemas.openxmlformats.org/officeDocument/2006/relationships" xmlns:p="http://schemas.openxmlformats.org/presentationml/2006/main">
+  <p:cSld>
+    <p:spTree>
+      <p:nvGrpSpPr>
+        <p:cNvPr id="1" name=""/>
+        <p:cNvGrpSpPr/>
+        <p:nvPr/>
+      </p:nvGrpSpPr>
+      <p:grpSpPr>
+        <a:xfrm>
+          <a:off x="0" y="0"/>
+          <a:ext cx="0" cy="0"/>
+          <a:chOff x="0" y="0"/>
+          <a:chExt cx="0" cy="0"/>
+        </a:xfrm>
+      </p:grpSpPr>
+      <p:sp>
+        <p:nvSpPr>
+          <p:cNvPr id="4" name="標題 3"/>
+          <p:cNvSpPr>
+            <a:spLocks noGrp="1"/>
+          </p:cNvSpPr>
+          <p:nvPr>
+            <p:ph type="title"/>
+          </p:nvPr>
+        </p:nvSpPr>
+        <p:spPr/>
+        <p:txBody>
+          <a:bodyPr/>
+          <a:lstStyle/>
+          <a:p>
+            <a:r>
+              <a:rPr lang="zh-TW" altLang="en-US" dirty="0" smtClean="0"/>
+              <a:t>音樂遊戲</a:t>
+            </a:r>
+            <a:endParaRPr lang="zh-TW" altLang="en-US" dirty="0"/>
+          </a:p>
+        </p:txBody>
+      </p:sp>
+      <p:sp>
+        <p:nvSpPr>
+          <p:cNvPr id="5" name="文字版面配置區 4"/>
+          <p:cNvSpPr>
+            <a:spLocks noGrp="1"/>
+          </p:cNvSpPr>
+          <p:nvPr>
+            <p:ph type="body" idx="1"/>
+          </p:nvPr>
+        </p:nvSpPr>
+        <p:spPr/>
+        <p:txBody>
+          <a:bodyPr/>
+          <a:lstStyle/>
+          <a:p>
+            <a:endParaRPr lang="zh-TW" altLang="en-US"/>
+          </a:p>
+        </p:txBody>
+      </p:sp>
+    </p:spTree>
+    <p:extLst>
+      <p:ext uri="{BB962C8B-B14F-4D97-AF65-F5344CB8AC3E}">
+        <p14:creationId xmlns:p14="http://schemas.microsoft.com/office/powerpoint/2010/main" val="522348399"/>
+      </p:ext>
+    </p:extLst>
+  </p:cSld>
+  <p:clrMapOvr>
+    <a:masterClrMapping/>
+  </p:clrMapOvr>
+</p:sld>
+</file>
+
+<file path=ppt/slides/slide17.xml><?xml version="1.0" encoding="utf-8"?>
+<p:sld xmlns:a="http://schemas.openxmlformats.org/drawingml/2006/main" xmlns:r="http://schemas.openxmlformats.org/officeDocument/2006/relationships" xmlns:p="http://schemas.openxmlformats.org/presentationml/2006/main">
+  <p:cSld>
+    <p:spTree>
+      <p:nvGrpSpPr>
+        <p:cNvPr id="1" name=""/>
+        <p:cNvGrpSpPr/>
+        <p:nvPr/>
+      </p:nvGrpSpPr>
+      <p:grpSpPr>
+        <a:xfrm>
+          <a:off x="0" y="0"/>
+          <a:ext cx="0" cy="0"/>
+          <a:chOff x="0" y="0"/>
+          <a:chExt cx="0" cy="0"/>
+        </a:xfrm>
+      </p:grpSpPr>
+      <p:sp>
+        <p:nvSpPr>
+          <p:cNvPr id="2" name="標題 1"/>
+          <p:cNvSpPr>
+            <a:spLocks noGrp="1"/>
+          </p:cNvSpPr>
+          <p:nvPr>
+            <p:ph type="title"/>
+          </p:nvPr>
+        </p:nvSpPr>
+        <p:spPr/>
+        <p:txBody>
+          <a:bodyPr/>
+          <a:lstStyle/>
+          <a:p>
+            <a:r>
+              <a:rPr lang="zh-TW" altLang="en-US" dirty="0" smtClean="0"/>
+              <a:t>進入遊戲</a:t>
+            </a:r>
+            <a:endParaRPr lang="zh-TW" altLang="en-US" dirty="0"/>
+          </a:p>
+        </p:txBody>
+      </p:sp>
+      <p:sp>
+        <p:nvSpPr>
+          <p:cNvPr id="4" name="矩形 3"/>
+          <p:cNvSpPr/>
+          <p:nvPr/>
+        </p:nvSpPr>
+        <p:spPr>
+          <a:xfrm>
+            <a:off x="7341573" y="571500"/>
+            <a:ext cx="1512277" cy="448408"/>
+          </a:xfrm>
+          <a:prstGeom prst="rect">
+            <a:avLst/>
+          </a:prstGeom>
+        </p:spPr>
+        <p:style>
+          <a:lnRef idx="2">
+            <a:schemeClr val="accent1">
+              <a:shade val="50000"/>
+            </a:schemeClr>
+          </a:lnRef>
+          <a:fillRef idx="1">
+            <a:schemeClr val="accent1"/>
+          </a:fillRef>
+          <a:effectRef idx="0">
+            <a:schemeClr val="accent1"/>
+          </a:effectRef>
+          <a:fontRef idx="minor">
+            <a:schemeClr val="lt1"/>
+          </a:fontRef>
+        </p:style>
+        <p:txBody>
+          <a:bodyPr rtlCol="0" anchor="ctr"/>
+          <a:lstStyle/>
+          <a:p>
+            <a:pPr algn="ctr"/>
+            <a:endParaRPr lang="zh-TW" altLang="en-US"/>
+          </a:p>
+        </p:txBody>
+      </p:sp>
+      <p:sp>
+        <p:nvSpPr>
+          <p:cNvPr id="5" name="矩形 4"/>
+          <p:cNvSpPr/>
+          <p:nvPr/>
+        </p:nvSpPr>
+        <p:spPr>
+          <a:xfrm>
+            <a:off x="4352192" y="571500"/>
+            <a:ext cx="1512277" cy="448408"/>
+          </a:xfrm>
+          <a:prstGeom prst="rect">
+            <a:avLst/>
+          </a:prstGeom>
+        </p:spPr>
+        <p:style>
+          <a:lnRef idx="2">
+            <a:schemeClr val="accent1">
+              <a:shade val="50000"/>
+            </a:schemeClr>
+          </a:lnRef>
+          <a:fillRef idx="1">
+            <a:schemeClr val="accent1"/>
+          </a:fillRef>
+          <a:effectRef idx="0">
+            <a:schemeClr val="accent1"/>
+          </a:effectRef>
+          <a:fontRef idx="minor">
+            <a:schemeClr val="lt1"/>
+          </a:fontRef>
+        </p:style>
+        <p:txBody>
+          <a:bodyPr rtlCol="0" anchor="ctr"/>
+          <a:lstStyle/>
+          <a:p>
+            <a:pPr algn="ctr"/>
+            <a:endParaRPr lang="zh-TW" altLang="en-US"/>
+          </a:p>
+        </p:txBody>
+      </p:sp>
+      <p:sp>
+        <p:nvSpPr>
+          <p:cNvPr id="6" name="文字方塊 5"/>
+          <p:cNvSpPr txBox="1"/>
+          <p:nvPr/>
+        </p:nvSpPr>
+        <p:spPr>
+          <a:xfrm>
+            <a:off x="4853355" y="611038"/>
+            <a:ext cx="905608" cy="369332"/>
+          </a:xfrm>
+          <a:prstGeom prst="rect">
+            <a:avLst/>
+          </a:prstGeom>
+          <a:noFill/>
+        </p:spPr>
+        <p:txBody>
+          <a:bodyPr wrap="square" rtlCol="0">
+            <a:spAutoFit/>
+          </a:bodyPr>
+          <a:lstStyle/>
+          <a:p>
+            <a:r>
+              <a:rPr lang="en-US" altLang="zh-TW" dirty="0" smtClean="0"/>
+              <a:t>app</a:t>
+            </a:r>
+            <a:endParaRPr lang="zh-TW" altLang="en-US" dirty="0"/>
+          </a:p>
+        </p:txBody>
+      </p:sp>
+      <p:sp>
+        <p:nvSpPr>
+          <p:cNvPr id="7" name="文字方塊 6"/>
+          <p:cNvSpPr txBox="1"/>
+          <p:nvPr/>
+        </p:nvSpPr>
+        <p:spPr>
+          <a:xfrm>
+            <a:off x="7539403" y="611038"/>
+            <a:ext cx="905608" cy="369332"/>
+          </a:xfrm>
+          <a:prstGeom prst="rect">
+            <a:avLst/>
+          </a:prstGeom>
+          <a:noFill/>
+        </p:spPr>
+        <p:txBody>
+          <a:bodyPr wrap="square" rtlCol="0">
+            <a:spAutoFit/>
+          </a:bodyPr>
+          <a:lstStyle/>
+          <a:p>
+            <a:r>
+              <a:rPr lang="zh-TW" altLang="en-US" dirty="0" smtClean="0"/>
+              <a:t>電子琴</a:t>
+            </a:r>
+            <a:endParaRPr lang="zh-TW" altLang="en-US" dirty="0"/>
+          </a:p>
+        </p:txBody>
+      </p:sp>
+      <p:cxnSp>
+        <p:nvCxnSpPr>
+          <p:cNvPr id="8" name="直線接點 7"/>
+          <p:cNvCxnSpPr/>
+          <p:nvPr/>
+        </p:nvCxnSpPr>
+        <p:spPr>
+          <a:xfrm>
+            <a:off x="5108330" y="1027906"/>
+            <a:ext cx="0" cy="5636663"/>
+          </a:xfrm>
+          <a:prstGeom prst="line">
+            <a:avLst/>
+          </a:prstGeom>
+        </p:spPr>
+        <p:style>
+          <a:lnRef idx="1">
+            <a:schemeClr val="accent1"/>
+          </a:lnRef>
+          <a:fillRef idx="0">
+            <a:schemeClr val="accent1"/>
+          </a:fillRef>
+          <a:effectRef idx="0">
+            <a:schemeClr val="accent1"/>
+          </a:effectRef>
+          <a:fontRef idx="minor">
+            <a:schemeClr val="tx1"/>
+          </a:fontRef>
+        </p:style>
+      </p:cxnSp>
+      <p:cxnSp>
+        <p:nvCxnSpPr>
+          <p:cNvPr id="9" name="直線接點 8"/>
+          <p:cNvCxnSpPr/>
+          <p:nvPr/>
+        </p:nvCxnSpPr>
+        <p:spPr>
+          <a:xfrm>
+            <a:off x="8097715" y="1027906"/>
+            <a:ext cx="0" cy="5636663"/>
+          </a:xfrm>
+          <a:prstGeom prst="line">
+            <a:avLst/>
+          </a:prstGeom>
+        </p:spPr>
+        <p:style>
+          <a:lnRef idx="1">
+            <a:schemeClr val="accent1"/>
+          </a:lnRef>
+          <a:fillRef idx="0">
+            <a:schemeClr val="accent1"/>
+          </a:fillRef>
+          <a:effectRef idx="0">
+            <a:schemeClr val="accent1"/>
+          </a:effectRef>
+          <a:fontRef idx="minor">
+            <a:schemeClr val="tx1"/>
+          </a:fontRef>
+        </p:style>
+      </p:cxnSp>
+      <p:sp>
+        <p:nvSpPr>
+          <p:cNvPr id="10" name="矩形 9"/>
+          <p:cNvSpPr/>
+          <p:nvPr/>
+        </p:nvSpPr>
+        <p:spPr>
+          <a:xfrm>
+            <a:off x="5009415" y="4696243"/>
+            <a:ext cx="197829" cy="257542"/>
+          </a:xfrm>
+          <a:prstGeom prst="rect">
+            <a:avLst/>
+          </a:prstGeom>
+        </p:spPr>
+        <p:style>
+          <a:lnRef idx="2">
+            <a:schemeClr val="accent1">
+              <a:shade val="50000"/>
+            </a:schemeClr>
+          </a:lnRef>
+          <a:fillRef idx="1">
+            <a:schemeClr val="accent1"/>
+          </a:fillRef>
+          <a:effectRef idx="0">
+            <a:schemeClr val="accent1"/>
+          </a:effectRef>
+          <a:fontRef idx="minor">
+            <a:schemeClr val="lt1"/>
+          </a:fontRef>
+        </p:style>
+        <p:txBody>
+          <a:bodyPr rtlCol="0" anchor="ctr"/>
+          <a:lstStyle/>
+          <a:p>
+            <a:pPr algn="ctr"/>
+            <a:endParaRPr lang="zh-TW" altLang="en-US"/>
+          </a:p>
+        </p:txBody>
+      </p:sp>
+      <p:sp>
+        <p:nvSpPr>
+          <p:cNvPr id="11" name="文字方塊 10"/>
+          <p:cNvSpPr txBox="1"/>
+          <p:nvPr/>
+        </p:nvSpPr>
+        <p:spPr>
+          <a:xfrm>
+            <a:off x="3216883" y="4649977"/>
+            <a:ext cx="2009043" cy="369332"/>
+          </a:xfrm>
+          <a:prstGeom prst="rect">
+            <a:avLst/>
+          </a:prstGeom>
+          <a:noFill/>
+        </p:spPr>
+        <p:txBody>
+          <a:bodyPr wrap="square" rtlCol="0">
+            <a:spAutoFit/>
+          </a:bodyPr>
+          <a:lstStyle/>
+          <a:p>
+            <a:r>
+              <a:rPr lang="zh-TW" altLang="en-US" dirty="0" smtClean="0"/>
+              <a:t>要求載入遊戲</a:t>
+            </a:r>
+            <a:endParaRPr lang="zh-TW" altLang="en-US" dirty="0"/>
+          </a:p>
+        </p:txBody>
+      </p:sp>
+      <p:sp>
+        <p:nvSpPr>
+          <p:cNvPr id="12" name="矩形 11"/>
+          <p:cNvSpPr/>
+          <p:nvPr/>
+        </p:nvSpPr>
+        <p:spPr>
+          <a:xfrm>
+            <a:off x="7998798" y="4696243"/>
+            <a:ext cx="197829" cy="257542"/>
+          </a:xfrm>
+          <a:prstGeom prst="rect">
+            <a:avLst/>
+          </a:prstGeom>
+        </p:spPr>
+        <p:style>
+          <a:lnRef idx="2">
+            <a:schemeClr val="accent1">
+              <a:shade val="50000"/>
+            </a:schemeClr>
+          </a:lnRef>
+          <a:fillRef idx="1">
+            <a:schemeClr val="accent1"/>
+          </a:fillRef>
+          <a:effectRef idx="0">
+            <a:schemeClr val="accent1"/>
+          </a:effectRef>
+          <a:fontRef idx="minor">
+            <a:schemeClr val="lt1"/>
+          </a:fontRef>
+        </p:style>
+        <p:txBody>
+          <a:bodyPr rtlCol="0" anchor="ctr"/>
+          <a:lstStyle/>
+          <a:p>
+            <a:pPr algn="ctr"/>
+            <a:endParaRPr lang="zh-TW" altLang="en-US"/>
+          </a:p>
+        </p:txBody>
+      </p:sp>
+      <p:cxnSp>
+        <p:nvCxnSpPr>
+          <p:cNvPr id="13" name="直線單箭頭接點 12"/>
+          <p:cNvCxnSpPr/>
+          <p:nvPr/>
+        </p:nvCxnSpPr>
+        <p:spPr>
+          <a:xfrm>
+            <a:off x="5244609" y="4825006"/>
+            <a:ext cx="2716824" cy="0"/>
+          </a:xfrm>
+          <a:prstGeom prst="straightConnector1">
+            <a:avLst/>
+          </a:prstGeom>
+          <a:ln>
+            <a:tailEnd type="triangle"/>
+          </a:ln>
+        </p:spPr>
+        <p:style>
+          <a:lnRef idx="1">
+            <a:schemeClr val="accent1"/>
+          </a:lnRef>
+          <a:fillRef idx="0">
+            <a:schemeClr val="accent1"/>
+          </a:fillRef>
+          <a:effectRef idx="0">
+            <a:schemeClr val="accent1"/>
+          </a:effectRef>
+          <a:fontRef idx="minor">
+            <a:schemeClr val="tx1"/>
+          </a:fontRef>
+        </p:style>
+      </p:cxnSp>
+      <p:cxnSp>
+        <p:nvCxnSpPr>
+          <p:cNvPr id="14" name="直線單箭頭接點 13"/>
+          <p:cNvCxnSpPr/>
+          <p:nvPr/>
+        </p:nvCxnSpPr>
+        <p:spPr>
+          <a:xfrm flipH="1">
+            <a:off x="5207244" y="4892425"/>
+            <a:ext cx="2890469" cy="0"/>
+          </a:xfrm>
+          <a:prstGeom prst="straightConnector1">
+            <a:avLst/>
+          </a:prstGeom>
+          <a:ln>
+            <a:tailEnd type="triangle"/>
+          </a:ln>
+        </p:spPr>
+        <p:style>
+          <a:lnRef idx="1">
+            <a:schemeClr val="accent1"/>
+          </a:lnRef>
+          <a:fillRef idx="0">
+            <a:schemeClr val="accent1"/>
+          </a:fillRef>
+          <a:effectRef idx="0">
+            <a:schemeClr val="accent1"/>
+          </a:effectRef>
+          <a:fontRef idx="minor">
+            <a:schemeClr val="tx1"/>
+          </a:fontRef>
+        </p:style>
+      </p:cxnSp>
+      <p:sp>
+        <p:nvSpPr>
+          <p:cNvPr id="15" name="文字方塊 14"/>
+          <p:cNvSpPr txBox="1"/>
+          <p:nvPr/>
+        </p:nvSpPr>
+        <p:spPr>
+          <a:xfrm>
+            <a:off x="5464417" y="4465311"/>
+            <a:ext cx="2732210" cy="369332"/>
+          </a:xfrm>
+          <a:prstGeom prst="rect">
+            <a:avLst/>
+          </a:prstGeom>
+          <a:noFill/>
+        </p:spPr>
+        <p:txBody>
+          <a:bodyPr wrap="square" rtlCol="0">
+            <a:spAutoFit/>
+          </a:bodyPr>
+          <a:lstStyle/>
+          <a:p>
+            <a:r>
+              <a:rPr lang="en-US" altLang="zh-TW" dirty="0" err="1" smtClean="0">
+                <a:solidFill>
+                  <a:schemeClr val="accent1"/>
+                </a:solidFill>
+              </a:rPr>
+              <a:t>Reuqest</a:t>
+            </a:r>
+            <a:r>
+              <a:rPr lang="en-US" altLang="zh-TW" dirty="0" smtClean="0">
+                <a:solidFill>
+                  <a:schemeClr val="accent1"/>
+                </a:solidFill>
+              </a:rPr>
+              <a:t> Load Game</a:t>
+            </a:r>
+            <a:endParaRPr lang="zh-TW" altLang="en-US" dirty="0">
+              <a:solidFill>
+                <a:schemeClr val="accent1"/>
+              </a:solidFill>
+            </a:endParaRPr>
+          </a:p>
+        </p:txBody>
+      </p:sp>
+      <p:sp>
+        <p:nvSpPr>
+          <p:cNvPr id="16" name="文字方塊 15"/>
+          <p:cNvSpPr txBox="1"/>
+          <p:nvPr/>
+        </p:nvSpPr>
+        <p:spPr>
+          <a:xfrm>
+            <a:off x="5314388" y="4857919"/>
+            <a:ext cx="2987192" cy="369332"/>
+          </a:xfrm>
+          <a:prstGeom prst="rect">
+            <a:avLst/>
+          </a:prstGeom>
+          <a:noFill/>
+        </p:spPr>
+        <p:txBody>
+          <a:bodyPr wrap="square" rtlCol="0">
+            <a:spAutoFit/>
+          </a:bodyPr>
+          <a:lstStyle/>
+          <a:p>
+            <a:r>
+              <a:rPr lang="en-US" altLang="zh-TW" dirty="0" err="1" smtClean="0">
+                <a:solidFill>
+                  <a:schemeClr val="accent1"/>
+                </a:solidFill>
+              </a:rPr>
+              <a:t>Ack</a:t>
+            </a:r>
+            <a:r>
+              <a:rPr lang="en-US" altLang="zh-TW" dirty="0" smtClean="0">
+                <a:solidFill>
+                  <a:schemeClr val="accent1"/>
+                </a:solidFill>
+              </a:rPr>
+              <a:t> Request Load Game</a:t>
+            </a:r>
+            <a:endParaRPr lang="zh-TW" altLang="en-US" dirty="0">
+              <a:solidFill>
+                <a:schemeClr val="accent1"/>
+              </a:solidFill>
+            </a:endParaRPr>
+          </a:p>
+        </p:txBody>
+      </p:sp>
+      <p:sp>
+        <p:nvSpPr>
+          <p:cNvPr id="19" name="圓角矩形圖說文字 18"/>
+          <p:cNvSpPr/>
+          <p:nvPr/>
+        </p:nvSpPr>
+        <p:spPr>
+          <a:xfrm>
+            <a:off x="2266953" y="1487739"/>
+            <a:ext cx="2202933" cy="836627"/>
+          </a:xfrm>
+          <a:prstGeom prst="wedgeRoundRectCallout">
+            <a:avLst>
+              <a:gd name="adj1" fmla="val 75003"/>
+              <a:gd name="adj2" fmla="val -33790"/>
+              <a:gd name="adj3" fmla="val 16667"/>
+            </a:avLst>
+          </a:prstGeom>
+        </p:spPr>
+        <p:style>
+          <a:lnRef idx="2">
+            <a:schemeClr val="accent1">
+              <a:shade val="50000"/>
+            </a:schemeClr>
+          </a:lnRef>
+          <a:fillRef idx="1">
+            <a:schemeClr val="accent1"/>
+          </a:fillRef>
+          <a:effectRef idx="0">
+            <a:schemeClr val="accent1"/>
+          </a:effectRef>
+          <a:fontRef idx="minor">
+            <a:schemeClr val="lt1"/>
+          </a:fontRef>
+        </p:style>
+        <p:txBody>
+          <a:bodyPr rtlCol="0" anchor="ctr"/>
+          <a:lstStyle/>
+          <a:p>
+            <a:pPr algn="ctr"/>
+            <a:endParaRPr lang="zh-TW" altLang="en-US"/>
+          </a:p>
+        </p:txBody>
+      </p:sp>
+      <p:sp>
+        <p:nvSpPr>
+          <p:cNvPr id="20" name="文字方塊 19"/>
+          <p:cNvSpPr txBox="1"/>
+          <p:nvPr/>
+        </p:nvSpPr>
+        <p:spPr>
+          <a:xfrm>
+            <a:off x="2431530" y="1572878"/>
+            <a:ext cx="1846574" cy="646331"/>
+          </a:xfrm>
+          <a:prstGeom prst="rect">
+            <a:avLst/>
+          </a:prstGeom>
+          <a:noFill/>
+        </p:spPr>
+        <p:txBody>
+          <a:bodyPr wrap="square" rtlCol="0">
+            <a:spAutoFit/>
+          </a:bodyPr>
+          <a:lstStyle/>
+          <a:p>
+            <a:r>
+              <a:rPr lang="zh-TW" altLang="en-US" dirty="0" smtClean="0"/>
+              <a:t>選定歌曲存在或下載完成後</a:t>
+            </a:r>
+            <a:endParaRPr lang="zh-TW" altLang="en-US" dirty="0"/>
+          </a:p>
+        </p:txBody>
+      </p:sp>
+      <p:sp>
+        <p:nvSpPr>
+          <p:cNvPr id="21" name="矩形 20"/>
+          <p:cNvSpPr/>
+          <p:nvPr/>
+        </p:nvSpPr>
+        <p:spPr>
+          <a:xfrm>
+            <a:off x="5009415" y="2440504"/>
+            <a:ext cx="197829" cy="257542"/>
+          </a:xfrm>
+          <a:prstGeom prst="rect">
+            <a:avLst/>
+          </a:prstGeom>
+        </p:spPr>
+        <p:style>
+          <a:lnRef idx="2">
+            <a:schemeClr val="accent1">
+              <a:shade val="50000"/>
+            </a:schemeClr>
+          </a:lnRef>
+          <a:fillRef idx="1">
+            <a:schemeClr val="accent1"/>
+          </a:fillRef>
+          <a:effectRef idx="0">
+            <a:schemeClr val="accent1"/>
+          </a:effectRef>
+          <a:fontRef idx="minor">
+            <a:schemeClr val="lt1"/>
+          </a:fontRef>
+        </p:style>
+        <p:txBody>
+          <a:bodyPr rtlCol="0" anchor="ctr"/>
+          <a:lstStyle/>
+          <a:p>
+            <a:pPr algn="ctr"/>
+            <a:endParaRPr lang="zh-TW" altLang="en-US"/>
+          </a:p>
+        </p:txBody>
+      </p:sp>
+      <p:sp>
+        <p:nvSpPr>
+          <p:cNvPr id="22" name="文字方塊 21"/>
+          <p:cNvSpPr txBox="1"/>
+          <p:nvPr/>
+        </p:nvSpPr>
+        <p:spPr>
+          <a:xfrm>
+            <a:off x="3216883" y="2394238"/>
+            <a:ext cx="2009043" cy="369332"/>
+          </a:xfrm>
+          <a:prstGeom prst="rect">
+            <a:avLst/>
+          </a:prstGeom>
+          <a:noFill/>
+        </p:spPr>
+        <p:txBody>
+          <a:bodyPr wrap="square" rtlCol="0">
+            <a:spAutoFit/>
+          </a:bodyPr>
+          <a:lstStyle/>
+          <a:p>
+            <a:r>
+              <a:rPr lang="zh-TW" altLang="en-US" dirty="0"/>
+              <a:t>清</a:t>
+            </a:r>
+            <a:r>
+              <a:rPr lang="zh-TW" altLang="en-US" dirty="0" smtClean="0"/>
+              <a:t>除遊戲設定</a:t>
+            </a:r>
+            <a:endParaRPr lang="zh-TW" altLang="en-US" dirty="0"/>
+          </a:p>
+        </p:txBody>
+      </p:sp>
+      <p:sp>
+        <p:nvSpPr>
+          <p:cNvPr id="23" name="矩形 22"/>
+          <p:cNvSpPr/>
+          <p:nvPr/>
+        </p:nvSpPr>
+        <p:spPr>
+          <a:xfrm>
+            <a:off x="7998798" y="2440504"/>
+            <a:ext cx="197829" cy="257542"/>
+          </a:xfrm>
+          <a:prstGeom prst="rect">
+            <a:avLst/>
+          </a:prstGeom>
+        </p:spPr>
+        <p:style>
+          <a:lnRef idx="2">
+            <a:schemeClr val="accent1">
+              <a:shade val="50000"/>
+            </a:schemeClr>
+          </a:lnRef>
+          <a:fillRef idx="1">
+            <a:schemeClr val="accent1"/>
+          </a:fillRef>
+          <a:effectRef idx="0">
+            <a:schemeClr val="accent1"/>
+          </a:effectRef>
+          <a:fontRef idx="minor">
+            <a:schemeClr val="lt1"/>
+          </a:fontRef>
+        </p:style>
+        <p:txBody>
+          <a:bodyPr rtlCol="0" anchor="ctr"/>
+          <a:lstStyle/>
+          <a:p>
+            <a:pPr algn="ctr"/>
+            <a:endParaRPr lang="zh-TW" altLang="en-US"/>
+          </a:p>
+        </p:txBody>
+      </p:sp>
+      <p:cxnSp>
+        <p:nvCxnSpPr>
+          <p:cNvPr id="24" name="直線單箭頭接點 23"/>
+          <p:cNvCxnSpPr/>
+          <p:nvPr/>
+        </p:nvCxnSpPr>
+        <p:spPr>
+          <a:xfrm>
+            <a:off x="5244609" y="2569267"/>
+            <a:ext cx="2716824" cy="0"/>
+          </a:xfrm>
+          <a:prstGeom prst="straightConnector1">
+            <a:avLst/>
+          </a:prstGeom>
+          <a:ln>
+            <a:tailEnd type="triangle"/>
+          </a:ln>
+        </p:spPr>
+        <p:style>
+          <a:lnRef idx="1">
+            <a:schemeClr val="accent1"/>
+          </a:lnRef>
+          <a:fillRef idx="0">
+            <a:schemeClr val="accent1"/>
+          </a:fillRef>
+          <a:effectRef idx="0">
+            <a:schemeClr val="accent1"/>
+          </a:effectRef>
+          <a:fontRef idx="minor">
+            <a:schemeClr val="tx1"/>
+          </a:fontRef>
+        </p:style>
+      </p:cxnSp>
+      <p:cxnSp>
+        <p:nvCxnSpPr>
+          <p:cNvPr id="25" name="直線單箭頭接點 24"/>
+          <p:cNvCxnSpPr/>
+          <p:nvPr/>
+        </p:nvCxnSpPr>
+        <p:spPr>
+          <a:xfrm flipH="1">
+            <a:off x="5207244" y="2636686"/>
+            <a:ext cx="2890469" cy="0"/>
+          </a:xfrm>
+          <a:prstGeom prst="straightConnector1">
+            <a:avLst/>
+          </a:prstGeom>
+          <a:ln>
+            <a:tailEnd type="triangle"/>
+          </a:ln>
+        </p:spPr>
+        <p:style>
+          <a:lnRef idx="1">
+            <a:schemeClr val="accent1"/>
+          </a:lnRef>
+          <a:fillRef idx="0">
+            <a:schemeClr val="accent1"/>
+          </a:fillRef>
+          <a:effectRef idx="0">
+            <a:schemeClr val="accent1"/>
+          </a:effectRef>
+          <a:fontRef idx="minor">
+            <a:schemeClr val="tx1"/>
+          </a:fontRef>
+        </p:style>
+      </p:cxnSp>
+      <p:sp>
+        <p:nvSpPr>
+          <p:cNvPr id="26" name="文字方塊 25"/>
+          <p:cNvSpPr txBox="1"/>
+          <p:nvPr/>
+        </p:nvSpPr>
+        <p:spPr>
+          <a:xfrm>
+            <a:off x="5346823" y="2209572"/>
+            <a:ext cx="2732210" cy="369332"/>
+          </a:xfrm>
+          <a:prstGeom prst="rect">
+            <a:avLst/>
+          </a:prstGeom>
+          <a:noFill/>
+        </p:spPr>
+        <p:txBody>
+          <a:bodyPr wrap="square" rtlCol="0">
+            <a:spAutoFit/>
+          </a:bodyPr>
+          <a:lstStyle/>
+          <a:p>
+            <a:r>
+              <a:rPr lang="en-US" altLang="zh-TW" dirty="0" smtClean="0">
+                <a:solidFill>
+                  <a:schemeClr val="accent1"/>
+                </a:solidFill>
+              </a:rPr>
+              <a:t>Clear Game Configuration</a:t>
+            </a:r>
+            <a:endParaRPr lang="zh-TW" altLang="en-US" dirty="0">
+              <a:solidFill>
+                <a:schemeClr val="accent1"/>
+              </a:solidFill>
+            </a:endParaRPr>
+          </a:p>
+        </p:txBody>
+      </p:sp>
+      <p:sp>
+        <p:nvSpPr>
+          <p:cNvPr id="27" name="文字方塊 26"/>
+          <p:cNvSpPr txBox="1"/>
+          <p:nvPr/>
+        </p:nvSpPr>
+        <p:spPr>
+          <a:xfrm>
+            <a:off x="5118766" y="2602180"/>
+            <a:ext cx="2987192" cy="369332"/>
+          </a:xfrm>
+          <a:prstGeom prst="rect">
+            <a:avLst/>
+          </a:prstGeom>
+          <a:noFill/>
+        </p:spPr>
+        <p:txBody>
+          <a:bodyPr wrap="square" rtlCol="0">
+            <a:spAutoFit/>
+          </a:bodyPr>
+          <a:lstStyle/>
+          <a:p>
+            <a:r>
+              <a:rPr lang="en-US" altLang="zh-TW" dirty="0" err="1" smtClean="0">
+                <a:solidFill>
+                  <a:schemeClr val="accent1"/>
+                </a:solidFill>
+              </a:rPr>
+              <a:t>Ack</a:t>
+            </a:r>
+            <a:r>
+              <a:rPr lang="en-US" altLang="zh-TW" dirty="0" smtClean="0">
+                <a:solidFill>
+                  <a:schemeClr val="accent1"/>
+                </a:solidFill>
+              </a:rPr>
+              <a:t> Clear Game Configuration</a:t>
+            </a:r>
+            <a:endParaRPr lang="zh-TW" altLang="en-US" dirty="0">
+              <a:solidFill>
+                <a:schemeClr val="accent1"/>
+              </a:solidFill>
+            </a:endParaRPr>
+          </a:p>
+        </p:txBody>
+      </p:sp>
+      <p:sp>
+        <p:nvSpPr>
+          <p:cNvPr id="28" name="矩形 27"/>
+          <p:cNvSpPr/>
+          <p:nvPr/>
+        </p:nvSpPr>
+        <p:spPr>
+          <a:xfrm>
+            <a:off x="5009415" y="3651001"/>
+            <a:ext cx="197829" cy="257542"/>
+          </a:xfrm>
+          <a:prstGeom prst="rect">
+            <a:avLst/>
+          </a:prstGeom>
+        </p:spPr>
+        <p:style>
+          <a:lnRef idx="2">
+            <a:schemeClr val="accent1">
+              <a:shade val="50000"/>
+            </a:schemeClr>
+          </a:lnRef>
+          <a:fillRef idx="1">
+            <a:schemeClr val="accent1"/>
+          </a:fillRef>
+          <a:effectRef idx="0">
+            <a:schemeClr val="accent1"/>
+          </a:effectRef>
+          <a:fontRef idx="minor">
+            <a:schemeClr val="lt1"/>
+          </a:fontRef>
+        </p:style>
+        <p:txBody>
+          <a:bodyPr rtlCol="0" anchor="ctr"/>
+          <a:lstStyle/>
+          <a:p>
+            <a:pPr algn="ctr"/>
+            <a:endParaRPr lang="zh-TW" altLang="en-US"/>
+          </a:p>
+        </p:txBody>
+      </p:sp>
+      <p:sp>
+        <p:nvSpPr>
+          <p:cNvPr id="29" name="文字方塊 28"/>
+          <p:cNvSpPr txBox="1"/>
+          <p:nvPr/>
+        </p:nvSpPr>
+        <p:spPr>
+          <a:xfrm>
+            <a:off x="2866032" y="3604735"/>
+            <a:ext cx="1633678" cy="369332"/>
+          </a:xfrm>
+          <a:prstGeom prst="rect">
+            <a:avLst/>
+          </a:prstGeom>
+          <a:noFill/>
+        </p:spPr>
+        <p:txBody>
+          <a:bodyPr wrap="square" rtlCol="0">
+            <a:spAutoFit/>
+          </a:bodyPr>
+          <a:lstStyle/>
+          <a:p>
+            <a:r>
+              <a:rPr lang="zh-TW" altLang="en-US" dirty="0" smtClean="0"/>
+              <a:t>寫入遊戲設定</a:t>
+            </a:r>
+            <a:endParaRPr lang="zh-TW" altLang="en-US" dirty="0"/>
+          </a:p>
+        </p:txBody>
+      </p:sp>
+      <p:sp>
+        <p:nvSpPr>
+          <p:cNvPr id="30" name="矩形 29"/>
+          <p:cNvSpPr/>
+          <p:nvPr/>
+        </p:nvSpPr>
+        <p:spPr>
+          <a:xfrm>
+            <a:off x="7998798" y="3651001"/>
+            <a:ext cx="197829" cy="257542"/>
+          </a:xfrm>
+          <a:prstGeom prst="rect">
+            <a:avLst/>
+          </a:prstGeom>
+        </p:spPr>
+        <p:style>
+          <a:lnRef idx="2">
+            <a:schemeClr val="accent1">
+              <a:shade val="50000"/>
+            </a:schemeClr>
+          </a:lnRef>
+          <a:fillRef idx="1">
+            <a:schemeClr val="accent1"/>
+          </a:fillRef>
+          <a:effectRef idx="0">
+            <a:schemeClr val="accent1"/>
+          </a:effectRef>
+          <a:fontRef idx="minor">
+            <a:schemeClr val="lt1"/>
+          </a:fontRef>
+        </p:style>
+        <p:txBody>
+          <a:bodyPr rtlCol="0" anchor="ctr"/>
+          <a:lstStyle/>
+          <a:p>
+            <a:pPr algn="ctr"/>
+            <a:endParaRPr lang="zh-TW" altLang="en-US"/>
+          </a:p>
+        </p:txBody>
+      </p:sp>
+      <p:cxnSp>
+        <p:nvCxnSpPr>
+          <p:cNvPr id="31" name="直線單箭頭接點 30"/>
+          <p:cNvCxnSpPr/>
+          <p:nvPr/>
+        </p:nvCxnSpPr>
+        <p:spPr>
+          <a:xfrm>
+            <a:off x="5244609" y="3779764"/>
+            <a:ext cx="2716824" cy="0"/>
+          </a:xfrm>
+          <a:prstGeom prst="straightConnector1">
+            <a:avLst/>
+          </a:prstGeom>
+          <a:ln>
+            <a:tailEnd type="triangle"/>
+          </a:ln>
+        </p:spPr>
+        <p:style>
+          <a:lnRef idx="1">
+            <a:schemeClr val="accent1"/>
+          </a:lnRef>
+          <a:fillRef idx="0">
+            <a:schemeClr val="accent1"/>
+          </a:fillRef>
+          <a:effectRef idx="0">
+            <a:schemeClr val="accent1"/>
+          </a:effectRef>
+          <a:fontRef idx="minor">
+            <a:schemeClr val="tx1"/>
+          </a:fontRef>
+        </p:style>
+      </p:cxnSp>
+      <p:cxnSp>
+        <p:nvCxnSpPr>
+          <p:cNvPr id="32" name="直線單箭頭接點 31"/>
+          <p:cNvCxnSpPr/>
+          <p:nvPr/>
+        </p:nvCxnSpPr>
+        <p:spPr>
+          <a:xfrm flipH="1">
+            <a:off x="5207244" y="3847183"/>
+            <a:ext cx="2890469" cy="0"/>
+          </a:xfrm>
+          <a:prstGeom prst="straightConnector1">
+            <a:avLst/>
+          </a:prstGeom>
+          <a:ln>
+            <a:tailEnd type="triangle"/>
+          </a:ln>
+        </p:spPr>
+        <p:style>
+          <a:lnRef idx="1">
+            <a:schemeClr val="accent1"/>
+          </a:lnRef>
+          <a:fillRef idx="0">
+            <a:schemeClr val="accent1"/>
+          </a:fillRef>
+          <a:effectRef idx="0">
+            <a:schemeClr val="accent1"/>
+          </a:effectRef>
+          <a:fontRef idx="minor">
+            <a:schemeClr val="tx1"/>
+          </a:fontRef>
+        </p:style>
+      </p:cxnSp>
+      <p:sp>
+        <p:nvSpPr>
+          <p:cNvPr id="33" name="文字方塊 32"/>
+          <p:cNvSpPr txBox="1"/>
+          <p:nvPr/>
+        </p:nvSpPr>
+        <p:spPr>
+          <a:xfrm>
+            <a:off x="5346823" y="3420069"/>
+            <a:ext cx="2732210" cy="369332"/>
+          </a:xfrm>
+          <a:prstGeom prst="rect">
+            <a:avLst/>
+          </a:prstGeom>
+          <a:noFill/>
+        </p:spPr>
+        <p:txBody>
+          <a:bodyPr wrap="square" rtlCol="0">
+            <a:spAutoFit/>
+          </a:bodyPr>
+          <a:lstStyle/>
+          <a:p>
+            <a:r>
+              <a:rPr lang="en-US" altLang="zh-TW" dirty="0" smtClean="0">
+                <a:solidFill>
+                  <a:schemeClr val="accent1"/>
+                </a:solidFill>
+              </a:rPr>
+              <a:t>Write Game Configuration</a:t>
+            </a:r>
+            <a:endParaRPr lang="zh-TW" altLang="en-US" dirty="0">
+              <a:solidFill>
+                <a:schemeClr val="accent1"/>
+              </a:solidFill>
+            </a:endParaRPr>
+          </a:p>
+        </p:txBody>
+      </p:sp>
+      <p:sp>
+        <p:nvSpPr>
+          <p:cNvPr id="34" name="文字方塊 33"/>
+          <p:cNvSpPr txBox="1"/>
+          <p:nvPr/>
+        </p:nvSpPr>
+        <p:spPr>
+          <a:xfrm>
+            <a:off x="5118765" y="3812677"/>
+            <a:ext cx="3077861" cy="369332"/>
+          </a:xfrm>
+          <a:prstGeom prst="rect">
+            <a:avLst/>
+          </a:prstGeom>
+          <a:noFill/>
+        </p:spPr>
+        <p:txBody>
+          <a:bodyPr wrap="square" rtlCol="0">
+            <a:spAutoFit/>
+          </a:bodyPr>
+          <a:lstStyle/>
+          <a:p>
+            <a:r>
+              <a:rPr lang="en-US" altLang="zh-TW" dirty="0" err="1" smtClean="0">
+                <a:solidFill>
+                  <a:schemeClr val="accent1"/>
+                </a:solidFill>
+              </a:rPr>
+              <a:t>Ack</a:t>
+            </a:r>
+            <a:r>
+              <a:rPr lang="en-US" altLang="zh-TW" dirty="0" smtClean="0">
+                <a:solidFill>
+                  <a:schemeClr val="accent1"/>
+                </a:solidFill>
+              </a:rPr>
+              <a:t> Write Game Configuration</a:t>
+            </a:r>
+            <a:endParaRPr lang="zh-TW" altLang="en-US" dirty="0">
+              <a:solidFill>
+                <a:schemeClr val="accent1"/>
+              </a:solidFill>
+            </a:endParaRPr>
+          </a:p>
+        </p:txBody>
+      </p:sp>
+      <p:sp>
+        <p:nvSpPr>
+          <p:cNvPr id="35" name="圓形箭號 34"/>
+          <p:cNvSpPr/>
+          <p:nvPr/>
+        </p:nvSpPr>
+        <p:spPr>
+          <a:xfrm rot="17647633">
+            <a:off x="4476702" y="3415701"/>
+            <a:ext cx="774780" cy="774780"/>
+          </a:xfrm>
+          <a:prstGeom prst="circularArrow">
+            <a:avLst>
+              <a:gd name="adj1" fmla="val 12500"/>
+              <a:gd name="adj2" fmla="val 1142319"/>
+              <a:gd name="adj3" fmla="val 20457681"/>
+              <a:gd name="adj4" fmla="val 9077799"/>
+              <a:gd name="adj5" fmla="val 12500"/>
+            </a:avLst>
+          </a:prstGeom>
+        </p:spPr>
+        <p:style>
+          <a:lnRef idx="2">
+            <a:schemeClr val="accent1">
+              <a:shade val="50000"/>
+            </a:schemeClr>
+          </a:lnRef>
+          <a:fillRef idx="1">
+            <a:schemeClr val="accent1"/>
+          </a:fillRef>
+          <a:effectRef idx="0">
+            <a:schemeClr val="accent1"/>
+          </a:effectRef>
+          <a:fontRef idx="minor">
+            <a:schemeClr val="lt1"/>
+          </a:fontRef>
+        </p:style>
+        <p:txBody>
+          <a:bodyPr rtlCol="0" anchor="ctr"/>
+          <a:lstStyle/>
+          <a:p>
+            <a:pPr algn="ctr"/>
+            <a:endParaRPr lang="zh-TW" altLang="en-US">
+              <a:solidFill>
+                <a:schemeClr val="tx1"/>
+              </a:solidFill>
+            </a:endParaRPr>
+          </a:p>
+        </p:txBody>
+      </p:sp>
+      <p:sp>
+        <p:nvSpPr>
+          <p:cNvPr id="38" name="矩形 37"/>
+          <p:cNvSpPr/>
+          <p:nvPr/>
+        </p:nvSpPr>
+        <p:spPr>
+          <a:xfrm>
+            <a:off x="428044" y="5005466"/>
+            <a:ext cx="2725363" cy="1729442"/>
+          </a:xfrm>
+          <a:prstGeom prst="rect">
+            <a:avLst/>
+          </a:prstGeom>
+          <a:noFill/>
+          <a:ln>
+            <a:prstDash val="dash"/>
+          </a:ln>
+        </p:spPr>
+        <p:style>
+          <a:lnRef idx="2">
+            <a:schemeClr val="accent1">
+              <a:shade val="50000"/>
+            </a:schemeClr>
+          </a:lnRef>
+          <a:fillRef idx="1">
+            <a:schemeClr val="accent1"/>
+          </a:fillRef>
+          <a:effectRef idx="0">
+            <a:schemeClr val="accent1"/>
+          </a:effectRef>
+          <a:fontRef idx="minor">
+            <a:schemeClr val="lt1"/>
+          </a:fontRef>
+        </p:style>
+        <p:txBody>
+          <a:bodyPr rtlCol="0" anchor="ctr"/>
+          <a:lstStyle/>
+          <a:p>
+            <a:pPr algn="ctr"/>
+            <a:endParaRPr lang="zh-TW" altLang="en-US"/>
+          </a:p>
+        </p:txBody>
+      </p:sp>
+      <p:sp>
+        <p:nvSpPr>
+          <p:cNvPr id="39" name="文字方塊 38"/>
+          <p:cNvSpPr txBox="1"/>
+          <p:nvPr/>
+        </p:nvSpPr>
+        <p:spPr>
+          <a:xfrm>
+            <a:off x="397223" y="5019309"/>
+            <a:ext cx="2737502" cy="1600438"/>
+          </a:xfrm>
+          <a:prstGeom prst="rect">
+            <a:avLst/>
+          </a:prstGeom>
+          <a:noFill/>
+        </p:spPr>
+        <p:txBody>
+          <a:bodyPr wrap="square" rtlCol="0">
+            <a:spAutoFit/>
+          </a:bodyPr>
+          <a:lstStyle/>
+          <a:p>
+            <a:r>
+              <a:rPr lang="zh-TW" altLang="en-US" sz="1400" dirty="0" smtClean="0"/>
+              <a:t>音樂遊戲</a:t>
+            </a:r>
+            <a:r>
+              <a:rPr lang="en-US" altLang="zh-TW" sz="1400" dirty="0" smtClean="0"/>
+              <a:t>:</a:t>
+            </a:r>
+            <a:r>
+              <a:rPr lang="zh-TW" altLang="en-US" sz="1400" dirty="0" smtClean="0"/>
+              <a:t> </a:t>
+            </a:r>
+            <a:r>
+              <a:rPr lang="en-US" altLang="zh-TW" sz="1400" dirty="0" err="1" smtClean="0"/>
+              <a:t>MusicGameModifier</a:t>
+            </a:r>
+            <a:endParaRPr lang="en-US" altLang="zh-TW" sz="1400" dirty="0" smtClean="0"/>
+          </a:p>
+          <a:p>
+            <a:r>
+              <a:rPr lang="zh-TW" altLang="en-US" sz="1400" dirty="0" smtClean="0"/>
+              <a:t>反覆練彈</a:t>
+            </a:r>
+            <a:r>
+              <a:rPr lang="en-US" altLang="zh-TW" sz="1400" dirty="0" smtClean="0"/>
+              <a:t>:</a:t>
+            </a:r>
+            <a:r>
+              <a:rPr lang="zh-TW" altLang="en-US" sz="1400" dirty="0" smtClean="0"/>
+              <a:t> </a:t>
+            </a:r>
+            <a:r>
+              <a:rPr lang="en-US" altLang="zh-TW" sz="1400" dirty="0" err="1" smtClean="0"/>
+              <a:t>RepeatPracticeModifier</a:t>
+            </a:r>
+            <a:endParaRPr lang="en-US" altLang="zh-TW" sz="1400" dirty="0" smtClean="0"/>
+          </a:p>
+          <a:p>
+            <a:r>
+              <a:rPr lang="zh-TW" altLang="en-US" sz="1400" dirty="0" smtClean="0"/>
+              <a:t>難度</a:t>
+            </a:r>
+            <a:r>
+              <a:rPr lang="en-US" altLang="zh-TW" sz="1400" dirty="0" smtClean="0"/>
+              <a:t>: </a:t>
+            </a:r>
+            <a:r>
+              <a:rPr lang="en-US" altLang="zh-TW" sz="1400" dirty="0" err="1" smtClean="0"/>
+              <a:t>MeteorDifficultyModifier</a:t>
+            </a:r>
+            <a:endParaRPr lang="en-US" altLang="zh-TW" sz="1400" dirty="0" smtClean="0"/>
+          </a:p>
+          <a:p>
+            <a:r>
+              <a:rPr lang="zh-TW" altLang="en-US" sz="1400" dirty="0" smtClean="0"/>
+              <a:t>左右手</a:t>
+            </a:r>
+            <a:r>
+              <a:rPr lang="en-US" altLang="zh-TW" sz="1400" dirty="0" smtClean="0"/>
+              <a:t>:</a:t>
+            </a:r>
+            <a:r>
+              <a:rPr lang="zh-TW" altLang="en-US" sz="1400" dirty="0" smtClean="0"/>
+              <a:t> </a:t>
+            </a:r>
+            <a:r>
+              <a:rPr lang="en-US" altLang="zh-TW" sz="1400" dirty="0" err="1" smtClean="0"/>
+              <a:t>HandModifier</a:t>
+            </a:r>
+            <a:endParaRPr lang="en-US" altLang="zh-TW" sz="1400" dirty="0" smtClean="0"/>
+          </a:p>
+          <a:p>
+            <a:r>
+              <a:rPr lang="zh-TW" altLang="en-US" sz="1400" dirty="0" smtClean="0"/>
+              <a:t>速度</a:t>
+            </a:r>
+            <a:r>
+              <a:rPr lang="en-US" altLang="zh-TW" sz="1400" dirty="0" smtClean="0"/>
+              <a:t>:</a:t>
+            </a:r>
+            <a:r>
+              <a:rPr lang="zh-TW" altLang="en-US" sz="1400" dirty="0" smtClean="0"/>
+              <a:t> </a:t>
+            </a:r>
+            <a:r>
+              <a:rPr lang="en-US" altLang="zh-TW" sz="1400" dirty="0" err="1" smtClean="0"/>
+              <a:t>ClockRateModifier</a:t>
+            </a:r>
+            <a:endParaRPr lang="en-US" altLang="zh-TW" sz="1400" dirty="0" smtClean="0"/>
+          </a:p>
+          <a:p>
+            <a:endParaRPr lang="en-US" altLang="zh-TW" sz="1400" dirty="0"/>
+          </a:p>
+          <a:p>
+            <a:r>
+              <a:rPr lang="en-US" altLang="zh-TW" sz="1400" dirty="0" smtClean="0"/>
+              <a:t>(</a:t>
+            </a:r>
+            <a:r>
+              <a:rPr lang="zh-TW" altLang="en-US" sz="1400" dirty="0" smtClean="0"/>
+              <a:t>音樂遊戲和反覆練彈一定要擇一</a:t>
+            </a:r>
+            <a:r>
+              <a:rPr lang="en-US" altLang="zh-TW" sz="1400" dirty="0" smtClean="0"/>
+              <a:t>)</a:t>
+            </a:r>
+            <a:endParaRPr lang="zh-TW" altLang="en-US" sz="1400" dirty="0"/>
+          </a:p>
+        </p:txBody>
+      </p:sp>
+      <p:sp>
+        <p:nvSpPr>
+          <p:cNvPr id="36" name="向右箭號 35"/>
+          <p:cNvSpPr/>
+          <p:nvPr/>
+        </p:nvSpPr>
+        <p:spPr>
+          <a:xfrm>
+            <a:off x="8196626" y="5693185"/>
+            <a:ext cx="1626577" cy="545876"/>
+          </a:xfrm>
+          <a:prstGeom prst="rightArrow">
+            <a:avLst/>
+          </a:prstGeom>
+          <a:solidFill>
+            <a:schemeClr val="accent6">
+              <a:lumMod val="60000"/>
+              <a:lumOff val="40000"/>
+            </a:schemeClr>
+          </a:solidFill>
+        </p:spPr>
+        <p:style>
+          <a:lnRef idx="2">
+            <a:schemeClr val="accent1">
+              <a:shade val="50000"/>
+            </a:schemeClr>
+          </a:lnRef>
+          <a:fillRef idx="1">
+            <a:schemeClr val="accent1"/>
+          </a:fillRef>
+          <a:effectRef idx="0">
+            <a:schemeClr val="accent1"/>
+          </a:effectRef>
+          <a:fontRef idx="minor">
+            <a:schemeClr val="lt1"/>
+          </a:fontRef>
+        </p:style>
+        <p:txBody>
+          <a:bodyPr rtlCol="0" anchor="ctr"/>
+          <a:lstStyle/>
+          <a:p>
+            <a:pPr algn="ctr"/>
+            <a:endParaRPr lang="zh-TW" altLang="en-US"/>
+          </a:p>
+        </p:txBody>
+      </p:sp>
+      <p:sp>
+        <p:nvSpPr>
+          <p:cNvPr id="40" name="文字方塊 39"/>
+          <p:cNvSpPr txBox="1"/>
+          <p:nvPr/>
+        </p:nvSpPr>
+        <p:spPr>
+          <a:xfrm>
+            <a:off x="8308040" y="5781457"/>
+            <a:ext cx="2009043" cy="369332"/>
+          </a:xfrm>
+          <a:prstGeom prst="rect">
+            <a:avLst/>
+          </a:prstGeom>
+          <a:noFill/>
+        </p:spPr>
+        <p:txBody>
+          <a:bodyPr wrap="square" rtlCol="0">
+            <a:spAutoFit/>
+          </a:bodyPr>
+          <a:lstStyle/>
+          <a:p>
+            <a:r>
+              <a:rPr lang="zh-TW" altLang="en-US" dirty="0" smtClean="0"/>
+              <a:t>遊戲開始</a:t>
+            </a:r>
+            <a:r>
+              <a:rPr lang="en-US" altLang="zh-TW" dirty="0" smtClean="0"/>
+              <a:t>…</a:t>
+            </a:r>
+            <a:endParaRPr lang="zh-TW" altLang="en-US" dirty="0"/>
+          </a:p>
+        </p:txBody>
+      </p:sp>
+    </p:spTree>
+    <p:extLst>
+      <p:ext uri="{BB962C8B-B14F-4D97-AF65-F5344CB8AC3E}">
+        <p14:creationId xmlns:p14="http://schemas.microsoft.com/office/powerpoint/2010/main" val="2733165445"/>
+      </p:ext>
+    </p:extLst>
+  </p:cSld>
+  <p:clrMapOvr>
+    <a:masterClrMapping/>
+  </p:clrMapOvr>
+</p:sld>
+</file>
+
+<file path=ppt/slides/slide18.xml><?xml version="1.0" encoding="utf-8"?>
+<p:sld xmlns:a="http://schemas.openxmlformats.org/drawingml/2006/main" xmlns:r="http://schemas.openxmlformats.org/officeDocument/2006/relationships" xmlns:p="http://schemas.openxmlformats.org/presentationml/2006/main">
+  <p:cSld>
+    <p:spTree>
+      <p:nvGrpSpPr>
+        <p:cNvPr id="1" name=""/>
+        <p:cNvGrpSpPr/>
+        <p:nvPr/>
+      </p:nvGrpSpPr>
+      <p:grpSpPr>
+        <a:xfrm>
+          <a:off x="0" y="0"/>
+          <a:ext cx="0" cy="0"/>
+          <a:chOff x="0" y="0"/>
+          <a:chExt cx="0" cy="0"/>
+        </a:xfrm>
+      </p:grpSpPr>
+      <p:sp>
+        <p:nvSpPr>
+          <p:cNvPr id="2" name="標題 1"/>
+          <p:cNvSpPr>
+            <a:spLocks noGrp="1"/>
+          </p:cNvSpPr>
+          <p:nvPr>
+            <p:ph type="title"/>
+          </p:nvPr>
+        </p:nvSpPr>
+        <p:spPr/>
+        <p:txBody>
+          <a:bodyPr/>
+          <a:lstStyle/>
+          <a:p>
+            <a:r>
+              <a:rPr lang="zh-TW" altLang="en-US" dirty="0" smtClean="0"/>
+              <a:t>遊戲進行</a:t>
+            </a:r>
+            <a:endParaRPr lang="zh-TW" altLang="en-US" dirty="0"/>
+          </a:p>
+        </p:txBody>
+      </p:sp>
+      <p:sp>
+        <p:nvSpPr>
+          <p:cNvPr id="4" name="矩形 3"/>
+          <p:cNvSpPr/>
+          <p:nvPr/>
+        </p:nvSpPr>
+        <p:spPr>
+          <a:xfrm>
+            <a:off x="7341573" y="571500"/>
+            <a:ext cx="1512277" cy="448408"/>
+          </a:xfrm>
+          <a:prstGeom prst="rect">
+            <a:avLst/>
+          </a:prstGeom>
+        </p:spPr>
+        <p:style>
+          <a:lnRef idx="2">
+            <a:schemeClr val="accent1">
+              <a:shade val="50000"/>
+            </a:schemeClr>
+          </a:lnRef>
+          <a:fillRef idx="1">
+            <a:schemeClr val="accent1"/>
+          </a:fillRef>
+          <a:effectRef idx="0">
+            <a:schemeClr val="accent1"/>
+          </a:effectRef>
+          <a:fontRef idx="minor">
+            <a:schemeClr val="lt1"/>
+          </a:fontRef>
+        </p:style>
+        <p:txBody>
+          <a:bodyPr rtlCol="0" anchor="ctr"/>
+          <a:lstStyle/>
+          <a:p>
+            <a:pPr algn="ctr"/>
+            <a:endParaRPr lang="zh-TW" altLang="en-US"/>
+          </a:p>
+        </p:txBody>
+      </p:sp>
+      <p:sp>
+        <p:nvSpPr>
+          <p:cNvPr id="5" name="矩形 4"/>
+          <p:cNvSpPr/>
+          <p:nvPr/>
+        </p:nvSpPr>
+        <p:spPr>
+          <a:xfrm>
+            <a:off x="4352192" y="571500"/>
+            <a:ext cx="1512277" cy="448408"/>
+          </a:xfrm>
+          <a:prstGeom prst="rect">
+            <a:avLst/>
+          </a:prstGeom>
+        </p:spPr>
+        <p:style>
+          <a:lnRef idx="2">
+            <a:schemeClr val="accent1">
+              <a:shade val="50000"/>
+            </a:schemeClr>
+          </a:lnRef>
+          <a:fillRef idx="1">
+            <a:schemeClr val="accent1"/>
+          </a:fillRef>
+          <a:effectRef idx="0">
+            <a:schemeClr val="accent1"/>
+          </a:effectRef>
+          <a:fontRef idx="minor">
+            <a:schemeClr val="lt1"/>
+          </a:fontRef>
+        </p:style>
+        <p:txBody>
+          <a:bodyPr rtlCol="0" anchor="ctr"/>
+          <a:lstStyle/>
+          <a:p>
+            <a:pPr algn="ctr"/>
+            <a:endParaRPr lang="zh-TW" altLang="en-US"/>
+          </a:p>
+        </p:txBody>
+      </p:sp>
+      <p:sp>
+        <p:nvSpPr>
+          <p:cNvPr id="6" name="文字方塊 5"/>
+          <p:cNvSpPr txBox="1"/>
+          <p:nvPr/>
+        </p:nvSpPr>
+        <p:spPr>
+          <a:xfrm>
+            <a:off x="4853355" y="611038"/>
+            <a:ext cx="905608" cy="369332"/>
+          </a:xfrm>
+          <a:prstGeom prst="rect">
+            <a:avLst/>
+          </a:prstGeom>
+          <a:noFill/>
+        </p:spPr>
+        <p:txBody>
+          <a:bodyPr wrap="square" rtlCol="0">
+            <a:spAutoFit/>
+          </a:bodyPr>
+          <a:lstStyle/>
+          <a:p>
+            <a:r>
+              <a:rPr lang="en-US" altLang="zh-TW" dirty="0" smtClean="0"/>
+              <a:t>app</a:t>
+            </a:r>
+            <a:endParaRPr lang="zh-TW" altLang="en-US" dirty="0"/>
+          </a:p>
+        </p:txBody>
+      </p:sp>
+      <p:sp>
+        <p:nvSpPr>
+          <p:cNvPr id="7" name="文字方塊 6"/>
+          <p:cNvSpPr txBox="1"/>
+          <p:nvPr/>
+        </p:nvSpPr>
+        <p:spPr>
+          <a:xfrm>
+            <a:off x="7539403" y="611038"/>
+            <a:ext cx="905608" cy="369332"/>
+          </a:xfrm>
+          <a:prstGeom prst="rect">
+            <a:avLst/>
+          </a:prstGeom>
+          <a:noFill/>
+        </p:spPr>
+        <p:txBody>
+          <a:bodyPr wrap="square" rtlCol="0">
+            <a:spAutoFit/>
+          </a:bodyPr>
+          <a:lstStyle/>
+          <a:p>
+            <a:r>
+              <a:rPr lang="zh-TW" altLang="en-US" dirty="0" smtClean="0"/>
+              <a:t>電子琴</a:t>
+            </a:r>
+            <a:endParaRPr lang="zh-TW" altLang="en-US" dirty="0"/>
+          </a:p>
+        </p:txBody>
+      </p:sp>
+      <p:cxnSp>
+        <p:nvCxnSpPr>
+          <p:cNvPr id="8" name="直線接點 7"/>
+          <p:cNvCxnSpPr/>
+          <p:nvPr/>
+        </p:nvCxnSpPr>
+        <p:spPr>
+          <a:xfrm>
+            <a:off x="5108330" y="1027906"/>
+            <a:ext cx="0" cy="5636663"/>
+          </a:xfrm>
+          <a:prstGeom prst="line">
+            <a:avLst/>
+          </a:prstGeom>
+        </p:spPr>
+        <p:style>
+          <a:lnRef idx="1">
+            <a:schemeClr val="accent1"/>
+          </a:lnRef>
+          <a:fillRef idx="0">
+            <a:schemeClr val="accent1"/>
+          </a:fillRef>
+          <a:effectRef idx="0">
+            <a:schemeClr val="accent1"/>
+          </a:effectRef>
+          <a:fontRef idx="minor">
+            <a:schemeClr val="tx1"/>
+          </a:fontRef>
+        </p:style>
+      </p:cxnSp>
+      <p:cxnSp>
+        <p:nvCxnSpPr>
+          <p:cNvPr id="9" name="直線接點 8"/>
+          <p:cNvCxnSpPr/>
+          <p:nvPr/>
+        </p:nvCxnSpPr>
+        <p:spPr>
+          <a:xfrm>
+            <a:off x="8097715" y="1027906"/>
+            <a:ext cx="0" cy="5636663"/>
+          </a:xfrm>
+          <a:prstGeom prst="line">
+            <a:avLst/>
+          </a:prstGeom>
+        </p:spPr>
+        <p:style>
+          <a:lnRef idx="1">
+            <a:schemeClr val="accent1"/>
+          </a:lnRef>
+          <a:fillRef idx="0">
+            <a:schemeClr val="accent1"/>
+          </a:fillRef>
+          <a:effectRef idx="0">
+            <a:schemeClr val="accent1"/>
+          </a:effectRef>
+          <a:fontRef idx="minor">
+            <a:schemeClr val="tx1"/>
+          </a:fontRef>
+        </p:style>
+      </p:cxnSp>
+      <p:sp>
+        <p:nvSpPr>
+          <p:cNvPr id="10" name="矩形 9"/>
+          <p:cNvSpPr/>
+          <p:nvPr/>
+        </p:nvSpPr>
+        <p:spPr>
+          <a:xfrm>
+            <a:off x="5009415" y="4485546"/>
+            <a:ext cx="197829" cy="257542"/>
+          </a:xfrm>
+          <a:prstGeom prst="rect">
+            <a:avLst/>
+          </a:prstGeom>
+        </p:spPr>
+        <p:style>
+          <a:lnRef idx="2">
+            <a:schemeClr val="accent1">
+              <a:shade val="50000"/>
+            </a:schemeClr>
+          </a:lnRef>
+          <a:fillRef idx="1">
+            <a:schemeClr val="accent1"/>
+          </a:fillRef>
+          <a:effectRef idx="0">
+            <a:schemeClr val="accent1"/>
+          </a:effectRef>
+          <a:fontRef idx="minor">
+            <a:schemeClr val="lt1"/>
+          </a:fontRef>
+        </p:style>
+        <p:txBody>
+          <a:bodyPr rtlCol="0" anchor="ctr"/>
+          <a:lstStyle/>
+          <a:p>
+            <a:pPr algn="ctr"/>
+            <a:endParaRPr lang="zh-TW" altLang="en-US"/>
+          </a:p>
+        </p:txBody>
+      </p:sp>
+      <p:sp>
+        <p:nvSpPr>
+          <p:cNvPr id="11" name="文字方塊 10"/>
+          <p:cNvSpPr txBox="1"/>
+          <p:nvPr/>
+        </p:nvSpPr>
+        <p:spPr>
+          <a:xfrm>
+            <a:off x="8338274" y="4429651"/>
+            <a:ext cx="2009043" cy="369332"/>
+          </a:xfrm>
+          <a:prstGeom prst="rect">
+            <a:avLst/>
+          </a:prstGeom>
+          <a:noFill/>
+        </p:spPr>
+        <p:txBody>
+          <a:bodyPr wrap="square" rtlCol="0">
+            <a:spAutoFit/>
+          </a:bodyPr>
+          <a:lstStyle/>
+          <a:p>
+            <a:r>
+              <a:rPr lang="zh-TW" altLang="en-US" dirty="0" smtClean="0"/>
+              <a:t>遊戲結束</a:t>
+            </a:r>
+            <a:endParaRPr lang="zh-TW" altLang="en-US" dirty="0"/>
+          </a:p>
+        </p:txBody>
+      </p:sp>
+      <p:sp>
+        <p:nvSpPr>
+          <p:cNvPr id="12" name="矩形 11"/>
+          <p:cNvSpPr/>
+          <p:nvPr/>
+        </p:nvSpPr>
+        <p:spPr>
+          <a:xfrm>
+            <a:off x="7998798" y="4485546"/>
+            <a:ext cx="197829" cy="257542"/>
+          </a:xfrm>
+          <a:prstGeom prst="rect">
+            <a:avLst/>
+          </a:prstGeom>
+        </p:spPr>
+        <p:style>
+          <a:lnRef idx="2">
+            <a:schemeClr val="accent1">
+              <a:shade val="50000"/>
+            </a:schemeClr>
+          </a:lnRef>
+          <a:fillRef idx="1">
+            <a:schemeClr val="accent1"/>
+          </a:fillRef>
+          <a:effectRef idx="0">
+            <a:schemeClr val="accent1"/>
+          </a:effectRef>
+          <a:fontRef idx="minor">
+            <a:schemeClr val="lt1"/>
+          </a:fontRef>
+        </p:style>
+        <p:txBody>
+          <a:bodyPr rtlCol="0" anchor="ctr"/>
+          <a:lstStyle/>
+          <a:p>
+            <a:pPr algn="ctr"/>
+            <a:endParaRPr lang="zh-TW" altLang="en-US"/>
+          </a:p>
+        </p:txBody>
+      </p:sp>
+      <p:cxnSp>
+        <p:nvCxnSpPr>
+          <p:cNvPr id="13" name="直線單箭頭接點 12"/>
+          <p:cNvCxnSpPr/>
+          <p:nvPr/>
+        </p:nvCxnSpPr>
+        <p:spPr>
+          <a:xfrm>
+            <a:off x="5244609" y="4667063"/>
+            <a:ext cx="2716824" cy="0"/>
+          </a:xfrm>
+          <a:prstGeom prst="straightConnector1">
+            <a:avLst/>
+          </a:prstGeom>
+          <a:ln>
+            <a:tailEnd type="triangle"/>
+          </a:ln>
+        </p:spPr>
+        <p:style>
+          <a:lnRef idx="1">
+            <a:schemeClr val="accent1"/>
+          </a:lnRef>
+          <a:fillRef idx="0">
+            <a:schemeClr val="accent1"/>
+          </a:fillRef>
+          <a:effectRef idx="0">
+            <a:schemeClr val="accent1"/>
+          </a:effectRef>
+          <a:fontRef idx="minor">
+            <a:schemeClr val="tx1"/>
+          </a:fontRef>
+        </p:style>
+      </p:cxnSp>
+      <p:cxnSp>
+        <p:nvCxnSpPr>
+          <p:cNvPr id="14" name="直線單箭頭接點 13"/>
+          <p:cNvCxnSpPr/>
+          <p:nvPr/>
+        </p:nvCxnSpPr>
+        <p:spPr>
+          <a:xfrm flipH="1">
+            <a:off x="5207244" y="4549926"/>
+            <a:ext cx="2890469" cy="0"/>
+          </a:xfrm>
+          <a:prstGeom prst="straightConnector1">
+            <a:avLst/>
+          </a:prstGeom>
+          <a:ln>
+            <a:tailEnd type="triangle"/>
+          </a:ln>
+        </p:spPr>
+        <p:style>
+          <a:lnRef idx="1">
+            <a:schemeClr val="accent1"/>
+          </a:lnRef>
+          <a:fillRef idx="0">
+            <a:schemeClr val="accent1"/>
+          </a:fillRef>
+          <a:effectRef idx="0">
+            <a:schemeClr val="accent1"/>
+          </a:effectRef>
+          <a:fontRef idx="minor">
+            <a:schemeClr val="tx1"/>
+          </a:fontRef>
+        </p:style>
+      </p:cxnSp>
+      <p:sp>
+        <p:nvSpPr>
+          <p:cNvPr id="15" name="文字方塊 14"/>
+          <p:cNvSpPr txBox="1"/>
+          <p:nvPr/>
+        </p:nvSpPr>
+        <p:spPr>
+          <a:xfrm>
+            <a:off x="5346824" y="4165481"/>
+            <a:ext cx="2812300" cy="369332"/>
+          </a:xfrm>
+          <a:prstGeom prst="rect">
+            <a:avLst/>
+          </a:prstGeom>
+          <a:noFill/>
+        </p:spPr>
+        <p:txBody>
+          <a:bodyPr wrap="square" rtlCol="0">
+            <a:spAutoFit/>
+          </a:bodyPr>
+          <a:lstStyle/>
+          <a:p>
+            <a:r>
+              <a:rPr lang="en-US" altLang="zh-TW" dirty="0" smtClean="0">
+                <a:solidFill>
+                  <a:schemeClr val="accent1"/>
+                </a:solidFill>
+              </a:rPr>
+              <a:t>Hardware Complete Game</a:t>
+            </a:r>
+            <a:endParaRPr lang="zh-TW" altLang="en-US" dirty="0">
+              <a:solidFill>
+                <a:schemeClr val="accent1"/>
+              </a:solidFill>
+            </a:endParaRPr>
+          </a:p>
+        </p:txBody>
+      </p:sp>
+      <p:sp>
+        <p:nvSpPr>
+          <p:cNvPr id="16" name="文字方塊 15"/>
+          <p:cNvSpPr txBox="1"/>
+          <p:nvPr/>
+        </p:nvSpPr>
+        <p:spPr>
+          <a:xfrm>
+            <a:off x="5108330" y="4629312"/>
+            <a:ext cx="3128962" cy="369332"/>
+          </a:xfrm>
+          <a:prstGeom prst="rect">
+            <a:avLst/>
+          </a:prstGeom>
+          <a:noFill/>
+        </p:spPr>
+        <p:txBody>
+          <a:bodyPr wrap="square" rtlCol="0">
+            <a:spAutoFit/>
+          </a:bodyPr>
+          <a:lstStyle/>
+          <a:p>
+            <a:r>
+              <a:rPr lang="en-US" altLang="zh-TW" dirty="0" err="1" smtClean="0">
+                <a:solidFill>
+                  <a:schemeClr val="accent1"/>
+                </a:solidFill>
+              </a:rPr>
+              <a:t>Ack</a:t>
+            </a:r>
+            <a:r>
+              <a:rPr lang="en-US" altLang="zh-TW" dirty="0" smtClean="0">
+                <a:solidFill>
+                  <a:schemeClr val="accent1"/>
+                </a:solidFill>
+              </a:rPr>
+              <a:t> Hardware Complete Game</a:t>
             </a:r>
             <a:endParaRPr lang="zh-TW" altLang="en-US" dirty="0">
               <a:solidFill>
@@ -11872,7 +15433,7 @@
 </p:sld>
 </file>
 
-<file path=ppt/slides/slide15.xml><?xml version="1.0" encoding="utf-8"?>
+<file path=ppt/slides/slide19.xml><?xml version="1.0" encoding="utf-8"?>
 <p:sld xmlns:a="http://schemas.openxmlformats.org/drawingml/2006/main" xmlns:r="http://schemas.openxmlformats.org/officeDocument/2006/relationships" xmlns:p="http://schemas.openxmlformats.org/presentationml/2006/main" show="0">
   <p:cSld>
     <p:spTree>
@@ -14077,18 +17638,158 @@
   <p:clrMapOvr>
     <a:masterClrMapping/>
   </p:clrMapOvr>
-  <mc:AlternateContent xmlns:mc="http://schemas.openxmlformats.org/markup-compatibility/2006">
-    <mc:Choice xmlns:p14="http://schemas.microsoft.com/office/powerpoint/2010/main" Requires="p14">
+  <mc:AlternateContent xmlns:mc="http://schemas.openxmlformats.org/markup-compatibility/2006" xmlns:p14="http://schemas.microsoft.com/office/powerpoint/2010/main">
+    <mc:Choice Requires="p14">
       <p:transition spd="slow" p14:dur="2000"/>
     </mc:Choice>
-    <mc:Fallback>
+    <mc:Fallback xmlns="">
       <p:transition spd="slow"/>
     </mc:Fallback>
   </mc:AlternateContent>
 </p:sld>
 </file>
 
-<file path=ppt/slides/slide16.xml><?xml version="1.0" encoding="utf-8"?>
+<file path=ppt/slides/slide2.xml><?xml version="1.0" encoding="utf-8"?>
+<p:sld xmlns:a="http://schemas.openxmlformats.org/drawingml/2006/main" xmlns:r="http://schemas.openxmlformats.org/officeDocument/2006/relationships" xmlns:p="http://schemas.openxmlformats.org/presentationml/2006/main">
+  <p:cSld>
+    <p:spTree>
+      <p:nvGrpSpPr>
+        <p:cNvPr id="1" name=""/>
+        <p:cNvGrpSpPr/>
+        <p:nvPr/>
+      </p:nvGrpSpPr>
+      <p:grpSpPr>
+        <a:xfrm>
+          <a:off x="0" y="0"/>
+          <a:ext cx="0" cy="0"/>
+          <a:chOff x="0" y="0"/>
+          <a:chExt cx="0" cy="0"/>
+        </a:xfrm>
+      </p:grpSpPr>
+      <p:sp>
+        <p:nvSpPr>
+          <p:cNvPr id="2" name="標題 1"/>
+          <p:cNvSpPr>
+            <a:spLocks noGrp="1"/>
+          </p:cNvSpPr>
+          <p:nvPr>
+            <p:ph type="title"/>
+          </p:nvPr>
+        </p:nvSpPr>
+        <p:spPr/>
+        <p:txBody>
+          <a:bodyPr/>
+          <a:lstStyle/>
+          <a:p>
+            <a:r>
+              <a:rPr lang="zh-TW" altLang="en-US" dirty="0" smtClean="0"/>
+              <a:t>藍芽封包格式</a:t>
+            </a:r>
+            <a:endParaRPr lang="zh-TW" altLang="en-US" dirty="0"/>
+          </a:p>
+        </p:txBody>
+      </p:sp>
+      <p:sp>
+        <p:nvSpPr>
+          <p:cNvPr id="3" name="內容版面配置區 2"/>
+          <p:cNvSpPr>
+            <a:spLocks noGrp="1"/>
+          </p:cNvSpPr>
+          <p:nvPr>
+            <p:ph idx="1"/>
+          </p:nvPr>
+        </p:nvSpPr>
+        <p:spPr/>
+        <p:txBody>
+          <a:bodyPr/>
+          <a:lstStyle/>
+          <a:p>
+            <a:r>
+              <a:rPr lang="zh-TW" altLang="en-US" dirty="0" smtClean="0"/>
+              <a:t>讀取韌體版號</a:t>
+            </a:r>
+            <a:r>
+              <a:rPr lang="en-US" altLang="zh-TW" dirty="0" smtClean="0"/>
+              <a:t>(read firmware version)</a:t>
+            </a:r>
+          </a:p>
+          <a:p>
+            <a:r>
+              <a:rPr lang="zh-TW" altLang="en-US" dirty="0" smtClean="0"/>
+              <a:t>回傳韌體版號</a:t>
+            </a:r>
+            <a:r>
+              <a:rPr lang="en-US" altLang="zh-TW" dirty="0" smtClean="0"/>
+              <a:t>(return firmware version)</a:t>
+            </a:r>
+          </a:p>
+          <a:p>
+            <a:r>
+              <a:rPr lang="en-US" altLang="zh-TW" dirty="0" err="1" smtClean="0"/>
+              <a:t>Json</a:t>
+            </a:r>
+            <a:r>
+              <a:rPr lang="zh-TW" altLang="en-US" dirty="0" smtClean="0"/>
+              <a:t>文本</a:t>
+            </a:r>
+            <a:r>
+              <a:rPr lang="en-US" altLang="zh-TW" dirty="0" smtClean="0"/>
+              <a:t>(</a:t>
+            </a:r>
+            <a:r>
+              <a:rPr lang="en-US" altLang="zh-TW" dirty="0" err="1" smtClean="0"/>
+              <a:t>json</a:t>
+            </a:r>
+            <a:r>
+              <a:rPr lang="en-US" altLang="zh-TW" dirty="0" smtClean="0"/>
+              <a:t> context)</a:t>
+            </a:r>
+          </a:p>
+          <a:p>
+            <a:r>
+              <a:rPr lang="zh-TW" altLang="en-US" dirty="0" smtClean="0"/>
+              <a:t>檔案片段</a:t>
+            </a:r>
+            <a:r>
+              <a:rPr lang="en-US" altLang="zh-TW" dirty="0" smtClean="0"/>
+              <a:t>(file segment)</a:t>
+            </a:r>
+          </a:p>
+          <a:p>
+            <a:r>
+              <a:rPr lang="zh-TW" altLang="en-US" dirty="0" smtClean="0"/>
+              <a:t>告知收到檔案片段</a:t>
+            </a:r>
+            <a:r>
+              <a:rPr lang="en-US" altLang="zh-TW" dirty="0" smtClean="0"/>
+              <a:t>(</a:t>
+            </a:r>
+            <a:r>
+              <a:rPr lang="en-US" altLang="zh-TW" dirty="0" err="1" smtClean="0"/>
+              <a:t>ack</a:t>
+            </a:r>
+            <a:r>
+              <a:rPr lang="en-US" altLang="zh-TW" dirty="0" smtClean="0"/>
+              <a:t> file segment)</a:t>
+            </a:r>
+            <a:endParaRPr lang="zh-TW" altLang="en-US" dirty="0"/>
+          </a:p>
+        </p:txBody>
+      </p:sp>
+    </p:spTree>
+    <p:extLst>
+      <p:ext uri="{BB962C8B-B14F-4D97-AF65-F5344CB8AC3E}">
+        <p14:creationId xmlns:p14="http://schemas.microsoft.com/office/powerpoint/2010/main" val="2709312454"/>
+      </p:ext>
+    </p:extLst>
+  </p:cSld>
+  <p:clrMapOvr>
+    <a:masterClrMapping/>
+  </p:clrMapOvr>
+</p:sld>
+</file>
+
+<file path=ppt/slides/slide20.xml><?xml version="1.0" encoding="utf-8"?>
 <p:sld xmlns:a="http://schemas.openxmlformats.org/drawingml/2006/main" xmlns:r="http://schemas.openxmlformats.org/officeDocument/2006/relationships" xmlns:p="http://schemas.openxmlformats.org/presentationml/2006/main">
   <p:cSld>
     <p:spTree>
@@ -16586,146 +20287,6 @@
 </p:sld>
 </file>
 
-<file path=ppt/slides/slide2.xml><?xml version="1.0" encoding="utf-8"?>
-<p:sld xmlns:a="http://schemas.openxmlformats.org/drawingml/2006/main" xmlns:r="http://schemas.openxmlformats.org/officeDocument/2006/relationships" xmlns:p="http://schemas.openxmlformats.org/presentationml/2006/main">
-  <p:cSld>
-    <p:spTree>
-      <p:nvGrpSpPr>
-        <p:cNvPr id="1" name=""/>
-        <p:cNvGrpSpPr/>
-        <p:nvPr/>
-      </p:nvGrpSpPr>
-      <p:grpSpPr>
-        <a:xfrm>
-          <a:off x="0" y="0"/>
-          <a:ext cx="0" cy="0"/>
-          <a:chOff x="0" y="0"/>
-          <a:chExt cx="0" cy="0"/>
-        </a:xfrm>
-      </p:grpSpPr>
-      <p:sp>
-        <p:nvSpPr>
-          <p:cNvPr id="2" name="標題 1"/>
-          <p:cNvSpPr>
-            <a:spLocks noGrp="1"/>
-          </p:cNvSpPr>
-          <p:nvPr>
-            <p:ph type="title"/>
-          </p:nvPr>
-        </p:nvSpPr>
-        <p:spPr/>
-        <p:txBody>
-          <a:bodyPr/>
-          <a:lstStyle/>
-          <a:p>
-            <a:r>
-              <a:rPr lang="zh-TW" altLang="en-US" dirty="0" smtClean="0"/>
-              <a:t>藍芽封包格式</a:t>
-            </a:r>
-            <a:endParaRPr lang="zh-TW" altLang="en-US" dirty="0"/>
-          </a:p>
-        </p:txBody>
-      </p:sp>
-      <p:sp>
-        <p:nvSpPr>
-          <p:cNvPr id="3" name="內容版面配置區 2"/>
-          <p:cNvSpPr>
-            <a:spLocks noGrp="1"/>
-          </p:cNvSpPr>
-          <p:nvPr>
-            <p:ph idx="1"/>
-          </p:nvPr>
-        </p:nvSpPr>
-        <p:spPr/>
-        <p:txBody>
-          <a:bodyPr/>
-          <a:lstStyle/>
-          <a:p>
-            <a:r>
-              <a:rPr lang="zh-TW" altLang="en-US" dirty="0" smtClean="0"/>
-              <a:t>讀取韌體版號</a:t>
-            </a:r>
-            <a:r>
-              <a:rPr lang="en-US" altLang="zh-TW" dirty="0" smtClean="0"/>
-              <a:t>(read firmware version)</a:t>
-            </a:r>
-          </a:p>
-          <a:p>
-            <a:r>
-              <a:rPr lang="zh-TW" altLang="en-US" dirty="0" smtClean="0"/>
-              <a:t>回傳韌體版號</a:t>
-            </a:r>
-            <a:r>
-              <a:rPr lang="en-US" altLang="zh-TW" dirty="0" smtClean="0"/>
-              <a:t>(return firmware version)</a:t>
-            </a:r>
-          </a:p>
-          <a:p>
-            <a:r>
-              <a:rPr lang="en-US" altLang="zh-TW" dirty="0" err="1" smtClean="0"/>
-              <a:t>Json</a:t>
-            </a:r>
-            <a:r>
-              <a:rPr lang="zh-TW" altLang="en-US" dirty="0" smtClean="0"/>
-              <a:t>文本</a:t>
-            </a:r>
-            <a:r>
-              <a:rPr lang="en-US" altLang="zh-TW" dirty="0" smtClean="0"/>
-              <a:t>(</a:t>
-            </a:r>
-            <a:r>
-              <a:rPr lang="en-US" altLang="zh-TW" dirty="0" err="1" smtClean="0"/>
-              <a:t>json</a:t>
-            </a:r>
-            <a:r>
-              <a:rPr lang="en-US" altLang="zh-TW" dirty="0" smtClean="0"/>
-              <a:t> context)</a:t>
-            </a:r>
-          </a:p>
-          <a:p>
-            <a:r>
-              <a:rPr lang="zh-TW" altLang="en-US" dirty="0" smtClean="0"/>
-              <a:t>檔案片段</a:t>
-            </a:r>
-            <a:r>
-              <a:rPr lang="en-US" altLang="zh-TW" dirty="0" smtClean="0"/>
-              <a:t>(file segment)</a:t>
-            </a:r>
-          </a:p>
-          <a:p>
-            <a:r>
-              <a:rPr lang="zh-TW" altLang="en-US" dirty="0" smtClean="0"/>
-              <a:t>告知收到檔案片段</a:t>
-            </a:r>
-            <a:r>
-              <a:rPr lang="en-US" altLang="zh-TW" dirty="0" smtClean="0"/>
-              <a:t>(</a:t>
-            </a:r>
-            <a:r>
-              <a:rPr lang="en-US" altLang="zh-TW" dirty="0" err="1" smtClean="0"/>
-              <a:t>ack</a:t>
-            </a:r>
-            <a:r>
-              <a:rPr lang="en-US" altLang="zh-TW" dirty="0" smtClean="0"/>
-              <a:t> file segment)</a:t>
-            </a:r>
-            <a:endParaRPr lang="zh-TW" altLang="en-US" dirty="0"/>
-          </a:p>
-        </p:txBody>
-      </p:sp>
-    </p:spTree>
-    <p:extLst>
-      <p:ext uri="{BB962C8B-B14F-4D97-AF65-F5344CB8AC3E}">
-        <p14:creationId xmlns:p14="http://schemas.microsoft.com/office/powerpoint/2010/main" val="2709312454"/>
-      </p:ext>
-    </p:extLst>
-  </p:cSld>
-  <p:clrMapOvr>
-    <a:masterClrMapping/>
-  </p:clrMapOvr>
-</p:sld>
-</file>
-
 <file path=ppt/slides/slide3.xml><?xml version="1.0" encoding="utf-8"?>
 <p:sld xmlns:a="http://schemas.openxmlformats.org/drawingml/2006/main" xmlns:r="http://schemas.openxmlformats.org/officeDocument/2006/relationships" xmlns:p="http://schemas.openxmlformats.org/presentationml/2006/main">
   <p:cSld>
@@ -19680,8 +23241,8 @@
         </p:nvSpPr>
         <p:spPr>
           <a:xfrm>
-            <a:off x="3789485" y="486420"/>
-            <a:ext cx="7121769" cy="718227"/>
+            <a:off x="3789485" y="270896"/>
+            <a:ext cx="7930661" cy="933752"/>
           </a:xfrm>
           <a:prstGeom prst="rect">
             <a:avLst/>
@@ -19724,7 +23285,7 @@
         </p:nvSpPr>
         <p:spPr>
           <a:xfrm>
-            <a:off x="3865315" y="521802"/>
+            <a:off x="3865315" y="354656"/>
             <a:ext cx="1916723" cy="369332"/>
           </a:xfrm>
           <a:prstGeom prst="rect">
@@ -19754,7 +23315,7 @@
         </p:nvSpPr>
         <p:spPr>
           <a:xfrm>
-            <a:off x="3827680" y="524053"/>
+            <a:off x="3827680" y="357158"/>
             <a:ext cx="1830722" cy="367081"/>
           </a:xfrm>
           <a:prstGeom prst="rect">
@@ -19784,44 +23345,6 @@
           <a:p>
             <a:pPr algn="ctr"/>
             <a:endParaRPr lang="zh-TW" altLang="en-US"/>
-          </a:p>
-        </p:txBody>
-      </p:sp>
-      <p:sp>
-        <p:nvSpPr>
-          <p:cNvPr id="60" name="文字方塊 59"/>
-          <p:cNvSpPr txBox="1"/>
-          <p:nvPr/>
-        </p:nvSpPr>
-        <p:spPr>
-          <a:xfrm>
-            <a:off x="7291767" y="628301"/>
-            <a:ext cx="1239148" cy="369332"/>
-          </a:xfrm>
-          <a:prstGeom prst="rect">
-            <a:avLst/>
-          </a:prstGeom>
-          <a:noFill/>
-        </p:spPr>
-        <p:txBody>
-          <a:bodyPr wrap="square" rtlCol="0">
-            <a:spAutoFit/>
-          </a:bodyPr>
-          <a:lstStyle/>
-          <a:p>
-            <a:r>
-              <a:rPr lang="en-US" altLang="zh-TW" dirty="0" smtClean="0"/>
-              <a:t>(</a:t>
-            </a:r>
-            <a:r>
-              <a:rPr lang="zh-TW" altLang="en-US" dirty="0" smtClean="0"/>
-              <a:t>待補</a:t>
-            </a:r>
-            <a:r>
-              <a:rPr lang="en-US" altLang="zh-TW" dirty="0" smtClean="0"/>
-              <a:t>)</a:t>
-            </a:r>
-            <a:endParaRPr lang="zh-TW" altLang="en-US" dirty="0"/>
           </a:p>
         </p:txBody>
       </p:sp>
@@ -19836,8 +23359,8 @@
         </p:nvCxnSpPr>
         <p:spPr>
           <a:xfrm flipV="1">
-            <a:off x="3018692" y="845534"/>
-            <a:ext cx="770793" cy="2947234"/>
+            <a:off x="3018692" y="737772"/>
+            <a:ext cx="770793" cy="3054996"/>
           </a:xfrm>
           <a:prstGeom prst="straightConnector1">
             <a:avLst/>
@@ -19861,6 +23384,349 @@
           </a:fontRef>
         </p:style>
       </p:cxnSp>
+      <p:sp>
+        <p:nvSpPr>
+          <p:cNvPr id="66" name="流程圖: 決策 65"/>
+          <p:cNvSpPr/>
+          <p:nvPr/>
+        </p:nvSpPr>
+        <p:spPr>
+          <a:xfrm>
+            <a:off x="5723895" y="405683"/>
+            <a:ext cx="1122485" cy="741810"/>
+          </a:xfrm>
+          <a:prstGeom prst="flowChartDecision">
+            <a:avLst/>
+          </a:prstGeom>
+        </p:spPr>
+        <p:style>
+          <a:lnRef idx="2">
+            <a:schemeClr val="accent1">
+              <a:shade val="50000"/>
+            </a:schemeClr>
+          </a:lnRef>
+          <a:fillRef idx="1">
+            <a:schemeClr val="accent1"/>
+          </a:fillRef>
+          <a:effectRef idx="0">
+            <a:schemeClr val="accent1"/>
+          </a:effectRef>
+          <a:fontRef idx="minor">
+            <a:schemeClr val="lt1"/>
+          </a:fontRef>
+        </p:style>
+        <p:txBody>
+          <a:bodyPr rtlCol="0" anchor="ctr"/>
+          <a:lstStyle/>
+          <a:p>
+            <a:pPr algn="ctr"/>
+            <a:endParaRPr lang="zh-TW" altLang="en-US"/>
+          </a:p>
+        </p:txBody>
+      </p:sp>
+      <p:sp>
+        <p:nvSpPr>
+          <p:cNvPr id="68" name="文字方塊 67"/>
+          <p:cNvSpPr txBox="1"/>
+          <p:nvPr/>
+        </p:nvSpPr>
+        <p:spPr>
+          <a:xfrm>
+            <a:off x="5940723" y="530043"/>
+            <a:ext cx="746971" cy="523220"/>
+          </a:xfrm>
+          <a:prstGeom prst="rect">
+            <a:avLst/>
+          </a:prstGeom>
+          <a:noFill/>
+        </p:spPr>
+        <p:txBody>
+          <a:bodyPr wrap="square" rtlCol="0">
+            <a:spAutoFit/>
+          </a:bodyPr>
+          <a:lstStyle/>
+          <a:p>
+            <a:r>
+              <a:rPr lang="zh-TW" altLang="en-US" sz="1400" dirty="0" smtClean="0"/>
+              <a:t>有</a:t>
+            </a:r>
+            <a:r>
+              <a:rPr lang="zh-TW" altLang="en-US" sz="1400" dirty="0" smtClean="0"/>
+              <a:t>無主程式</a:t>
+            </a:r>
+            <a:endParaRPr lang="zh-TW" altLang="en-US" sz="1400" dirty="0"/>
+          </a:p>
+        </p:txBody>
+      </p:sp>
+      <p:cxnSp>
+        <p:nvCxnSpPr>
+          <p:cNvPr id="77" name="直線單箭頭接點 76"/>
+          <p:cNvCxnSpPr/>
+          <p:nvPr/>
+        </p:nvCxnSpPr>
+        <p:spPr>
+          <a:xfrm>
+            <a:off x="3891603" y="802524"/>
+            <a:ext cx="1830722" cy="0"/>
+          </a:xfrm>
+          <a:prstGeom prst="straightConnector1">
+            <a:avLst/>
+          </a:prstGeom>
+          <a:ln>
+            <a:tailEnd type="triangle"/>
+          </a:ln>
+        </p:spPr>
+        <p:style>
+          <a:lnRef idx="1">
+            <a:schemeClr val="accent1"/>
+          </a:lnRef>
+          <a:fillRef idx="0">
+            <a:schemeClr val="accent1"/>
+          </a:fillRef>
+          <a:effectRef idx="0">
+            <a:schemeClr val="accent1"/>
+          </a:effectRef>
+          <a:fontRef idx="minor">
+            <a:schemeClr val="tx1"/>
+          </a:fontRef>
+        </p:style>
+      </p:cxnSp>
+      <p:sp>
+        <p:nvSpPr>
+          <p:cNvPr id="78" name="矩形 77"/>
+          <p:cNvSpPr/>
+          <p:nvPr/>
+        </p:nvSpPr>
+        <p:spPr>
+          <a:xfrm>
+            <a:off x="7349824" y="517927"/>
+            <a:ext cx="1827139" cy="481348"/>
+          </a:xfrm>
+          <a:prstGeom prst="rect">
+            <a:avLst/>
+          </a:prstGeom>
+        </p:spPr>
+        <p:style>
+          <a:lnRef idx="2">
+            <a:schemeClr val="accent1">
+              <a:shade val="50000"/>
+            </a:schemeClr>
+          </a:lnRef>
+          <a:fillRef idx="1">
+            <a:schemeClr val="accent1"/>
+          </a:fillRef>
+          <a:effectRef idx="0">
+            <a:schemeClr val="accent1"/>
+          </a:effectRef>
+          <a:fontRef idx="minor">
+            <a:schemeClr val="lt1"/>
+          </a:fontRef>
+        </p:style>
+        <p:txBody>
+          <a:bodyPr rtlCol="0" anchor="ctr"/>
+          <a:lstStyle/>
+          <a:p>
+            <a:pPr algn="ctr"/>
+            <a:endParaRPr lang="zh-TW" altLang="en-US"/>
+          </a:p>
+        </p:txBody>
+      </p:sp>
+      <p:sp>
+        <p:nvSpPr>
+          <p:cNvPr id="79" name="文字方塊 78"/>
+          <p:cNvSpPr txBox="1"/>
+          <p:nvPr/>
+        </p:nvSpPr>
+        <p:spPr>
+          <a:xfrm>
+            <a:off x="7382422" y="573935"/>
+            <a:ext cx="1794176" cy="369332"/>
+          </a:xfrm>
+          <a:prstGeom prst="rect">
+            <a:avLst/>
+          </a:prstGeom>
+          <a:noFill/>
+        </p:spPr>
+        <p:txBody>
+          <a:bodyPr wrap="square" rtlCol="0">
+            <a:spAutoFit/>
+          </a:bodyPr>
+          <a:lstStyle/>
+          <a:p>
+            <a:r>
+              <a:rPr lang="zh-TW" altLang="en-US" dirty="0" smtClean="0"/>
+              <a:t>傳送主程式分割</a:t>
+            </a:r>
+            <a:endParaRPr lang="zh-TW" altLang="en-US" dirty="0"/>
+          </a:p>
+        </p:txBody>
+      </p:sp>
+      <p:sp>
+        <p:nvSpPr>
+          <p:cNvPr id="80" name="矩形 79"/>
+          <p:cNvSpPr/>
+          <p:nvPr/>
+        </p:nvSpPr>
+        <p:spPr>
+          <a:xfrm>
+            <a:off x="9821008" y="523520"/>
+            <a:ext cx="1444864" cy="481348"/>
+          </a:xfrm>
+          <a:prstGeom prst="rect">
+            <a:avLst/>
+          </a:prstGeom>
+        </p:spPr>
+        <p:style>
+          <a:lnRef idx="2">
+            <a:schemeClr val="accent1">
+              <a:shade val="50000"/>
+            </a:schemeClr>
+          </a:lnRef>
+          <a:fillRef idx="1">
+            <a:schemeClr val="accent1"/>
+          </a:fillRef>
+          <a:effectRef idx="0">
+            <a:schemeClr val="accent1"/>
+          </a:effectRef>
+          <a:fontRef idx="minor">
+            <a:schemeClr val="lt1"/>
+          </a:fontRef>
+        </p:style>
+        <p:txBody>
+          <a:bodyPr rtlCol="0" anchor="ctr"/>
+          <a:lstStyle/>
+          <a:p>
+            <a:pPr algn="ctr"/>
+            <a:endParaRPr lang="zh-TW" altLang="en-US"/>
+          </a:p>
+        </p:txBody>
+      </p:sp>
+      <p:sp>
+        <p:nvSpPr>
+          <p:cNvPr id="81" name="文字方塊 80"/>
+          <p:cNvSpPr txBox="1"/>
+          <p:nvPr/>
+        </p:nvSpPr>
+        <p:spPr>
+          <a:xfrm>
+            <a:off x="9891347" y="579528"/>
+            <a:ext cx="1374526" cy="369332"/>
+          </a:xfrm>
+          <a:prstGeom prst="rect">
+            <a:avLst/>
+          </a:prstGeom>
+          <a:noFill/>
+        </p:spPr>
+        <p:txBody>
+          <a:bodyPr wrap="square" rtlCol="0">
+            <a:spAutoFit/>
+          </a:bodyPr>
+          <a:lstStyle/>
+          <a:p>
+            <a:r>
+              <a:rPr lang="zh-TW" altLang="en-US" dirty="0" smtClean="0"/>
+              <a:t>組合主程式</a:t>
+            </a:r>
+            <a:endParaRPr lang="zh-TW" altLang="en-US" dirty="0"/>
+          </a:p>
+        </p:txBody>
+      </p:sp>
+      <p:cxnSp>
+        <p:nvCxnSpPr>
+          <p:cNvPr id="82" name="直線單箭頭接點 81"/>
+          <p:cNvCxnSpPr/>
+          <p:nvPr/>
+        </p:nvCxnSpPr>
+        <p:spPr>
+          <a:xfrm>
+            <a:off x="6790590" y="788476"/>
+            <a:ext cx="559777" cy="0"/>
+          </a:xfrm>
+          <a:prstGeom prst="straightConnector1">
+            <a:avLst/>
+          </a:prstGeom>
+          <a:ln>
+            <a:tailEnd type="triangle"/>
+          </a:ln>
+        </p:spPr>
+        <p:style>
+          <a:lnRef idx="1">
+            <a:schemeClr val="accent1"/>
+          </a:lnRef>
+          <a:fillRef idx="0">
+            <a:schemeClr val="accent1"/>
+          </a:fillRef>
+          <a:effectRef idx="0">
+            <a:schemeClr val="accent1"/>
+          </a:effectRef>
+          <a:fontRef idx="minor">
+            <a:schemeClr val="tx1"/>
+          </a:fontRef>
+        </p:style>
+      </p:cxnSp>
+      <p:cxnSp>
+        <p:nvCxnSpPr>
+          <p:cNvPr id="83" name="直線單箭頭接點 82"/>
+          <p:cNvCxnSpPr/>
+          <p:nvPr/>
+        </p:nvCxnSpPr>
+        <p:spPr>
+          <a:xfrm>
+            <a:off x="9032440" y="788476"/>
+            <a:ext cx="788568" cy="0"/>
+          </a:xfrm>
+          <a:prstGeom prst="straightConnector1">
+            <a:avLst/>
+          </a:prstGeom>
+          <a:ln>
+            <a:tailEnd type="triangle"/>
+          </a:ln>
+        </p:spPr>
+        <p:style>
+          <a:lnRef idx="1">
+            <a:schemeClr val="accent1"/>
+          </a:lnRef>
+          <a:fillRef idx="0">
+            <a:schemeClr val="accent1"/>
+          </a:fillRef>
+          <a:effectRef idx="0">
+            <a:schemeClr val="accent1"/>
+          </a:effectRef>
+          <a:fontRef idx="minor">
+            <a:schemeClr val="tx1"/>
+          </a:fontRef>
+        </p:style>
+      </p:cxnSp>
+      <p:sp>
+        <p:nvSpPr>
+          <p:cNvPr id="84" name="文字方塊 83"/>
+          <p:cNvSpPr txBox="1"/>
+          <p:nvPr/>
+        </p:nvSpPr>
+        <p:spPr>
+          <a:xfrm>
+            <a:off x="6867676" y="483127"/>
+            <a:ext cx="556079" cy="369332"/>
+          </a:xfrm>
+          <a:prstGeom prst="rect">
+            <a:avLst/>
+          </a:prstGeom>
+          <a:noFill/>
+        </p:spPr>
+        <p:txBody>
+          <a:bodyPr wrap="square" rtlCol="0">
+            <a:spAutoFit/>
+          </a:bodyPr>
+          <a:lstStyle/>
+          <a:p>
+            <a:r>
+              <a:rPr lang="zh-TW" altLang="en-US" smtClean="0"/>
+              <a:t>有</a:t>
+            </a:r>
+            <a:endParaRPr lang="zh-TW" altLang="en-US"/>
+          </a:p>
+        </p:txBody>
+      </p:sp>
     </p:spTree>
     <p:extLst>
       <p:ext uri="{BB962C8B-B14F-4D97-AF65-F5344CB8AC3E}">

--- a/藍芽溝通方式_20210514.pptx
+++ b/藍芽溝通方式_20210514.pptx
@@ -270,7 +270,7 @@
           <a:p>
             <a:fld id="{86A64ED7-B347-4843-8DF6-DCD5F899D218}" type="datetimeFigureOut">
               <a:rPr lang="zh-TW" altLang="en-US" smtClean="0"/>
-              <a:t>2021/6/18</a:t>
+              <a:t>2021/6/26</a:t>
             </a:fld>
             <a:endParaRPr lang="zh-TW" altLang="en-US"/>
           </a:p>
@@ -440,7 +440,7 @@
           <a:p>
             <a:fld id="{86A64ED7-B347-4843-8DF6-DCD5F899D218}" type="datetimeFigureOut">
               <a:rPr lang="zh-TW" altLang="en-US" smtClean="0"/>
-              <a:t>2021/6/18</a:t>
+              <a:t>2021/6/26</a:t>
             </a:fld>
             <a:endParaRPr lang="zh-TW" altLang="en-US"/>
           </a:p>
@@ -620,7 +620,7 @@
           <a:p>
             <a:fld id="{86A64ED7-B347-4843-8DF6-DCD5F899D218}" type="datetimeFigureOut">
               <a:rPr lang="zh-TW" altLang="en-US" smtClean="0"/>
-              <a:t>2021/6/18</a:t>
+              <a:t>2021/6/26</a:t>
             </a:fld>
             <a:endParaRPr lang="zh-TW" altLang="en-US"/>
           </a:p>
@@ -790,7 +790,7 @@
           <a:p>
             <a:fld id="{86A64ED7-B347-4843-8DF6-DCD5F899D218}" type="datetimeFigureOut">
               <a:rPr lang="zh-TW" altLang="en-US" smtClean="0"/>
-              <a:t>2021/6/18</a:t>
+              <a:t>2021/6/26</a:t>
             </a:fld>
             <a:endParaRPr lang="zh-TW" altLang="en-US"/>
           </a:p>
@@ -1036,7 +1036,7 @@
           <a:p>
             <a:fld id="{86A64ED7-B347-4843-8DF6-DCD5F899D218}" type="datetimeFigureOut">
               <a:rPr lang="zh-TW" altLang="en-US" smtClean="0"/>
-              <a:t>2021/6/18</a:t>
+              <a:t>2021/6/26</a:t>
             </a:fld>
             <a:endParaRPr lang="zh-TW" altLang="en-US"/>
           </a:p>
@@ -1268,7 +1268,7 @@
           <a:p>
             <a:fld id="{86A64ED7-B347-4843-8DF6-DCD5F899D218}" type="datetimeFigureOut">
               <a:rPr lang="zh-TW" altLang="en-US" smtClean="0"/>
-              <a:t>2021/6/18</a:t>
+              <a:t>2021/6/26</a:t>
             </a:fld>
             <a:endParaRPr lang="zh-TW" altLang="en-US"/>
           </a:p>
@@ -1635,7 +1635,7 @@
           <a:p>
             <a:fld id="{86A64ED7-B347-4843-8DF6-DCD5F899D218}" type="datetimeFigureOut">
               <a:rPr lang="zh-TW" altLang="en-US" smtClean="0"/>
-              <a:t>2021/6/18</a:t>
+              <a:t>2021/6/26</a:t>
             </a:fld>
             <a:endParaRPr lang="zh-TW" altLang="en-US"/>
           </a:p>
@@ -1753,7 +1753,7 @@
           <a:p>
             <a:fld id="{86A64ED7-B347-4843-8DF6-DCD5F899D218}" type="datetimeFigureOut">
               <a:rPr lang="zh-TW" altLang="en-US" smtClean="0"/>
-              <a:t>2021/6/18</a:t>
+              <a:t>2021/6/26</a:t>
             </a:fld>
             <a:endParaRPr lang="zh-TW" altLang="en-US"/>
           </a:p>
@@ -1848,7 +1848,7 @@
           <a:p>
             <a:fld id="{86A64ED7-B347-4843-8DF6-DCD5F899D218}" type="datetimeFigureOut">
               <a:rPr lang="zh-TW" altLang="en-US" smtClean="0"/>
-              <a:t>2021/6/18</a:t>
+              <a:t>2021/6/26</a:t>
             </a:fld>
             <a:endParaRPr lang="zh-TW" altLang="en-US"/>
           </a:p>
@@ -2125,7 +2125,7 @@
           <a:p>
             <a:fld id="{86A64ED7-B347-4843-8DF6-DCD5F899D218}" type="datetimeFigureOut">
               <a:rPr lang="zh-TW" altLang="en-US" smtClean="0"/>
-              <a:t>2021/6/18</a:t>
+              <a:t>2021/6/26</a:t>
             </a:fld>
             <a:endParaRPr lang="zh-TW" altLang="en-US"/>
           </a:p>
@@ -2378,7 +2378,7 @@
           <a:p>
             <a:fld id="{86A64ED7-B347-4843-8DF6-DCD5F899D218}" type="datetimeFigureOut">
               <a:rPr lang="zh-TW" altLang="en-US" smtClean="0"/>
-              <a:t>2021/6/18</a:t>
+              <a:t>2021/6/26</a:t>
             </a:fld>
             <a:endParaRPr lang="zh-TW" altLang="en-US"/>
           </a:p>
@@ -2591,7 +2591,7 @@
           <a:p>
             <a:fld id="{86A64ED7-B347-4843-8DF6-DCD5F899D218}" type="datetimeFigureOut">
               <a:rPr lang="zh-TW" altLang="en-US" smtClean="0"/>
-              <a:t>2021/6/18</a:t>
+              <a:t>2021/6/26</a:t>
             </a:fld>
             <a:endParaRPr lang="zh-TW" altLang="en-US"/>
           </a:p>
@@ -13520,11 +13520,7 @@
           <a:p>
             <a:r>
               <a:rPr lang="zh-TW" altLang="en-US" sz="1400" dirty="0" smtClean="0"/>
-              <a:t>音樂</a:t>
-            </a:r>
-            <a:r>
-              <a:rPr lang="zh-TW" altLang="en-US" sz="1400" dirty="0" smtClean="0"/>
-              <a:t>遊戲</a:t>
+              <a:t>音樂遊戲</a:t>
             </a:r>
             <a:r>
               <a:rPr lang="en-US" altLang="zh-TW" sz="1400" dirty="0" smtClean="0"/>
@@ -13562,11 +13558,7 @@
           <a:p>
             <a:r>
               <a:rPr lang="zh-TW" altLang="en-US" sz="1400" dirty="0" smtClean="0"/>
-              <a:t>難度</a:t>
-            </a:r>
-            <a:r>
-              <a:rPr lang="zh-TW" altLang="en-US" sz="1400" dirty="0" smtClean="0"/>
-              <a:t>使用</a:t>
+              <a:t>難度使用</a:t>
             </a:r>
             <a:r>
               <a:rPr lang="zh-TW" altLang="en-US" sz="1400" dirty="0"/>
@@ -22629,15 +22621,7 @@
                   <a:schemeClr val="accent1"/>
                 </a:solidFill>
               </a:rPr>
-              <a:t>App </a:t>
-            </a:r>
-            <a:r>
-              <a:rPr lang="en-US" altLang="zh-TW" dirty="0" smtClean="0">
-                <a:solidFill>
-                  <a:schemeClr val="accent1"/>
-                </a:solidFill>
-              </a:rPr>
-              <a:t>Complete Game</a:t>
+              <a:t>App Complete Game</a:t>
             </a:r>
             <a:endParaRPr lang="zh-TW" altLang="en-US" dirty="0">
               <a:solidFill>
@@ -22683,23 +22667,7 @@
                   <a:schemeClr val="accent1"/>
                 </a:solidFill>
               </a:rPr>
-              <a:t> </a:t>
-            </a:r>
-            <a:r>
-              <a:rPr lang="en-US" altLang="zh-TW" dirty="0" smtClean="0">
-                <a:solidFill>
-                  <a:schemeClr val="accent1"/>
-                </a:solidFill>
-              </a:rPr>
-              <a:t>App </a:t>
-            </a:r>
-            <a:r>
-              <a:rPr lang="en-US" altLang="zh-TW" dirty="0" smtClean="0">
-                <a:solidFill>
-                  <a:schemeClr val="accent1"/>
-                </a:solidFill>
-              </a:rPr>
-              <a:t>Complete Game</a:t>
+              <a:t> App Complete Game</a:t>
             </a:r>
             <a:endParaRPr lang="zh-TW" altLang="en-US" dirty="0">
               <a:solidFill>
@@ -24096,11 +24064,7 @@
           <a:p>
             <a:r>
               <a:rPr lang="zh-TW" altLang="en-US" dirty="0" smtClean="0"/>
-              <a:t>遊戲</a:t>
-            </a:r>
-            <a:r>
-              <a:rPr lang="zh-TW" altLang="en-US" dirty="0" smtClean="0"/>
-              <a:t>結算</a:t>
+              <a:t>遊戲結算</a:t>
             </a:r>
             <a:endParaRPr lang="zh-TW" altLang="en-US" dirty="0"/>
           </a:p>
@@ -27316,7 +27280,6 @@
               <a:rPr lang="zh-TW" altLang="en-US" dirty="0"/>
               <a:t>音色</a:t>
             </a:r>
-            <a:endParaRPr lang="zh-TW" altLang="en-US" dirty="0"/>
           </a:p>
         </p:txBody>
       </p:sp>
@@ -27571,7 +27534,7 @@
         <p:spPr>
           <a:xfrm>
             <a:off x="397223" y="5019309"/>
-            <a:ext cx="1661081" cy="1169551"/>
+            <a:ext cx="1661081" cy="1384995"/>
           </a:xfrm>
           <a:prstGeom prst="rect">
             <a:avLst/>
@@ -27612,10 +27575,17 @@
           </a:p>
           <a:p>
             <a:r>
-              <a:rPr lang="en-US" altLang="zh-TW" sz="1400" dirty="0" smtClean="0"/>
-              <a:t>V2JapaneseStudio</a:t>
-            </a:r>
-            <a:endParaRPr lang="zh-TW" altLang="en-US" sz="1400" dirty="0"/>
+              <a:rPr lang="en-US" altLang="zh-TW" sz="1400" dirty="0" err="1" smtClean="0"/>
+              <a:t>HansZimmerPiano</a:t>
+            </a:r>
+            <a:endParaRPr lang="en-US" altLang="zh-TW" sz="1400" dirty="0" smtClean="0"/>
+          </a:p>
+          <a:p>
+            <a:r>
+              <a:rPr lang="en-US" altLang="zh-TW" sz="1400" dirty="0" err="1" smtClean="0"/>
+              <a:t>Bosendorfer</a:t>
+            </a:r>
+            <a:endParaRPr lang="en-US" altLang="zh-TW" sz="1400" dirty="0" smtClean="0"/>
           </a:p>
         </p:txBody>
       </p:sp>
@@ -29734,11 +29704,7 @@
           <a:p>
             <a:r>
               <a:rPr lang="zh-TW" altLang="en-US" dirty="0" smtClean="0"/>
-              <a:t>遊戲</a:t>
-            </a:r>
-            <a:r>
-              <a:rPr lang="zh-TW" altLang="en-US" dirty="0" smtClean="0"/>
-              <a:t>模式</a:t>
+              <a:t>遊戲模式</a:t>
             </a:r>
             <a:endParaRPr lang="zh-TW" altLang="en-US" dirty="0"/>
           </a:p>
@@ -31550,7 +31516,6 @@
               <a:rPr lang="zh-TW" altLang="en-US" dirty="0"/>
               <a:t>音色</a:t>
             </a:r>
-            <a:endParaRPr lang="zh-TW" altLang="en-US" dirty="0"/>
           </a:p>
         </p:txBody>
       </p:sp>
